--- a/实现设计/WeDID合规监管框架-2022-8-16.pptx
+++ b/实现设计/WeDID合规监管框架-2022-8-16.pptx
@@ -189,6 +189,3770 @@
 </p:presentation>
 </file>
 
+<file path=ppt/diagrams/colors1.xml><?xml version="1.0" encoding="utf-8"?>
+<dgm:colorsDef xmlns:dgm="http://schemas.openxmlformats.org/drawingml/2006/diagram" xmlns:a="http://schemas.openxmlformats.org/drawingml/2006/main" uniqueId="urn:microsoft.com/office/officeart/2005/8/colors/accent1_2">
+  <dgm:title val=""/>
+  <dgm:desc val=""/>
+  <dgm:catLst>
+    <dgm:cat type="accent1" pri="11200"/>
+  </dgm:catLst>
+  <dgm:styleLbl name="node0">
+    <dgm:fillClrLst meth="repeat">
+      <a:schemeClr val="accent1"/>
+    </dgm:fillClrLst>
+    <dgm:linClrLst meth="repeat">
+      <a:schemeClr val="lt1"/>
+    </dgm:linClrLst>
+    <dgm:effectClrLst/>
+    <dgm:txLinClrLst/>
+    <dgm:txFillClrLst/>
+    <dgm:txEffectClrLst/>
+  </dgm:styleLbl>
+  <dgm:styleLbl name="alignNode1">
+    <dgm:fillClrLst meth="repeat">
+      <a:schemeClr val="accent1"/>
+    </dgm:fillClrLst>
+    <dgm:linClrLst meth="repeat">
+      <a:schemeClr val="accent1"/>
+    </dgm:linClrLst>
+    <dgm:effectClrLst/>
+    <dgm:txLinClrLst/>
+    <dgm:txFillClrLst/>
+    <dgm:txEffectClrLst/>
+  </dgm:styleLbl>
+  <dgm:styleLbl name="node1">
+    <dgm:fillClrLst meth="repeat">
+      <a:schemeClr val="accent1"/>
+    </dgm:fillClrLst>
+    <dgm:linClrLst meth="repeat">
+      <a:schemeClr val="lt1"/>
+    </dgm:linClrLst>
+    <dgm:effectClrLst/>
+    <dgm:txLinClrLst/>
+    <dgm:txFillClrLst/>
+    <dgm:txEffectClrLst/>
+  </dgm:styleLbl>
+  <dgm:styleLbl name="lnNode1">
+    <dgm:fillClrLst meth="repeat">
+      <a:schemeClr val="accent1"/>
+    </dgm:fillClrLst>
+    <dgm:linClrLst meth="repeat">
+      <a:schemeClr val="lt1"/>
+    </dgm:linClrLst>
+    <dgm:effectClrLst/>
+    <dgm:txLinClrLst/>
+    <dgm:txFillClrLst/>
+    <dgm:txEffectClrLst/>
+  </dgm:styleLbl>
+  <dgm:styleLbl name="vennNode1">
+    <dgm:fillClrLst meth="repeat">
+      <a:schemeClr val="accent1">
+        <a:alpha val="50000"/>
+      </a:schemeClr>
+    </dgm:fillClrLst>
+    <dgm:linClrLst meth="repeat">
+      <a:schemeClr val="lt1"/>
+    </dgm:linClrLst>
+    <dgm:effectClrLst/>
+    <dgm:txLinClrLst/>
+    <dgm:txFillClrLst/>
+    <dgm:txEffectClrLst/>
+  </dgm:styleLbl>
+  <dgm:styleLbl name="node2">
+    <dgm:fillClrLst meth="repeat">
+      <a:schemeClr val="accent1"/>
+    </dgm:fillClrLst>
+    <dgm:linClrLst meth="repeat">
+      <a:schemeClr val="lt1"/>
+    </dgm:linClrLst>
+    <dgm:effectClrLst/>
+    <dgm:txLinClrLst/>
+    <dgm:txFillClrLst/>
+    <dgm:txEffectClrLst/>
+  </dgm:styleLbl>
+  <dgm:styleLbl name="node3">
+    <dgm:fillClrLst meth="repeat">
+      <a:schemeClr val="accent1"/>
+    </dgm:fillClrLst>
+    <dgm:linClrLst meth="repeat">
+      <a:schemeClr val="lt1"/>
+    </dgm:linClrLst>
+    <dgm:effectClrLst/>
+    <dgm:txLinClrLst/>
+    <dgm:txFillClrLst/>
+    <dgm:txEffectClrLst/>
+  </dgm:styleLbl>
+  <dgm:styleLbl name="node4">
+    <dgm:fillClrLst meth="repeat">
+      <a:schemeClr val="accent1"/>
+    </dgm:fillClrLst>
+    <dgm:linClrLst meth="repeat">
+      <a:schemeClr val="lt1"/>
+    </dgm:linClrLst>
+    <dgm:effectClrLst/>
+    <dgm:txLinClrLst/>
+    <dgm:txFillClrLst/>
+    <dgm:txEffectClrLst/>
+  </dgm:styleLbl>
+  <dgm:styleLbl name="fgImgPlace1">
+    <dgm:fillClrLst meth="repeat">
+      <a:schemeClr val="accent1">
+        <a:tint val="50000"/>
+      </a:schemeClr>
+    </dgm:fillClrLst>
+    <dgm:linClrLst meth="repeat">
+      <a:schemeClr val="lt1"/>
+    </dgm:linClrLst>
+    <dgm:effectClrLst/>
+    <dgm:txLinClrLst/>
+    <dgm:txFillClrLst meth="repeat">
+      <a:schemeClr val="lt1"/>
+    </dgm:txFillClrLst>
+    <dgm:txEffectClrLst/>
+  </dgm:styleLbl>
+  <dgm:styleLbl name="alignImgPlace1">
+    <dgm:fillClrLst meth="repeat">
+      <a:schemeClr val="accent1">
+        <a:tint val="50000"/>
+      </a:schemeClr>
+    </dgm:fillClrLst>
+    <dgm:linClrLst meth="repeat">
+      <a:schemeClr val="lt1"/>
+    </dgm:linClrLst>
+    <dgm:effectClrLst/>
+    <dgm:txLinClrLst/>
+    <dgm:txFillClrLst meth="repeat">
+      <a:schemeClr val="lt1"/>
+    </dgm:txFillClrLst>
+    <dgm:txEffectClrLst/>
+  </dgm:styleLbl>
+  <dgm:styleLbl name="bgImgPlace1">
+    <dgm:fillClrLst meth="repeat">
+      <a:schemeClr val="accent1">
+        <a:tint val="50000"/>
+      </a:schemeClr>
+    </dgm:fillClrLst>
+    <dgm:linClrLst meth="repeat">
+      <a:schemeClr val="lt1"/>
+    </dgm:linClrLst>
+    <dgm:effectClrLst/>
+    <dgm:txLinClrLst/>
+    <dgm:txFillClrLst meth="repeat">
+      <a:schemeClr val="lt1"/>
+    </dgm:txFillClrLst>
+    <dgm:txEffectClrLst/>
+  </dgm:styleLbl>
+  <dgm:styleLbl name="sibTrans2D1">
+    <dgm:fillClrLst meth="repeat">
+      <a:schemeClr val="accent1">
+        <a:tint val="60000"/>
+      </a:schemeClr>
+    </dgm:fillClrLst>
+    <dgm:linClrLst meth="repeat">
+      <a:schemeClr val="accent1">
+        <a:tint val="60000"/>
+      </a:schemeClr>
+    </dgm:linClrLst>
+    <dgm:effectClrLst/>
+    <dgm:txLinClrLst/>
+    <dgm:txFillClrLst/>
+    <dgm:txEffectClrLst/>
+  </dgm:styleLbl>
+  <dgm:styleLbl name="fgSibTrans2D1">
+    <dgm:fillClrLst meth="repeat">
+      <a:schemeClr val="accent1">
+        <a:tint val="60000"/>
+      </a:schemeClr>
+    </dgm:fillClrLst>
+    <dgm:linClrLst meth="repeat">
+      <a:schemeClr val="accent1">
+        <a:tint val="60000"/>
+      </a:schemeClr>
+    </dgm:linClrLst>
+    <dgm:effectClrLst/>
+    <dgm:txLinClrLst/>
+    <dgm:txFillClrLst/>
+    <dgm:txEffectClrLst/>
+  </dgm:styleLbl>
+  <dgm:styleLbl name="bgSibTrans2D1">
+    <dgm:fillClrLst meth="repeat">
+      <a:schemeClr val="accent1">
+        <a:tint val="60000"/>
+      </a:schemeClr>
+    </dgm:fillClrLst>
+    <dgm:linClrLst meth="repeat">
+      <a:schemeClr val="accent1">
+        <a:tint val="60000"/>
+      </a:schemeClr>
+    </dgm:linClrLst>
+    <dgm:effectClrLst/>
+    <dgm:txLinClrLst/>
+    <dgm:txFillClrLst/>
+    <dgm:txEffectClrLst/>
+  </dgm:styleLbl>
+  <dgm:styleLbl name="sibTrans1D1">
+    <dgm:fillClrLst meth="repeat">
+      <a:schemeClr val="accent1"/>
+    </dgm:fillClrLst>
+    <dgm:linClrLst meth="repeat">
+      <a:schemeClr val="accent1"/>
+    </dgm:linClrLst>
+    <dgm:effectClrLst/>
+    <dgm:txLinClrLst/>
+    <dgm:txFillClrLst meth="repeat">
+      <a:schemeClr val="tx1"/>
+    </dgm:txFillClrLst>
+    <dgm:txEffectClrLst/>
+  </dgm:styleLbl>
+  <dgm:styleLbl name="callout">
+    <dgm:fillClrLst meth="repeat">
+      <a:schemeClr val="accent1"/>
+    </dgm:fillClrLst>
+    <dgm:linClrLst meth="repeat">
+      <a:schemeClr val="accent1">
+        <a:tint val="50000"/>
+      </a:schemeClr>
+    </dgm:linClrLst>
+    <dgm:effectClrLst/>
+    <dgm:txLinClrLst/>
+    <dgm:txFillClrLst meth="repeat">
+      <a:schemeClr val="tx1"/>
+    </dgm:txFillClrLst>
+    <dgm:txEffectClrLst/>
+  </dgm:styleLbl>
+  <dgm:styleLbl name="asst0">
+    <dgm:fillClrLst meth="repeat">
+      <a:schemeClr val="accent1"/>
+    </dgm:fillClrLst>
+    <dgm:linClrLst meth="repeat">
+      <a:schemeClr val="lt1"/>
+    </dgm:linClrLst>
+    <dgm:effectClrLst/>
+    <dgm:txLinClrLst/>
+    <dgm:txFillClrLst/>
+    <dgm:txEffectClrLst/>
+  </dgm:styleLbl>
+  <dgm:styleLbl name="asst1">
+    <dgm:fillClrLst meth="repeat">
+      <a:schemeClr val="accent1"/>
+    </dgm:fillClrLst>
+    <dgm:linClrLst meth="repeat">
+      <a:schemeClr val="lt1"/>
+    </dgm:linClrLst>
+    <dgm:effectClrLst/>
+    <dgm:txLinClrLst/>
+    <dgm:txFillClrLst/>
+    <dgm:txEffectClrLst/>
+  </dgm:styleLbl>
+  <dgm:styleLbl name="asst2">
+    <dgm:fillClrLst meth="repeat">
+      <a:schemeClr val="accent1"/>
+    </dgm:fillClrLst>
+    <dgm:linClrLst meth="repeat">
+      <a:schemeClr val="lt1"/>
+    </dgm:linClrLst>
+    <dgm:effectClrLst/>
+    <dgm:txLinClrLst/>
+    <dgm:txFillClrLst/>
+    <dgm:txEffectClrLst/>
+  </dgm:styleLbl>
+  <dgm:styleLbl name="asst3">
+    <dgm:fillClrLst meth="repeat">
+      <a:schemeClr val="accent1"/>
+    </dgm:fillClrLst>
+    <dgm:linClrLst meth="repeat">
+      <a:schemeClr val="lt1"/>
+    </dgm:linClrLst>
+    <dgm:effectClrLst/>
+    <dgm:txLinClrLst/>
+    <dgm:txFillClrLst/>
+    <dgm:txEffectClrLst/>
+  </dgm:styleLbl>
+  <dgm:styleLbl name="asst4">
+    <dgm:fillClrLst meth="repeat">
+      <a:schemeClr val="accent1"/>
+    </dgm:fillClrLst>
+    <dgm:linClrLst meth="repeat">
+      <a:schemeClr val="lt1"/>
+    </dgm:linClrLst>
+    <dgm:effectClrLst/>
+    <dgm:txLinClrLst/>
+    <dgm:txFillClrLst/>
+    <dgm:txEffectClrLst/>
+  </dgm:styleLbl>
+  <dgm:styleLbl name="parChTrans2D1">
+    <dgm:fillClrLst meth="repeat">
+      <a:schemeClr val="accent1">
+        <a:tint val="60000"/>
+      </a:schemeClr>
+    </dgm:fillClrLst>
+    <dgm:linClrLst meth="repeat">
+      <a:schemeClr val="accent1">
+        <a:tint val="60000"/>
+      </a:schemeClr>
+    </dgm:linClrLst>
+    <dgm:effectClrLst/>
+    <dgm:txLinClrLst/>
+    <dgm:txFillClrLst meth="repeat">
+      <a:schemeClr val="lt1"/>
+    </dgm:txFillClrLst>
+    <dgm:txEffectClrLst/>
+  </dgm:styleLbl>
+  <dgm:styleLbl name="parChTrans2D2">
+    <dgm:fillClrLst meth="repeat">
+      <a:schemeClr val="accent1"/>
+    </dgm:fillClrLst>
+    <dgm:linClrLst meth="repeat">
+      <a:schemeClr val="accent1"/>
+    </dgm:linClrLst>
+    <dgm:effectClrLst/>
+    <dgm:txLinClrLst/>
+    <dgm:txFillClrLst meth="repeat">
+      <a:schemeClr val="lt1"/>
+    </dgm:txFillClrLst>
+    <dgm:txEffectClrLst/>
+  </dgm:styleLbl>
+  <dgm:styleLbl name="parChTrans2D3">
+    <dgm:fillClrLst meth="repeat">
+      <a:schemeClr val="accent1"/>
+    </dgm:fillClrLst>
+    <dgm:linClrLst meth="repeat">
+      <a:schemeClr val="accent1"/>
+    </dgm:linClrLst>
+    <dgm:effectClrLst/>
+    <dgm:txLinClrLst/>
+    <dgm:txFillClrLst meth="repeat">
+      <a:schemeClr val="lt1"/>
+    </dgm:txFillClrLst>
+    <dgm:txEffectClrLst/>
+  </dgm:styleLbl>
+  <dgm:styleLbl name="parChTrans2D4">
+    <dgm:fillClrLst meth="repeat">
+      <a:schemeClr val="accent1"/>
+    </dgm:fillClrLst>
+    <dgm:linClrLst meth="repeat">
+      <a:schemeClr val="accent1"/>
+    </dgm:linClrLst>
+    <dgm:effectClrLst/>
+    <dgm:txLinClrLst/>
+    <dgm:txFillClrLst meth="repeat">
+      <a:schemeClr val="lt1"/>
+    </dgm:txFillClrLst>
+    <dgm:txEffectClrLst/>
+  </dgm:styleLbl>
+  <dgm:styleLbl name="parChTrans1D1">
+    <dgm:fillClrLst meth="repeat">
+      <a:schemeClr val="accent1"/>
+    </dgm:fillClrLst>
+    <dgm:linClrLst meth="repeat">
+      <a:schemeClr val="accent1">
+        <a:shade val="60000"/>
+      </a:schemeClr>
+    </dgm:linClrLst>
+    <dgm:effectClrLst/>
+    <dgm:txLinClrLst/>
+    <dgm:txFillClrLst meth="repeat">
+      <a:schemeClr val="tx1"/>
+    </dgm:txFillClrLst>
+    <dgm:txEffectClrLst/>
+  </dgm:styleLbl>
+  <dgm:styleLbl name="parChTrans1D2">
+    <dgm:fillClrLst meth="repeat">
+      <a:schemeClr val="accent1"/>
+    </dgm:fillClrLst>
+    <dgm:linClrLst meth="repeat">
+      <a:schemeClr val="accent1">
+        <a:shade val="60000"/>
+      </a:schemeClr>
+    </dgm:linClrLst>
+    <dgm:effectClrLst/>
+    <dgm:txLinClrLst/>
+    <dgm:txFillClrLst meth="repeat">
+      <a:schemeClr val="tx1"/>
+    </dgm:txFillClrLst>
+    <dgm:txEffectClrLst/>
+  </dgm:styleLbl>
+  <dgm:styleLbl name="parChTrans1D3">
+    <dgm:fillClrLst meth="repeat">
+      <a:schemeClr val="accent1"/>
+    </dgm:fillClrLst>
+    <dgm:linClrLst meth="repeat">
+      <a:schemeClr val="accent1">
+        <a:shade val="80000"/>
+      </a:schemeClr>
+    </dgm:linClrLst>
+    <dgm:effectClrLst/>
+    <dgm:txLinClrLst/>
+    <dgm:txFillClrLst meth="repeat">
+      <a:schemeClr val="tx1"/>
+    </dgm:txFillClrLst>
+    <dgm:txEffectClrLst/>
+  </dgm:styleLbl>
+  <dgm:styleLbl name="parChTrans1D4">
+    <dgm:fillClrLst meth="repeat">
+      <a:schemeClr val="accent1"/>
+    </dgm:fillClrLst>
+    <dgm:linClrLst meth="repeat">
+      <a:schemeClr val="accent1">
+        <a:shade val="80000"/>
+      </a:schemeClr>
+    </dgm:linClrLst>
+    <dgm:effectClrLst/>
+    <dgm:txLinClrLst/>
+    <dgm:txFillClrLst meth="repeat">
+      <a:schemeClr val="tx1"/>
+    </dgm:txFillClrLst>
+    <dgm:txEffectClrLst/>
+  </dgm:styleLbl>
+  <dgm:styleLbl name="fgAcc1">
+    <dgm:fillClrLst meth="repeat">
+      <a:schemeClr val="lt1">
+        <a:alpha val="90000"/>
+      </a:schemeClr>
+    </dgm:fillClrLst>
+    <dgm:linClrLst meth="repeat">
+      <a:schemeClr val="accent1"/>
+    </dgm:linClrLst>
+    <dgm:effectClrLst/>
+    <dgm:txLinClrLst/>
+    <dgm:txFillClrLst meth="repeat">
+      <a:schemeClr val="dk1"/>
+    </dgm:txFillClrLst>
+    <dgm:txEffectClrLst/>
+  </dgm:styleLbl>
+  <dgm:styleLbl name="conFgAcc1">
+    <dgm:fillClrLst meth="repeat">
+      <a:schemeClr val="lt1">
+        <a:alpha val="90000"/>
+      </a:schemeClr>
+    </dgm:fillClrLst>
+    <dgm:linClrLst meth="repeat">
+      <a:schemeClr val="accent1"/>
+    </dgm:linClrLst>
+    <dgm:effectClrLst/>
+    <dgm:txLinClrLst/>
+    <dgm:txFillClrLst meth="repeat">
+      <a:schemeClr val="dk1"/>
+    </dgm:txFillClrLst>
+    <dgm:txEffectClrLst/>
+  </dgm:styleLbl>
+  <dgm:styleLbl name="alignAcc1">
+    <dgm:fillClrLst meth="repeat">
+      <a:schemeClr val="lt1">
+        <a:alpha val="90000"/>
+      </a:schemeClr>
+    </dgm:fillClrLst>
+    <dgm:linClrLst meth="repeat">
+      <a:schemeClr val="accent1"/>
+    </dgm:linClrLst>
+    <dgm:effectClrLst/>
+    <dgm:txLinClrLst/>
+    <dgm:txFillClrLst meth="repeat">
+      <a:schemeClr val="dk1"/>
+    </dgm:txFillClrLst>
+    <dgm:txEffectClrLst/>
+  </dgm:styleLbl>
+  <dgm:styleLbl name="trAlignAcc1">
+    <dgm:fillClrLst meth="repeat">
+      <a:schemeClr val="lt1">
+        <a:alpha val="40000"/>
+      </a:schemeClr>
+    </dgm:fillClrLst>
+    <dgm:linClrLst meth="repeat">
+      <a:schemeClr val="accent1"/>
+    </dgm:linClrLst>
+    <dgm:effectClrLst/>
+    <dgm:txLinClrLst/>
+    <dgm:txFillClrLst meth="repeat">
+      <a:schemeClr val="dk1"/>
+    </dgm:txFillClrLst>
+    <dgm:txEffectClrLst/>
+  </dgm:styleLbl>
+  <dgm:styleLbl name="bgAcc1">
+    <dgm:fillClrLst meth="repeat">
+      <a:schemeClr val="lt1">
+        <a:alpha val="90000"/>
+      </a:schemeClr>
+    </dgm:fillClrLst>
+    <dgm:linClrLst meth="repeat">
+      <a:schemeClr val="accent1"/>
+    </dgm:linClrLst>
+    <dgm:effectClrLst/>
+    <dgm:txLinClrLst/>
+    <dgm:txFillClrLst meth="repeat">
+      <a:schemeClr val="dk1"/>
+    </dgm:txFillClrLst>
+    <dgm:txEffectClrLst/>
+  </dgm:styleLbl>
+  <dgm:styleLbl name="solidFgAcc1">
+    <dgm:fillClrLst meth="repeat">
+      <a:schemeClr val="lt1"/>
+    </dgm:fillClrLst>
+    <dgm:linClrLst meth="repeat">
+      <a:schemeClr val="accent1"/>
+    </dgm:linClrLst>
+    <dgm:effectClrLst/>
+    <dgm:txLinClrLst/>
+    <dgm:txFillClrLst meth="repeat">
+      <a:schemeClr val="dk1"/>
+    </dgm:txFillClrLst>
+    <dgm:txEffectClrLst/>
+  </dgm:styleLbl>
+  <dgm:styleLbl name="solidAlignAcc1">
+    <dgm:fillClrLst meth="repeat">
+      <a:schemeClr val="lt1"/>
+    </dgm:fillClrLst>
+    <dgm:linClrLst meth="repeat">
+      <a:schemeClr val="accent1"/>
+    </dgm:linClrLst>
+    <dgm:effectClrLst/>
+    <dgm:txLinClrLst/>
+    <dgm:txFillClrLst meth="repeat">
+      <a:schemeClr val="dk1"/>
+    </dgm:txFillClrLst>
+    <dgm:txEffectClrLst/>
+  </dgm:styleLbl>
+  <dgm:styleLbl name="solidBgAcc1">
+    <dgm:fillClrLst meth="repeat">
+      <a:schemeClr val="lt1"/>
+    </dgm:fillClrLst>
+    <dgm:linClrLst meth="repeat">
+      <a:schemeClr val="accent1"/>
+    </dgm:linClrLst>
+    <dgm:effectClrLst/>
+    <dgm:txLinClrLst/>
+    <dgm:txFillClrLst meth="repeat">
+      <a:schemeClr val="dk1"/>
+    </dgm:txFillClrLst>
+    <dgm:txEffectClrLst/>
+  </dgm:styleLbl>
+  <dgm:styleLbl name="fgAccFollowNode1">
+    <dgm:fillClrLst meth="repeat">
+      <a:schemeClr val="accent1">
+        <a:alpha val="90000"/>
+        <a:tint val="40000"/>
+      </a:schemeClr>
+    </dgm:fillClrLst>
+    <dgm:linClrLst meth="repeat">
+      <a:schemeClr val="accent1">
+        <a:alpha val="90000"/>
+        <a:tint val="40000"/>
+      </a:schemeClr>
+    </dgm:linClrLst>
+    <dgm:effectClrLst/>
+    <dgm:txLinClrLst/>
+    <dgm:txFillClrLst meth="repeat">
+      <a:schemeClr val="dk1"/>
+    </dgm:txFillClrLst>
+    <dgm:txEffectClrLst/>
+  </dgm:styleLbl>
+  <dgm:styleLbl name="alignAccFollowNode1">
+    <dgm:fillClrLst meth="repeat">
+      <a:schemeClr val="accent1">
+        <a:alpha val="90000"/>
+        <a:tint val="40000"/>
+      </a:schemeClr>
+    </dgm:fillClrLst>
+    <dgm:linClrLst meth="repeat">
+      <a:schemeClr val="accent1">
+        <a:alpha val="90000"/>
+        <a:tint val="40000"/>
+      </a:schemeClr>
+    </dgm:linClrLst>
+    <dgm:effectClrLst/>
+    <dgm:txLinClrLst/>
+    <dgm:txFillClrLst meth="repeat">
+      <a:schemeClr val="dk1"/>
+    </dgm:txFillClrLst>
+    <dgm:txEffectClrLst/>
+  </dgm:styleLbl>
+  <dgm:styleLbl name="bgAccFollowNode1">
+    <dgm:fillClrLst meth="repeat">
+      <a:schemeClr val="accent1">
+        <a:alpha val="90000"/>
+        <a:tint val="40000"/>
+      </a:schemeClr>
+    </dgm:fillClrLst>
+    <dgm:linClrLst meth="repeat">
+      <a:schemeClr val="accent1">
+        <a:alpha val="90000"/>
+        <a:tint val="40000"/>
+      </a:schemeClr>
+    </dgm:linClrLst>
+    <dgm:effectClrLst/>
+    <dgm:txLinClrLst/>
+    <dgm:txFillClrLst meth="repeat">
+      <a:schemeClr val="dk1"/>
+    </dgm:txFillClrLst>
+    <dgm:txEffectClrLst/>
+  </dgm:styleLbl>
+  <dgm:styleLbl name="fgAcc0">
+    <dgm:fillClrLst meth="repeat">
+      <a:schemeClr val="lt1">
+        <a:alpha val="90000"/>
+      </a:schemeClr>
+    </dgm:fillClrLst>
+    <dgm:linClrLst meth="repeat">
+      <a:schemeClr val="accent1"/>
+    </dgm:linClrLst>
+    <dgm:effectClrLst/>
+    <dgm:txLinClrLst/>
+    <dgm:txFillClrLst meth="repeat">
+      <a:schemeClr val="dk1"/>
+    </dgm:txFillClrLst>
+    <dgm:txEffectClrLst/>
+  </dgm:styleLbl>
+  <dgm:styleLbl name="fgAcc2">
+    <dgm:fillClrLst meth="repeat">
+      <a:schemeClr val="lt1">
+        <a:alpha val="90000"/>
+      </a:schemeClr>
+    </dgm:fillClrLst>
+    <dgm:linClrLst meth="repeat">
+      <a:schemeClr val="accent1"/>
+    </dgm:linClrLst>
+    <dgm:effectClrLst/>
+    <dgm:txLinClrLst/>
+    <dgm:txFillClrLst meth="repeat">
+      <a:schemeClr val="dk1"/>
+    </dgm:txFillClrLst>
+    <dgm:txEffectClrLst/>
+  </dgm:styleLbl>
+  <dgm:styleLbl name="fgAcc3">
+    <dgm:fillClrLst meth="repeat">
+      <a:schemeClr val="lt1">
+        <a:alpha val="90000"/>
+      </a:schemeClr>
+    </dgm:fillClrLst>
+    <dgm:linClrLst meth="repeat">
+      <a:schemeClr val="accent1"/>
+    </dgm:linClrLst>
+    <dgm:effectClrLst/>
+    <dgm:txLinClrLst/>
+    <dgm:txFillClrLst meth="repeat">
+      <a:schemeClr val="dk1"/>
+    </dgm:txFillClrLst>
+    <dgm:txEffectClrLst/>
+  </dgm:styleLbl>
+  <dgm:styleLbl name="fgAcc4">
+    <dgm:fillClrLst meth="repeat">
+      <a:schemeClr val="lt1">
+        <a:alpha val="90000"/>
+      </a:schemeClr>
+    </dgm:fillClrLst>
+    <dgm:linClrLst meth="repeat">
+      <a:schemeClr val="accent1"/>
+    </dgm:linClrLst>
+    <dgm:effectClrLst/>
+    <dgm:txLinClrLst/>
+    <dgm:txFillClrLst meth="repeat">
+      <a:schemeClr val="dk1"/>
+    </dgm:txFillClrLst>
+    <dgm:txEffectClrLst/>
+  </dgm:styleLbl>
+  <dgm:styleLbl name="bgShp">
+    <dgm:fillClrLst meth="repeat">
+      <a:schemeClr val="accent1">
+        <a:tint val="40000"/>
+      </a:schemeClr>
+    </dgm:fillClrLst>
+    <dgm:linClrLst meth="repeat">
+      <a:schemeClr val="accent1"/>
+    </dgm:linClrLst>
+    <dgm:effectClrLst/>
+    <dgm:txLinClrLst/>
+    <dgm:txFillClrLst meth="repeat">
+      <a:schemeClr val="dk1"/>
+    </dgm:txFillClrLst>
+    <dgm:txEffectClrLst/>
+  </dgm:styleLbl>
+  <dgm:styleLbl name="dkBgShp">
+    <dgm:fillClrLst meth="repeat">
+      <a:schemeClr val="accent1">
+        <a:shade val="80000"/>
+      </a:schemeClr>
+    </dgm:fillClrLst>
+    <dgm:linClrLst meth="repeat">
+      <a:schemeClr val="accent1"/>
+    </dgm:linClrLst>
+    <dgm:effectClrLst/>
+    <dgm:txLinClrLst/>
+    <dgm:txFillClrLst meth="repeat">
+      <a:schemeClr val="lt1"/>
+    </dgm:txFillClrLst>
+    <dgm:txEffectClrLst/>
+  </dgm:styleLbl>
+  <dgm:styleLbl name="trBgShp">
+    <dgm:fillClrLst meth="repeat">
+      <a:schemeClr val="accent1">
+        <a:tint val="50000"/>
+        <a:alpha val="40000"/>
+      </a:schemeClr>
+    </dgm:fillClrLst>
+    <dgm:linClrLst meth="repeat">
+      <a:schemeClr val="accent1"/>
+    </dgm:linClrLst>
+    <dgm:effectClrLst/>
+    <dgm:txLinClrLst/>
+    <dgm:txFillClrLst meth="repeat">
+      <a:schemeClr val="lt1"/>
+    </dgm:txFillClrLst>
+    <dgm:txEffectClrLst/>
+  </dgm:styleLbl>
+  <dgm:styleLbl name="fgShp">
+    <dgm:fillClrLst meth="repeat">
+      <a:schemeClr val="accent1">
+        <a:tint val="60000"/>
+      </a:schemeClr>
+    </dgm:fillClrLst>
+    <dgm:linClrLst meth="repeat">
+      <a:schemeClr val="lt1"/>
+    </dgm:linClrLst>
+    <dgm:effectClrLst/>
+    <dgm:txLinClrLst/>
+    <dgm:txFillClrLst meth="repeat">
+      <a:schemeClr val="dk1"/>
+    </dgm:txFillClrLst>
+    <dgm:txEffectClrLst/>
+  </dgm:styleLbl>
+  <dgm:styleLbl name="revTx">
+    <dgm:fillClrLst meth="repeat">
+      <a:schemeClr val="lt1">
+        <a:alpha val="0"/>
+      </a:schemeClr>
+    </dgm:fillClrLst>
+    <dgm:linClrLst meth="repeat">
+      <a:schemeClr val="dk1">
+        <a:alpha val="0"/>
+      </a:schemeClr>
+    </dgm:linClrLst>
+    <dgm:effectClrLst/>
+    <dgm:txLinClrLst/>
+    <dgm:txFillClrLst meth="repeat">
+      <a:schemeClr val="tx1"/>
+    </dgm:txFillClrLst>
+    <dgm:txEffectClrLst/>
+  </dgm:styleLbl>
+</dgm:colorsDef>
+</file>
+
+<file path=ppt/diagrams/data1.xml><?xml version="1.0" encoding="utf-8"?>
+<dgm:dataModel xmlns:dgm="http://schemas.openxmlformats.org/drawingml/2006/diagram" xmlns:a="http://schemas.openxmlformats.org/drawingml/2006/main">
+  <dgm:ptLst>
+    <dgm:pt modelId="{A25354B6-D431-4CFA-8C8A-A5746F6DA913}" type="doc">
+      <dgm:prSet loTypeId="urn:microsoft.com/office/officeart/2005/8/layout/target1" loCatId="relationship" qsTypeId="urn:microsoft.com/office/officeart/2005/8/quickstyle/simple1" qsCatId="simple" csTypeId="urn:microsoft.com/office/officeart/2005/8/colors/accent1_2" csCatId="accent1" phldr="1"/>
+      <dgm:spPr/>
+    </dgm:pt>
+    <dgm:pt modelId="{FBDB4587-02B0-4C40-81E9-39486F7566ED}">
+      <dgm:prSet phldrT="[文本]"/>
+      <dgm:spPr/>
+      <dgm:t>
+        <a:bodyPr/>
+        <a:lstStyle/>
+        <a:p>
+          <a:r>
+            <a:rPr lang="en-US" altLang="zh-CN" dirty="0" err="1"/>
+            <a:t>Evm</a:t>
+          </a:r>
+          <a:r>
+            <a:rPr lang="zh-CN" altLang="en-US" dirty="0"/>
+            <a:t>共识层</a:t>
+          </a:r>
+        </a:p>
+      </dgm:t>
+    </dgm:pt>
+    <dgm:pt modelId="{DC48D629-BEDA-46EE-B863-B88BAD9692E6}" type="parTrans" cxnId="{D0632086-27FE-412F-AF17-2ACFAB719BBF}">
+      <dgm:prSet/>
+      <dgm:spPr/>
+      <dgm:t>
+        <a:bodyPr/>
+        <a:lstStyle/>
+        <a:p>
+          <a:endParaRPr lang="zh-CN" altLang="en-US"/>
+        </a:p>
+      </dgm:t>
+    </dgm:pt>
+    <dgm:pt modelId="{A39D611C-AEFC-4AA0-AAE0-03DD30E955D0}" type="sibTrans" cxnId="{D0632086-27FE-412F-AF17-2ACFAB719BBF}">
+      <dgm:prSet/>
+      <dgm:spPr/>
+      <dgm:t>
+        <a:bodyPr/>
+        <a:lstStyle/>
+        <a:p>
+          <a:endParaRPr lang="zh-CN" altLang="en-US"/>
+        </a:p>
+      </dgm:t>
+    </dgm:pt>
+    <dgm:pt modelId="{593D8D1A-FD04-4888-A346-2F6CB47BD710}">
+      <dgm:prSet phldrT="[文本]"/>
+      <dgm:spPr/>
+      <dgm:t>
+        <a:bodyPr/>
+        <a:lstStyle/>
+        <a:p>
+          <a:r>
+            <a:rPr lang="en-US" altLang="zh-CN" dirty="0" err="1"/>
+            <a:t>Rpc</a:t>
+          </a:r>
+          <a:r>
+            <a:rPr lang="zh-CN" altLang="en-US" dirty="0"/>
+            <a:t>调用层</a:t>
+          </a:r>
+        </a:p>
+      </dgm:t>
+    </dgm:pt>
+    <dgm:pt modelId="{9685CF32-E5E3-4752-B83A-B0008F4566EA}" type="parTrans" cxnId="{B9778E23-FA64-4CE1-BE13-A07A574B00AB}">
+      <dgm:prSet/>
+      <dgm:spPr/>
+      <dgm:t>
+        <a:bodyPr/>
+        <a:lstStyle/>
+        <a:p>
+          <a:endParaRPr lang="zh-CN" altLang="en-US"/>
+        </a:p>
+      </dgm:t>
+    </dgm:pt>
+    <dgm:pt modelId="{7DD59FEB-1BE0-477A-9FC0-4F998AAE3472}" type="sibTrans" cxnId="{B9778E23-FA64-4CE1-BE13-A07A574B00AB}">
+      <dgm:prSet/>
+      <dgm:spPr/>
+      <dgm:t>
+        <a:bodyPr/>
+        <a:lstStyle/>
+        <a:p>
+          <a:endParaRPr lang="zh-CN" altLang="en-US"/>
+        </a:p>
+      </dgm:t>
+    </dgm:pt>
+    <dgm:pt modelId="{607C0F5F-3BB1-4057-8D87-D29CCC43DC6C}">
+      <dgm:prSet phldrT="[文本]"/>
+      <dgm:spPr/>
+      <dgm:t>
+        <a:bodyPr/>
+        <a:lstStyle/>
+        <a:p>
+          <a:r>
+            <a:rPr lang="en-US" altLang="zh-CN" dirty="0"/>
+            <a:t>Scan</a:t>
+          </a:r>
+          <a:r>
+            <a:rPr lang="zh-CN" altLang="en-US" dirty="0"/>
+            <a:t>数据层</a:t>
+          </a:r>
+        </a:p>
+      </dgm:t>
+    </dgm:pt>
+    <dgm:pt modelId="{888F3558-C216-49E8-B4A1-D75B5C68692D}" type="parTrans" cxnId="{4D203D79-34F4-4DCC-99E3-18FD9CFA2025}">
+      <dgm:prSet/>
+      <dgm:spPr/>
+      <dgm:t>
+        <a:bodyPr/>
+        <a:lstStyle/>
+        <a:p>
+          <a:endParaRPr lang="zh-CN" altLang="en-US"/>
+        </a:p>
+      </dgm:t>
+    </dgm:pt>
+    <dgm:pt modelId="{08B3020A-2078-4726-B81F-3FEA7FA9E6C1}" type="sibTrans" cxnId="{4D203D79-34F4-4DCC-99E3-18FD9CFA2025}">
+      <dgm:prSet/>
+      <dgm:spPr/>
+      <dgm:t>
+        <a:bodyPr/>
+        <a:lstStyle/>
+        <a:p>
+          <a:endParaRPr lang="zh-CN" altLang="en-US"/>
+        </a:p>
+      </dgm:t>
+    </dgm:pt>
+    <dgm:pt modelId="{E26F900B-1BC7-4805-8689-5091B8380DF1}" type="pres">
+      <dgm:prSet presAssocID="{A25354B6-D431-4CFA-8C8A-A5746F6DA913}" presName="composite" presStyleCnt="0">
+        <dgm:presLayoutVars>
+          <dgm:chMax val="5"/>
+          <dgm:dir/>
+          <dgm:resizeHandles val="exact"/>
+        </dgm:presLayoutVars>
+      </dgm:prSet>
+      <dgm:spPr/>
+    </dgm:pt>
+    <dgm:pt modelId="{555B7845-CEFA-42C1-9626-F930CD3FFF79}" type="pres">
+      <dgm:prSet presAssocID="{FBDB4587-02B0-4C40-81E9-39486F7566ED}" presName="circle1" presStyleLbl="lnNode1" presStyleIdx="0" presStyleCnt="3"/>
+      <dgm:spPr/>
+    </dgm:pt>
+    <dgm:pt modelId="{1949BFDE-1617-4477-83D6-1657F012CBB7}" type="pres">
+      <dgm:prSet presAssocID="{FBDB4587-02B0-4C40-81E9-39486F7566ED}" presName="text1" presStyleLbl="revTx" presStyleIdx="0" presStyleCnt="3">
+        <dgm:presLayoutVars>
+          <dgm:bulletEnabled val="1"/>
+        </dgm:presLayoutVars>
+      </dgm:prSet>
+      <dgm:spPr/>
+    </dgm:pt>
+    <dgm:pt modelId="{C3F04D52-AA7C-4AFD-9AA1-4CB5F4EFFBBA}" type="pres">
+      <dgm:prSet presAssocID="{FBDB4587-02B0-4C40-81E9-39486F7566ED}" presName="line1" presStyleLbl="callout" presStyleIdx="0" presStyleCnt="6"/>
+      <dgm:spPr/>
+    </dgm:pt>
+    <dgm:pt modelId="{0AB20286-F270-4318-8757-8C7A0916D7B9}" type="pres">
+      <dgm:prSet presAssocID="{FBDB4587-02B0-4C40-81E9-39486F7566ED}" presName="d1" presStyleLbl="callout" presStyleIdx="1" presStyleCnt="6"/>
+      <dgm:spPr/>
+    </dgm:pt>
+    <dgm:pt modelId="{42E998FB-0DCA-433F-8DDD-95C5138D63BA}" type="pres">
+      <dgm:prSet presAssocID="{593D8D1A-FD04-4888-A346-2F6CB47BD710}" presName="circle2" presStyleLbl="lnNode1" presStyleIdx="1" presStyleCnt="3"/>
+      <dgm:spPr/>
+    </dgm:pt>
+    <dgm:pt modelId="{ACE8FD25-2E4A-4CDF-89E7-CA389B27C0A5}" type="pres">
+      <dgm:prSet presAssocID="{593D8D1A-FD04-4888-A346-2F6CB47BD710}" presName="text2" presStyleLbl="revTx" presStyleIdx="1" presStyleCnt="3">
+        <dgm:presLayoutVars>
+          <dgm:bulletEnabled val="1"/>
+        </dgm:presLayoutVars>
+      </dgm:prSet>
+      <dgm:spPr/>
+    </dgm:pt>
+    <dgm:pt modelId="{D318C695-F7D4-439F-A2C9-16B01A212A59}" type="pres">
+      <dgm:prSet presAssocID="{593D8D1A-FD04-4888-A346-2F6CB47BD710}" presName="line2" presStyleLbl="callout" presStyleIdx="2" presStyleCnt="6"/>
+      <dgm:spPr/>
+    </dgm:pt>
+    <dgm:pt modelId="{A7FE6E76-EAB8-4197-8EC2-98156F7D2B2E}" type="pres">
+      <dgm:prSet presAssocID="{593D8D1A-FD04-4888-A346-2F6CB47BD710}" presName="d2" presStyleLbl="callout" presStyleIdx="3" presStyleCnt="6"/>
+      <dgm:spPr/>
+    </dgm:pt>
+    <dgm:pt modelId="{A4D4B28D-9F69-4941-91FD-63362E65EBE9}" type="pres">
+      <dgm:prSet presAssocID="{607C0F5F-3BB1-4057-8D87-D29CCC43DC6C}" presName="circle3" presStyleLbl="lnNode1" presStyleIdx="2" presStyleCnt="3"/>
+      <dgm:spPr/>
+    </dgm:pt>
+    <dgm:pt modelId="{507D53A8-B462-4670-BB76-43DA2DE392A7}" type="pres">
+      <dgm:prSet presAssocID="{607C0F5F-3BB1-4057-8D87-D29CCC43DC6C}" presName="text3" presStyleLbl="revTx" presStyleIdx="2" presStyleCnt="3">
+        <dgm:presLayoutVars>
+          <dgm:bulletEnabled val="1"/>
+        </dgm:presLayoutVars>
+      </dgm:prSet>
+      <dgm:spPr/>
+    </dgm:pt>
+    <dgm:pt modelId="{79486837-F302-4F6D-9A7A-88E578AB53BA}" type="pres">
+      <dgm:prSet presAssocID="{607C0F5F-3BB1-4057-8D87-D29CCC43DC6C}" presName="line3" presStyleLbl="callout" presStyleIdx="4" presStyleCnt="6"/>
+      <dgm:spPr/>
+    </dgm:pt>
+    <dgm:pt modelId="{20D1BD08-4457-4582-BE8E-DA19322D6145}" type="pres">
+      <dgm:prSet presAssocID="{607C0F5F-3BB1-4057-8D87-D29CCC43DC6C}" presName="d3" presStyleLbl="callout" presStyleIdx="5" presStyleCnt="6"/>
+      <dgm:spPr/>
+    </dgm:pt>
+  </dgm:ptLst>
+  <dgm:cxnLst>
+    <dgm:cxn modelId="{B9778E23-FA64-4CE1-BE13-A07A574B00AB}" srcId="{A25354B6-D431-4CFA-8C8A-A5746F6DA913}" destId="{593D8D1A-FD04-4888-A346-2F6CB47BD710}" srcOrd="1" destOrd="0" parTransId="{9685CF32-E5E3-4752-B83A-B0008F4566EA}" sibTransId="{7DD59FEB-1BE0-477A-9FC0-4F998AAE3472}"/>
+    <dgm:cxn modelId="{87B89F5B-EEF6-4717-B304-D749963A6018}" type="presOf" srcId="{A25354B6-D431-4CFA-8C8A-A5746F6DA913}" destId="{E26F900B-1BC7-4805-8689-5091B8380DF1}" srcOrd="0" destOrd="0" presId="urn:microsoft.com/office/officeart/2005/8/layout/target1"/>
+    <dgm:cxn modelId="{4D203D79-34F4-4DCC-99E3-18FD9CFA2025}" srcId="{A25354B6-D431-4CFA-8C8A-A5746F6DA913}" destId="{607C0F5F-3BB1-4057-8D87-D29CCC43DC6C}" srcOrd="2" destOrd="0" parTransId="{888F3558-C216-49E8-B4A1-D75B5C68692D}" sibTransId="{08B3020A-2078-4726-B81F-3FEA7FA9E6C1}"/>
+    <dgm:cxn modelId="{A5535385-3CD2-43F0-BFD5-A453BEBF65CC}" type="presOf" srcId="{FBDB4587-02B0-4C40-81E9-39486F7566ED}" destId="{1949BFDE-1617-4477-83D6-1657F012CBB7}" srcOrd="0" destOrd="0" presId="urn:microsoft.com/office/officeart/2005/8/layout/target1"/>
+    <dgm:cxn modelId="{D0632086-27FE-412F-AF17-2ACFAB719BBF}" srcId="{A25354B6-D431-4CFA-8C8A-A5746F6DA913}" destId="{FBDB4587-02B0-4C40-81E9-39486F7566ED}" srcOrd="0" destOrd="0" parTransId="{DC48D629-BEDA-46EE-B863-B88BAD9692E6}" sibTransId="{A39D611C-AEFC-4AA0-AAE0-03DD30E955D0}"/>
+    <dgm:cxn modelId="{0FC254A3-45A6-466B-8A23-04E1C2F4BE1D}" type="presOf" srcId="{607C0F5F-3BB1-4057-8D87-D29CCC43DC6C}" destId="{507D53A8-B462-4670-BB76-43DA2DE392A7}" srcOrd="0" destOrd="0" presId="urn:microsoft.com/office/officeart/2005/8/layout/target1"/>
+    <dgm:cxn modelId="{AEBBD3FB-195E-4E76-8C55-5223297BF99E}" type="presOf" srcId="{593D8D1A-FD04-4888-A346-2F6CB47BD710}" destId="{ACE8FD25-2E4A-4CDF-89E7-CA389B27C0A5}" srcOrd="0" destOrd="0" presId="urn:microsoft.com/office/officeart/2005/8/layout/target1"/>
+    <dgm:cxn modelId="{5E2B5949-0E34-40A7-98A0-118E15983058}" type="presParOf" srcId="{E26F900B-1BC7-4805-8689-5091B8380DF1}" destId="{555B7845-CEFA-42C1-9626-F930CD3FFF79}" srcOrd="0" destOrd="0" presId="urn:microsoft.com/office/officeart/2005/8/layout/target1"/>
+    <dgm:cxn modelId="{804BC9D9-8109-447E-8D51-951FCDD1DEA4}" type="presParOf" srcId="{E26F900B-1BC7-4805-8689-5091B8380DF1}" destId="{1949BFDE-1617-4477-83D6-1657F012CBB7}" srcOrd="1" destOrd="0" presId="urn:microsoft.com/office/officeart/2005/8/layout/target1"/>
+    <dgm:cxn modelId="{3C763165-49B3-4A5C-8BCC-ABCECD93598A}" type="presParOf" srcId="{E26F900B-1BC7-4805-8689-5091B8380DF1}" destId="{C3F04D52-AA7C-4AFD-9AA1-4CB5F4EFFBBA}" srcOrd="2" destOrd="0" presId="urn:microsoft.com/office/officeart/2005/8/layout/target1"/>
+    <dgm:cxn modelId="{A62DC4F7-4BC9-4E94-B16B-97FE7E7CC3C2}" type="presParOf" srcId="{E26F900B-1BC7-4805-8689-5091B8380DF1}" destId="{0AB20286-F270-4318-8757-8C7A0916D7B9}" srcOrd="3" destOrd="0" presId="urn:microsoft.com/office/officeart/2005/8/layout/target1"/>
+    <dgm:cxn modelId="{45C50997-88B5-45BD-9A16-84462DB1097D}" type="presParOf" srcId="{E26F900B-1BC7-4805-8689-5091B8380DF1}" destId="{42E998FB-0DCA-433F-8DDD-95C5138D63BA}" srcOrd="4" destOrd="0" presId="urn:microsoft.com/office/officeart/2005/8/layout/target1"/>
+    <dgm:cxn modelId="{DAAC5988-9605-462B-8453-5E40306E409D}" type="presParOf" srcId="{E26F900B-1BC7-4805-8689-5091B8380DF1}" destId="{ACE8FD25-2E4A-4CDF-89E7-CA389B27C0A5}" srcOrd="5" destOrd="0" presId="urn:microsoft.com/office/officeart/2005/8/layout/target1"/>
+    <dgm:cxn modelId="{AFE5F9F5-2B8F-4941-AE37-E367667D4890}" type="presParOf" srcId="{E26F900B-1BC7-4805-8689-5091B8380DF1}" destId="{D318C695-F7D4-439F-A2C9-16B01A212A59}" srcOrd="6" destOrd="0" presId="urn:microsoft.com/office/officeart/2005/8/layout/target1"/>
+    <dgm:cxn modelId="{F443BC73-5488-430C-9671-046FE2918BD9}" type="presParOf" srcId="{E26F900B-1BC7-4805-8689-5091B8380DF1}" destId="{A7FE6E76-EAB8-4197-8EC2-98156F7D2B2E}" srcOrd="7" destOrd="0" presId="urn:microsoft.com/office/officeart/2005/8/layout/target1"/>
+    <dgm:cxn modelId="{0ADD3AF1-9C25-4B45-8413-A628B643FDDA}" type="presParOf" srcId="{E26F900B-1BC7-4805-8689-5091B8380DF1}" destId="{A4D4B28D-9F69-4941-91FD-63362E65EBE9}" srcOrd="8" destOrd="0" presId="urn:microsoft.com/office/officeart/2005/8/layout/target1"/>
+    <dgm:cxn modelId="{76ECA901-7194-46F5-95B6-B51CD60CFCEB}" type="presParOf" srcId="{E26F900B-1BC7-4805-8689-5091B8380DF1}" destId="{507D53A8-B462-4670-BB76-43DA2DE392A7}" srcOrd="9" destOrd="0" presId="urn:microsoft.com/office/officeart/2005/8/layout/target1"/>
+    <dgm:cxn modelId="{66F0EDA5-EB93-4068-8C67-8E0D186B5077}" type="presParOf" srcId="{E26F900B-1BC7-4805-8689-5091B8380DF1}" destId="{79486837-F302-4F6D-9A7A-88E578AB53BA}" srcOrd="10" destOrd="0" presId="urn:microsoft.com/office/officeart/2005/8/layout/target1"/>
+    <dgm:cxn modelId="{0BE74DD2-BD28-4A86-BB95-B00BF9FBF4B2}" type="presParOf" srcId="{E26F900B-1BC7-4805-8689-5091B8380DF1}" destId="{20D1BD08-4457-4582-BE8E-DA19322D6145}" srcOrd="11" destOrd="0" presId="urn:microsoft.com/office/officeart/2005/8/layout/target1"/>
+  </dgm:cxnLst>
+  <dgm:bg/>
+  <dgm:whole/>
+  <dgm:extLst>
+    <a:ext uri="http://schemas.microsoft.com/office/drawing/2008/diagram">
+      <dsp:dataModelExt xmlns:dsp="http://schemas.microsoft.com/office/drawing/2008/diagram" relId="rId7" minVer="http://schemas.openxmlformats.org/drawingml/2006/diagram"/>
+    </a:ext>
+  </dgm:extLst>
+</dgm:dataModel>
+</file>
+
+<file path=ppt/diagrams/drawing1.xml><?xml version="1.0" encoding="utf-8"?>
+<dsp:drawing xmlns:dgm="http://schemas.openxmlformats.org/drawingml/2006/diagram" xmlns:dsp="http://schemas.microsoft.com/office/drawing/2008/diagram" xmlns:a="http://schemas.openxmlformats.org/drawingml/2006/main">
+  <dsp:spTree>
+    <dsp:nvGrpSpPr>
+      <dsp:cNvPr id="0" name=""/>
+      <dsp:cNvGrpSpPr/>
+    </dsp:nvGrpSpPr>
+    <dsp:grpSpPr/>
+    <dsp:sp modelId="{A4D4B28D-9F69-4941-91FD-63362E65EBE9}">
+      <dsp:nvSpPr>
+        <dsp:cNvPr id="0" name=""/>
+        <dsp:cNvSpPr/>
+      </dsp:nvSpPr>
+      <dsp:spPr>
+        <a:xfrm>
+          <a:off x="467127" y="1037284"/>
+          <a:ext cx="3111855" cy="3111855"/>
+        </a:xfrm>
+        <a:prstGeom prst="ellipse">
+          <a:avLst/>
+        </a:prstGeom>
+        <a:solidFill>
+          <a:schemeClr val="accent1">
+            <a:hueOff val="0"/>
+            <a:satOff val="0"/>
+            <a:lumOff val="0"/>
+            <a:alphaOff val="0"/>
+          </a:schemeClr>
+        </a:solidFill>
+        <a:ln w="25400" cap="flat" cmpd="sng" algn="ctr">
+          <a:solidFill>
+            <a:schemeClr val="lt1">
+              <a:hueOff val="0"/>
+              <a:satOff val="0"/>
+              <a:lumOff val="0"/>
+              <a:alphaOff val="0"/>
+            </a:schemeClr>
+          </a:solidFill>
+          <a:prstDash val="solid"/>
+        </a:ln>
+        <a:effectLst/>
+      </dsp:spPr>
+      <dsp:style>
+        <a:lnRef idx="2">
+          <a:scrgbClr r="0" g="0" b="0"/>
+        </a:lnRef>
+        <a:fillRef idx="1">
+          <a:scrgbClr r="0" g="0" b="0"/>
+        </a:fillRef>
+        <a:effectRef idx="0">
+          <a:scrgbClr r="0" g="0" b="0"/>
+        </a:effectRef>
+        <a:fontRef idx="minor">
+          <a:schemeClr val="lt1"/>
+        </a:fontRef>
+      </dsp:style>
+    </dsp:sp>
+    <dsp:sp modelId="{42E998FB-0DCA-433F-8DDD-95C5138D63BA}">
+      <dsp:nvSpPr>
+        <dsp:cNvPr id="0" name=""/>
+        <dsp:cNvSpPr/>
+      </dsp:nvSpPr>
+      <dsp:spPr>
+        <a:xfrm>
+          <a:off x="1089498" y="1659656"/>
+          <a:ext cx="1867113" cy="1867113"/>
+        </a:xfrm>
+        <a:prstGeom prst="ellipse">
+          <a:avLst/>
+        </a:prstGeom>
+        <a:solidFill>
+          <a:schemeClr val="accent1">
+            <a:hueOff val="0"/>
+            <a:satOff val="0"/>
+            <a:lumOff val="0"/>
+            <a:alphaOff val="0"/>
+          </a:schemeClr>
+        </a:solidFill>
+        <a:ln w="25400" cap="flat" cmpd="sng" algn="ctr">
+          <a:solidFill>
+            <a:schemeClr val="lt1">
+              <a:hueOff val="0"/>
+              <a:satOff val="0"/>
+              <a:lumOff val="0"/>
+              <a:alphaOff val="0"/>
+            </a:schemeClr>
+          </a:solidFill>
+          <a:prstDash val="solid"/>
+        </a:ln>
+        <a:effectLst/>
+      </dsp:spPr>
+      <dsp:style>
+        <a:lnRef idx="2">
+          <a:scrgbClr r="0" g="0" b="0"/>
+        </a:lnRef>
+        <a:fillRef idx="1">
+          <a:scrgbClr r="0" g="0" b="0"/>
+        </a:fillRef>
+        <a:effectRef idx="0">
+          <a:scrgbClr r="0" g="0" b="0"/>
+        </a:effectRef>
+        <a:fontRef idx="minor">
+          <a:schemeClr val="lt1"/>
+        </a:fontRef>
+      </dsp:style>
+    </dsp:sp>
+    <dsp:sp modelId="{555B7845-CEFA-42C1-9626-F930CD3FFF79}">
+      <dsp:nvSpPr>
+        <dsp:cNvPr id="0" name=""/>
+        <dsp:cNvSpPr/>
+      </dsp:nvSpPr>
+      <dsp:spPr>
+        <a:xfrm>
+          <a:off x="1711869" y="2282027"/>
+          <a:ext cx="622371" cy="622371"/>
+        </a:xfrm>
+        <a:prstGeom prst="ellipse">
+          <a:avLst/>
+        </a:prstGeom>
+        <a:solidFill>
+          <a:schemeClr val="accent1">
+            <a:hueOff val="0"/>
+            <a:satOff val="0"/>
+            <a:lumOff val="0"/>
+            <a:alphaOff val="0"/>
+          </a:schemeClr>
+        </a:solidFill>
+        <a:ln w="25400" cap="flat" cmpd="sng" algn="ctr">
+          <a:solidFill>
+            <a:schemeClr val="lt1">
+              <a:hueOff val="0"/>
+              <a:satOff val="0"/>
+              <a:lumOff val="0"/>
+              <a:alphaOff val="0"/>
+            </a:schemeClr>
+          </a:solidFill>
+          <a:prstDash val="solid"/>
+        </a:ln>
+        <a:effectLst/>
+      </dsp:spPr>
+      <dsp:style>
+        <a:lnRef idx="2">
+          <a:scrgbClr r="0" g="0" b="0"/>
+        </a:lnRef>
+        <a:fillRef idx="1">
+          <a:scrgbClr r="0" g="0" b="0"/>
+        </a:fillRef>
+        <a:effectRef idx="0">
+          <a:scrgbClr r="0" g="0" b="0"/>
+        </a:effectRef>
+        <a:fontRef idx="minor">
+          <a:schemeClr val="lt1"/>
+        </a:fontRef>
+      </dsp:style>
+    </dsp:sp>
+    <dsp:sp modelId="{1949BFDE-1617-4477-83D6-1657F012CBB7}">
+      <dsp:nvSpPr>
+        <dsp:cNvPr id="0" name=""/>
+        <dsp:cNvSpPr/>
+      </dsp:nvSpPr>
+      <dsp:spPr>
+        <a:xfrm>
+          <a:off x="4097625" y="0"/>
+          <a:ext cx="1555927" cy="907624"/>
+        </a:xfrm>
+        <a:prstGeom prst="rect">
+          <a:avLst/>
+        </a:prstGeom>
+        <a:noFill/>
+        <a:ln>
+          <a:noFill/>
+        </a:ln>
+        <a:effectLst/>
+      </dsp:spPr>
+      <dsp:style>
+        <a:lnRef idx="0">
+          <a:scrgbClr r="0" g="0" b="0"/>
+        </a:lnRef>
+        <a:fillRef idx="0">
+          <a:scrgbClr r="0" g="0" b="0"/>
+        </a:fillRef>
+        <a:effectRef idx="0">
+          <a:scrgbClr r="0" g="0" b="0"/>
+        </a:effectRef>
+        <a:fontRef idx="minor"/>
+      </dsp:style>
+      <dsp:txBody>
+        <a:bodyPr spcFirstLastPara="0" vert="horz" wrap="square" lIns="156464" tIns="27940" rIns="27940" bIns="27940" numCol="1" spcCol="1270" anchor="ctr" anchorCtr="0">
+          <a:noAutofit/>
+        </a:bodyPr>
+        <a:lstStyle/>
+        <a:p>
+          <a:pPr marL="0" lvl="0" indent="0" algn="l" defTabSz="977900">
+            <a:lnSpc>
+              <a:spcPct val="90000"/>
+            </a:lnSpc>
+            <a:spcBef>
+              <a:spcPct val="0"/>
+            </a:spcBef>
+            <a:spcAft>
+              <a:spcPct val="35000"/>
+            </a:spcAft>
+            <a:buNone/>
+          </a:pPr>
+          <a:r>
+            <a:rPr lang="en-US" altLang="zh-CN" sz="2200" kern="1200" dirty="0" err="1"/>
+            <a:t>Evm</a:t>
+          </a:r>
+          <a:r>
+            <a:rPr lang="zh-CN" altLang="en-US" sz="2200" kern="1200" dirty="0"/>
+            <a:t>共识层</a:t>
+          </a:r>
+        </a:p>
+      </dsp:txBody>
+      <dsp:txXfrm>
+        <a:off x="4097625" y="0"/>
+        <a:ext cx="1555927" cy="907624"/>
+      </dsp:txXfrm>
+    </dsp:sp>
+    <dsp:sp modelId="{C3F04D52-AA7C-4AFD-9AA1-4CB5F4EFFBBA}">
+      <dsp:nvSpPr>
+        <dsp:cNvPr id="0" name=""/>
+        <dsp:cNvSpPr/>
+      </dsp:nvSpPr>
+      <dsp:spPr>
+        <a:xfrm>
+          <a:off x="3708643" y="453812"/>
+          <a:ext cx="388981" cy="0"/>
+        </a:xfrm>
+        <a:prstGeom prst="line">
+          <a:avLst/>
+        </a:prstGeom>
+        <a:solidFill>
+          <a:schemeClr val="accent1">
+            <a:hueOff val="0"/>
+            <a:satOff val="0"/>
+            <a:lumOff val="0"/>
+            <a:alphaOff val="0"/>
+          </a:schemeClr>
+        </a:solidFill>
+        <a:ln w="25400" cap="flat" cmpd="sng" algn="ctr">
+          <a:solidFill>
+            <a:schemeClr val="accent1">
+              <a:tint val="50000"/>
+              <a:hueOff val="0"/>
+              <a:satOff val="0"/>
+              <a:lumOff val="0"/>
+              <a:alphaOff val="0"/>
+            </a:schemeClr>
+          </a:solidFill>
+          <a:prstDash val="solid"/>
+        </a:ln>
+        <a:effectLst/>
+      </dsp:spPr>
+      <dsp:style>
+        <a:lnRef idx="2">
+          <a:scrgbClr r="0" g="0" b="0"/>
+        </a:lnRef>
+        <a:fillRef idx="1">
+          <a:scrgbClr r="0" g="0" b="0"/>
+        </a:fillRef>
+        <a:effectRef idx="0">
+          <a:scrgbClr r="0" g="0" b="0"/>
+        </a:effectRef>
+        <a:fontRef idx="minor"/>
+      </dsp:style>
+    </dsp:sp>
+    <dsp:sp modelId="{0AB20286-F270-4318-8757-8C7A0916D7B9}">
+      <dsp:nvSpPr>
+        <dsp:cNvPr id="0" name=""/>
+        <dsp:cNvSpPr/>
+      </dsp:nvSpPr>
+      <dsp:spPr>
+        <a:xfrm rot="5400000">
+          <a:off x="1795630" y="681755"/>
+          <a:ext cx="2138881" cy="1684032"/>
+        </a:xfrm>
+        <a:prstGeom prst="line">
+          <a:avLst/>
+        </a:prstGeom>
+        <a:solidFill>
+          <a:schemeClr val="accent1">
+            <a:hueOff val="0"/>
+            <a:satOff val="0"/>
+            <a:lumOff val="0"/>
+            <a:alphaOff val="0"/>
+          </a:schemeClr>
+        </a:solidFill>
+        <a:ln w="25400" cap="flat" cmpd="sng" algn="ctr">
+          <a:solidFill>
+            <a:schemeClr val="accent1">
+              <a:tint val="50000"/>
+              <a:hueOff val="0"/>
+              <a:satOff val="0"/>
+              <a:lumOff val="0"/>
+              <a:alphaOff val="0"/>
+            </a:schemeClr>
+          </a:solidFill>
+          <a:prstDash val="solid"/>
+        </a:ln>
+        <a:effectLst/>
+      </dsp:spPr>
+      <dsp:style>
+        <a:lnRef idx="2">
+          <a:scrgbClr r="0" g="0" b="0"/>
+        </a:lnRef>
+        <a:fillRef idx="1">
+          <a:scrgbClr r="0" g="0" b="0"/>
+        </a:fillRef>
+        <a:effectRef idx="0">
+          <a:scrgbClr r="0" g="0" b="0"/>
+        </a:effectRef>
+        <a:fontRef idx="minor"/>
+      </dsp:style>
+    </dsp:sp>
+    <dsp:sp modelId="{ACE8FD25-2E4A-4CDF-89E7-CA389B27C0A5}">
+      <dsp:nvSpPr>
+        <dsp:cNvPr id="0" name=""/>
+        <dsp:cNvSpPr/>
+      </dsp:nvSpPr>
+      <dsp:spPr>
+        <a:xfrm>
+          <a:off x="4097625" y="907624"/>
+          <a:ext cx="1555927" cy="907624"/>
+        </a:xfrm>
+        <a:prstGeom prst="rect">
+          <a:avLst/>
+        </a:prstGeom>
+        <a:noFill/>
+        <a:ln>
+          <a:noFill/>
+        </a:ln>
+        <a:effectLst/>
+      </dsp:spPr>
+      <dsp:style>
+        <a:lnRef idx="0">
+          <a:scrgbClr r="0" g="0" b="0"/>
+        </a:lnRef>
+        <a:fillRef idx="0">
+          <a:scrgbClr r="0" g="0" b="0"/>
+        </a:fillRef>
+        <a:effectRef idx="0">
+          <a:scrgbClr r="0" g="0" b="0"/>
+        </a:effectRef>
+        <a:fontRef idx="minor"/>
+      </dsp:style>
+      <dsp:txBody>
+        <a:bodyPr spcFirstLastPara="0" vert="horz" wrap="square" lIns="156464" tIns="27940" rIns="27940" bIns="27940" numCol="1" spcCol="1270" anchor="ctr" anchorCtr="0">
+          <a:noAutofit/>
+        </a:bodyPr>
+        <a:lstStyle/>
+        <a:p>
+          <a:pPr marL="0" lvl="0" indent="0" algn="l" defTabSz="977900">
+            <a:lnSpc>
+              <a:spcPct val="90000"/>
+            </a:lnSpc>
+            <a:spcBef>
+              <a:spcPct val="0"/>
+            </a:spcBef>
+            <a:spcAft>
+              <a:spcPct val="35000"/>
+            </a:spcAft>
+            <a:buNone/>
+          </a:pPr>
+          <a:r>
+            <a:rPr lang="en-US" altLang="zh-CN" sz="2200" kern="1200" dirty="0" err="1"/>
+            <a:t>Rpc</a:t>
+          </a:r>
+          <a:r>
+            <a:rPr lang="zh-CN" altLang="en-US" sz="2200" kern="1200" dirty="0"/>
+            <a:t>调用层</a:t>
+          </a:r>
+        </a:p>
+      </dsp:txBody>
+      <dsp:txXfrm>
+        <a:off x="4097625" y="907624"/>
+        <a:ext cx="1555927" cy="907624"/>
+      </dsp:txXfrm>
+    </dsp:sp>
+    <dsp:sp modelId="{D318C695-F7D4-439F-A2C9-16B01A212A59}">
+      <dsp:nvSpPr>
+        <dsp:cNvPr id="0" name=""/>
+        <dsp:cNvSpPr/>
+      </dsp:nvSpPr>
+      <dsp:spPr>
+        <a:xfrm>
+          <a:off x="3708643" y="1361436"/>
+          <a:ext cx="388981" cy="0"/>
+        </a:xfrm>
+        <a:prstGeom prst="line">
+          <a:avLst/>
+        </a:prstGeom>
+        <a:solidFill>
+          <a:schemeClr val="accent1">
+            <a:hueOff val="0"/>
+            <a:satOff val="0"/>
+            <a:lumOff val="0"/>
+            <a:alphaOff val="0"/>
+          </a:schemeClr>
+        </a:solidFill>
+        <a:ln w="25400" cap="flat" cmpd="sng" algn="ctr">
+          <a:solidFill>
+            <a:schemeClr val="accent1">
+              <a:tint val="50000"/>
+              <a:hueOff val="0"/>
+              <a:satOff val="0"/>
+              <a:lumOff val="0"/>
+              <a:alphaOff val="0"/>
+            </a:schemeClr>
+          </a:solidFill>
+          <a:prstDash val="solid"/>
+        </a:ln>
+        <a:effectLst/>
+      </dsp:spPr>
+      <dsp:style>
+        <a:lnRef idx="2">
+          <a:scrgbClr r="0" g="0" b="0"/>
+        </a:lnRef>
+        <a:fillRef idx="1">
+          <a:scrgbClr r="0" g="0" b="0"/>
+        </a:fillRef>
+        <a:effectRef idx="0">
+          <a:scrgbClr r="0" g="0" b="0"/>
+        </a:effectRef>
+        <a:fontRef idx="minor"/>
+      </dsp:style>
+    </dsp:sp>
+    <dsp:sp modelId="{A7FE6E76-EAB8-4197-8EC2-98156F7D2B2E}">
+      <dsp:nvSpPr>
+        <dsp:cNvPr id="0" name=""/>
+        <dsp:cNvSpPr/>
+      </dsp:nvSpPr>
+      <dsp:spPr>
+        <a:xfrm rot="5400000">
+          <a:off x="2254732" y="1575221"/>
+          <a:ext cx="1666709" cy="1237999"/>
+        </a:xfrm>
+        <a:prstGeom prst="line">
+          <a:avLst/>
+        </a:prstGeom>
+        <a:solidFill>
+          <a:schemeClr val="accent1">
+            <a:hueOff val="0"/>
+            <a:satOff val="0"/>
+            <a:lumOff val="0"/>
+            <a:alphaOff val="0"/>
+          </a:schemeClr>
+        </a:solidFill>
+        <a:ln w="25400" cap="flat" cmpd="sng" algn="ctr">
+          <a:solidFill>
+            <a:schemeClr val="accent1">
+              <a:tint val="50000"/>
+              <a:hueOff val="0"/>
+              <a:satOff val="0"/>
+              <a:lumOff val="0"/>
+              <a:alphaOff val="0"/>
+            </a:schemeClr>
+          </a:solidFill>
+          <a:prstDash val="solid"/>
+        </a:ln>
+        <a:effectLst/>
+      </dsp:spPr>
+      <dsp:style>
+        <a:lnRef idx="2">
+          <a:scrgbClr r="0" g="0" b="0"/>
+        </a:lnRef>
+        <a:fillRef idx="1">
+          <a:scrgbClr r="0" g="0" b="0"/>
+        </a:fillRef>
+        <a:effectRef idx="0">
+          <a:scrgbClr r="0" g="0" b="0"/>
+        </a:effectRef>
+        <a:fontRef idx="minor"/>
+      </dsp:style>
+    </dsp:sp>
+    <dsp:sp modelId="{507D53A8-B462-4670-BB76-43DA2DE392A7}">
+      <dsp:nvSpPr>
+        <dsp:cNvPr id="0" name=""/>
+        <dsp:cNvSpPr/>
+      </dsp:nvSpPr>
+      <dsp:spPr>
+        <a:xfrm>
+          <a:off x="4097625" y="1815248"/>
+          <a:ext cx="1555927" cy="907624"/>
+        </a:xfrm>
+        <a:prstGeom prst="rect">
+          <a:avLst/>
+        </a:prstGeom>
+        <a:noFill/>
+        <a:ln>
+          <a:noFill/>
+        </a:ln>
+        <a:effectLst/>
+      </dsp:spPr>
+      <dsp:style>
+        <a:lnRef idx="0">
+          <a:scrgbClr r="0" g="0" b="0"/>
+        </a:lnRef>
+        <a:fillRef idx="0">
+          <a:scrgbClr r="0" g="0" b="0"/>
+        </a:fillRef>
+        <a:effectRef idx="0">
+          <a:scrgbClr r="0" g="0" b="0"/>
+        </a:effectRef>
+        <a:fontRef idx="minor"/>
+      </dsp:style>
+      <dsp:txBody>
+        <a:bodyPr spcFirstLastPara="0" vert="horz" wrap="square" lIns="156464" tIns="27940" rIns="27940" bIns="27940" numCol="1" spcCol="1270" anchor="ctr" anchorCtr="0">
+          <a:noAutofit/>
+        </a:bodyPr>
+        <a:lstStyle/>
+        <a:p>
+          <a:pPr marL="0" lvl="0" indent="0" algn="l" defTabSz="977900">
+            <a:lnSpc>
+              <a:spcPct val="90000"/>
+            </a:lnSpc>
+            <a:spcBef>
+              <a:spcPct val="0"/>
+            </a:spcBef>
+            <a:spcAft>
+              <a:spcPct val="35000"/>
+            </a:spcAft>
+            <a:buNone/>
+          </a:pPr>
+          <a:r>
+            <a:rPr lang="en-US" altLang="zh-CN" sz="2200" kern="1200" dirty="0"/>
+            <a:t>Scan</a:t>
+          </a:r>
+          <a:r>
+            <a:rPr lang="zh-CN" altLang="en-US" sz="2200" kern="1200" dirty="0"/>
+            <a:t>数据层</a:t>
+          </a:r>
+        </a:p>
+      </dsp:txBody>
+      <dsp:txXfrm>
+        <a:off x="4097625" y="1815248"/>
+        <a:ext cx="1555927" cy="907624"/>
+      </dsp:txXfrm>
+    </dsp:sp>
+    <dsp:sp modelId="{79486837-F302-4F6D-9A7A-88E578AB53BA}">
+      <dsp:nvSpPr>
+        <dsp:cNvPr id="0" name=""/>
+        <dsp:cNvSpPr/>
+      </dsp:nvSpPr>
+      <dsp:spPr>
+        <a:xfrm>
+          <a:off x="3708643" y="2269060"/>
+          <a:ext cx="388981" cy="0"/>
+        </a:xfrm>
+        <a:prstGeom prst="line">
+          <a:avLst/>
+        </a:prstGeom>
+        <a:solidFill>
+          <a:schemeClr val="accent1">
+            <a:hueOff val="0"/>
+            <a:satOff val="0"/>
+            <a:lumOff val="0"/>
+            <a:alphaOff val="0"/>
+          </a:schemeClr>
+        </a:solidFill>
+        <a:ln w="25400" cap="flat" cmpd="sng" algn="ctr">
+          <a:solidFill>
+            <a:schemeClr val="accent1">
+              <a:tint val="50000"/>
+              <a:hueOff val="0"/>
+              <a:satOff val="0"/>
+              <a:lumOff val="0"/>
+              <a:alphaOff val="0"/>
+            </a:schemeClr>
+          </a:solidFill>
+          <a:prstDash val="solid"/>
+        </a:ln>
+        <a:effectLst/>
+      </dsp:spPr>
+      <dsp:style>
+        <a:lnRef idx="2">
+          <a:scrgbClr r="0" g="0" b="0"/>
+        </a:lnRef>
+        <a:fillRef idx="1">
+          <a:scrgbClr r="0" g="0" b="0"/>
+        </a:fillRef>
+        <a:effectRef idx="0">
+          <a:scrgbClr r="0" g="0" b="0"/>
+        </a:effectRef>
+        <a:fontRef idx="minor"/>
+      </dsp:style>
+    </dsp:sp>
+    <dsp:sp modelId="{20D1BD08-4457-4582-BE8E-DA19322D6145}">
+      <dsp:nvSpPr>
+        <dsp:cNvPr id="0" name=""/>
+        <dsp:cNvSpPr/>
+      </dsp:nvSpPr>
+      <dsp:spPr>
+        <a:xfrm rot="5400000">
+          <a:off x="2714405" y="2467960"/>
+          <a:ext cx="1190803" cy="791967"/>
+        </a:xfrm>
+        <a:prstGeom prst="line">
+          <a:avLst/>
+        </a:prstGeom>
+        <a:solidFill>
+          <a:schemeClr val="accent1">
+            <a:hueOff val="0"/>
+            <a:satOff val="0"/>
+            <a:lumOff val="0"/>
+            <a:alphaOff val="0"/>
+          </a:schemeClr>
+        </a:solidFill>
+        <a:ln w="25400" cap="flat" cmpd="sng" algn="ctr">
+          <a:solidFill>
+            <a:schemeClr val="accent1">
+              <a:tint val="50000"/>
+              <a:hueOff val="0"/>
+              <a:satOff val="0"/>
+              <a:lumOff val="0"/>
+              <a:alphaOff val="0"/>
+            </a:schemeClr>
+          </a:solidFill>
+          <a:prstDash val="solid"/>
+        </a:ln>
+        <a:effectLst/>
+      </dsp:spPr>
+      <dsp:style>
+        <a:lnRef idx="2">
+          <a:scrgbClr r="0" g="0" b="0"/>
+        </a:lnRef>
+        <a:fillRef idx="1">
+          <a:scrgbClr r="0" g="0" b="0"/>
+        </a:fillRef>
+        <a:effectRef idx="0">
+          <a:scrgbClr r="0" g="0" b="0"/>
+        </a:effectRef>
+        <a:fontRef idx="minor"/>
+      </dsp:style>
+    </dsp:sp>
+  </dsp:spTree>
+</dsp:drawing>
+</file>
+
+<file path=ppt/diagrams/layout1.xml><?xml version="1.0" encoding="utf-8"?>
+<dgm:layoutDef xmlns:dgm="http://schemas.openxmlformats.org/drawingml/2006/diagram" xmlns:a="http://schemas.openxmlformats.org/drawingml/2006/main" uniqueId="urn:microsoft.com/office/officeart/2005/8/layout/target1">
+  <dgm:title val=""/>
+  <dgm:desc val=""/>
+  <dgm:catLst>
+    <dgm:cat type="relationship" pri="25000"/>
+    <dgm:cat type="convert" pri="20000"/>
+  </dgm:catLst>
+  <dgm:sampData useDef="1">
+    <dgm:dataModel>
+      <dgm:ptLst/>
+      <dgm:bg/>
+      <dgm:whole/>
+    </dgm:dataModel>
+  </dgm:sampData>
+  <dgm:styleData>
+    <dgm:dataModel>
+      <dgm:ptLst>
+        <dgm:pt modelId="0" type="doc"/>
+        <dgm:pt modelId="1"/>
+        <dgm:pt modelId="2"/>
+      </dgm:ptLst>
+      <dgm:cxnLst>
+        <dgm:cxn modelId="3" srcId="0" destId="1" srcOrd="0" destOrd="0"/>
+        <dgm:cxn modelId="4" srcId="0" destId="2" srcOrd="1" destOrd="0"/>
+      </dgm:cxnLst>
+      <dgm:bg/>
+      <dgm:whole/>
+    </dgm:dataModel>
+  </dgm:styleData>
+  <dgm:clrData>
+    <dgm:dataModel>
+      <dgm:ptLst>
+        <dgm:pt modelId="0" type="doc"/>
+        <dgm:pt modelId="1"/>
+        <dgm:pt modelId="2"/>
+        <dgm:pt modelId="3"/>
+        <dgm:pt modelId="4"/>
+      </dgm:ptLst>
+      <dgm:cxnLst>
+        <dgm:cxn modelId="5" srcId="0" destId="1" srcOrd="0" destOrd="0"/>
+        <dgm:cxn modelId="6" srcId="0" destId="2" srcOrd="1" destOrd="0"/>
+        <dgm:cxn modelId="7" srcId="0" destId="3" srcOrd="2" destOrd="0"/>
+        <dgm:cxn modelId="8" srcId="0" destId="4" srcOrd="3" destOrd="0"/>
+      </dgm:cxnLst>
+      <dgm:bg/>
+      <dgm:whole/>
+    </dgm:dataModel>
+  </dgm:clrData>
+  <dgm:layoutNode name="composite">
+    <dgm:varLst>
+      <dgm:chMax val="5"/>
+      <dgm:dir/>
+      <dgm:resizeHandles val="exact"/>
+    </dgm:varLst>
+    <dgm:alg type="composite">
+      <dgm:param type="ar" val="1.25"/>
+    </dgm:alg>
+    <dgm:shape xmlns:r="http://schemas.openxmlformats.org/officeDocument/2006/relationships" r:blip="">
+      <dgm:adjLst/>
+    </dgm:shape>
+    <dgm:presOf/>
+    <dgm:choose name="Name0">
+      <dgm:if name="Name1" func="var" arg="dir" op="equ" val="norm">
+        <dgm:choose name="Name2">
+          <dgm:if name="Name3" axis="ch" ptType="node" func="cnt" op="equ" val="0">
+            <dgm:constrLst/>
+          </dgm:if>
+          <dgm:if name="Name4" axis="ch" ptType="node" func="cnt" op="equ" val="1">
+            <dgm:constrLst>
+              <dgm:constr type="primFontSz" for="des" ptType="node" op="equ" val="65"/>
+              <dgm:constr type="w" for="ch" forName="circle1" refType="w" fact="0.6"/>
+              <dgm:constr type="h" for="ch" forName="circle1" refType="w" refFor="ch" refForName="circle1"/>
+              <dgm:constr type="ctrX" for="ch" forName="circle1" refType="w" fact="0.3"/>
+              <dgm:constr type="ctrY" for="ch" forName="circle1" refType="h" fact="0.625"/>
+              <dgm:constr type="w" for="ch" forName="text1" refType="w" fact="0.3"/>
+              <dgm:constr type="h" for="ch" forName="text1" refType="h" fact="0.3125"/>
+              <dgm:constr type="r" for="ch" forName="text1" refType="w"/>
+              <dgm:constr type="t" for="ch" forName="text1"/>
+              <dgm:constr type="l" for="ch" forName="line1" refType="w" fact="0.625"/>
+              <dgm:constr type="ctrY" for="ch" forName="line1" refType="ctrY" refFor="ch" refForName="text1"/>
+              <dgm:constr type="r" for="ch" forName="line1" refType="l" refFor="ch" refForName="text1"/>
+              <dgm:constr type="h" for="ch" forName="line1"/>
+              <dgm:constr type="l" for="ch" forName="d1" refType="w" fact="0.3"/>
+              <dgm:constr type="b" for="ch" forName="d1" refType="h" fact="0.625"/>
+              <dgm:constr type="w" for="ch" forName="d1" refType="w" fact="0.32475"/>
+              <dgm:constr type="h" for="ch" forName="d1" refType="h" fact="0.469"/>
+            </dgm:constrLst>
+          </dgm:if>
+          <dgm:if name="Name5" axis="ch" ptType="node" func="cnt" op="equ" val="2">
+            <dgm:constrLst>
+              <dgm:constr type="primFontSz" for="des" ptType="node" op="equ" val="65"/>
+              <dgm:constr type="w" for="ch" forName="circle1" refType="w" fact="0.2"/>
+              <dgm:constr type="h" for="ch" forName="circle1" refType="w" refFor="ch" refForName="circle1"/>
+              <dgm:constr type="ctrX" for="ch" forName="circle1" refType="w" fact="0.3"/>
+              <dgm:constr type="ctrY" for="ch" forName="circle1" refType="h" fact="0.625"/>
+              <dgm:constr type="w" for="ch" forName="text1" refType="w" fact="0.3"/>
+              <dgm:constr type="h" for="ch" forName="text1" refType="h" fact="0.3125"/>
+              <dgm:constr type="r" for="ch" forName="text1" refType="w"/>
+              <dgm:constr type="t" for="ch" forName="text1"/>
+              <dgm:constr type="l" for="ch" forName="line1" refType="w" fact="0.625"/>
+              <dgm:constr type="ctrY" for="ch" forName="line1" refType="ctrY" refFor="ch" refForName="text1"/>
+              <dgm:constr type="w" for="ch" forName="line1" refType="w" fact="0.075"/>
+              <dgm:constr type="h" for="ch" forName="line1"/>
+              <dgm:constr type="l" for="ch" forName="d1" refType="w" fact="0.3"/>
+              <dgm:constr type="b" for="ch" forName="d1" refType="h" fact="0.625"/>
+              <dgm:constr type="w" for="ch" forName="d1" refType="w" fact="0.32475"/>
+              <dgm:constr type="h" for="ch" forName="d1" refType="h" fact="0.469"/>
+              <dgm:constr type="w" for="ch" forName="circle2" refType="w" fact="0.6"/>
+              <dgm:constr type="h" for="ch" forName="circle2" refType="w" refFor="ch" refForName="circle2"/>
+              <dgm:constr type="ctrX" for="ch" forName="circle2" refType="w" fact="0.3"/>
+              <dgm:constr type="ctrY" for="ch" forName="circle2" refType="h" fact="0.625"/>
+              <dgm:constr type="w" for="ch" forName="text2" refType="w" fact="0.3"/>
+              <dgm:constr type="h" for="ch" forName="text2" refType="h" fact="0.3125"/>
+              <dgm:constr type="r" for="ch" forName="text2" refType="w"/>
+              <dgm:constr type="t" for="ch" forName="text2" refType="b" refFor="ch" refForName="text1"/>
+              <dgm:constr type="l" for="ch" forName="line2" refType="w" fact="0.625"/>
+              <dgm:constr type="ctrY" for="ch" forName="line2" refType="ctrY" refFor="ch" refForName="text2"/>
+              <dgm:constr type="w" for="ch" forName="line2" refType="w" fact="0.075"/>
+              <dgm:constr type="h" for="ch" forName="line2"/>
+              <dgm:constr type="l" for="ch" forName="d2" refType="w" fact="0.44325"/>
+              <dgm:constr type="b" for="ch" forName="d2" refType="h" fact="0.7975"/>
+              <dgm:constr type="w" for="ch" forName="d2" refType="w" fact="0.1815"/>
+              <dgm:constr type="h" for="ch" forName="d2" refType="h" fact="0.3283"/>
+            </dgm:constrLst>
+          </dgm:if>
+          <dgm:if name="Name6" axis="ch" ptType="node" func="cnt" op="equ" val="3">
+            <dgm:constrLst>
+              <dgm:constr type="primFontSz" for="des" ptType="node" op="equ" val="65"/>
+              <dgm:constr type="w" for="ch" forName="circle1" refType="w" fact="0.12"/>
+              <dgm:constr type="h" for="ch" forName="circle1" refType="w" refFor="ch" refForName="circle1"/>
+              <dgm:constr type="ctrX" for="ch" forName="circle1" refType="w" fact="0.3"/>
+              <dgm:constr type="ctrY" for="ch" forName="circle1" refType="h" fact="0.625"/>
+              <dgm:constr type="w" for="ch" forName="text1" refType="w" fact="0.3"/>
+              <dgm:constr type="h" for="ch" forName="text1" refType="h" fact="0.21875"/>
+              <dgm:constr type="r" for="ch" forName="text1" refType="w"/>
+              <dgm:constr type="t" for="ch" forName="text1"/>
+              <dgm:constr type="l" for="ch" forName="line1" refType="w" fact="0.625"/>
+              <dgm:constr type="ctrY" for="ch" forName="line1" refType="ctrY" refFor="ch" refForName="text1"/>
+              <dgm:constr type="w" for="ch" forName="line1" refType="w" fact="0.075"/>
+              <dgm:constr type="h" for="ch" forName="line1"/>
+              <dgm:constr type="l" for="ch" forName="d1" refType="w" fact="0.3"/>
+              <dgm:constr type="b" for="ch" forName="d1" refType="h" fact="0.625"/>
+              <dgm:constr type="w" for="ch" forName="d1" refType="w" fact="0.3247"/>
+              <dgm:constr type="h" for="ch" forName="d1" refType="h" fact="0.5155"/>
+              <dgm:constr type="w" for="ch" forName="circle2" refType="w" fact="0.36"/>
+              <dgm:constr type="h" for="ch" forName="circle2" refType="w" refFor="ch" refForName="circle2"/>
+              <dgm:constr type="ctrX" for="ch" forName="circle2" refType="w" fact="0.3"/>
+              <dgm:constr type="ctrY" for="ch" forName="circle2" refType="h" fact="0.625"/>
+              <dgm:constr type="w" for="ch" forName="text2" refType="w" fact="0.3"/>
+              <dgm:constr type="h" for="ch" forName="text2" refType="h" fact="0.21875"/>
+              <dgm:constr type="r" for="ch" forName="text2" refType="w"/>
+              <dgm:constr type="t" for="ch" forName="text2" refType="b" refFor="ch" refForName="text1"/>
+              <dgm:constr type="l" for="ch" forName="line2" refType="w" fact="0.625"/>
+              <dgm:constr type="ctrY" for="ch" forName="line2" refType="ctrY" refFor="ch" refForName="text2"/>
+              <dgm:constr type="w" for="ch" forName="line2" refType="w" fact="0.075"/>
+              <dgm:constr type="h" for="ch" forName="line2"/>
+              <dgm:constr type="l" for="ch" forName="d2" refType="w" fact="0.386"/>
+              <dgm:constr type="b" for="ch" forName="d2" refType="h" fact="0.72969"/>
+              <dgm:constr type="w" for="ch" forName="d2" refType="w" fact="0.2387"/>
+              <dgm:constr type="h" for="ch" forName="d2" refType="h" fact="0.4017"/>
+              <dgm:constr type="w" for="ch" forName="circle3" refType="w" fact="0.6"/>
+              <dgm:constr type="h" for="ch" forName="circle3" refType="w" refFor="ch" refForName="circle3"/>
+              <dgm:constr type="ctrX" for="ch" forName="circle3" refType="ctrX" refFor="ch" refForName="circle1"/>
+              <dgm:constr type="ctrY" for="ch" forName="circle3" refType="ctrY" refFor="ch" refForName="circle1"/>
+              <dgm:constr type="w" for="ch" forName="text3" refType="w" fact="0.3"/>
+              <dgm:constr type="h" for="ch" forName="text3" refType="h" fact="0.21875"/>
+              <dgm:constr type="r" for="ch" forName="text3" refType="w"/>
+              <dgm:constr type="t" for="ch" forName="text3" refType="b" refFor="ch" refForName="text2"/>
+              <dgm:constr type="l" for="ch" forName="line3" refType="w" fact="0.625"/>
+              <dgm:constr type="ctrY" for="ch" forName="line3" refType="ctrY" refFor="ch" refForName="text3"/>
+              <dgm:constr type="w" for="ch" forName="line3" refType="w" fact="0.075"/>
+              <dgm:constr type="h" for="ch" forName="line3"/>
+              <dgm:constr type="l" for="ch" forName="d3" refType="w" fact="0.47175"/>
+              <dgm:constr type="b" for="ch" forName="d3" refType="h" fact="0.83375"/>
+              <dgm:constr type="w" for="ch" forName="d3" refType="w" fact="0.1527"/>
+              <dgm:constr type="h" for="ch" forName="d3" refType="h" fact="0.287"/>
+            </dgm:constrLst>
+          </dgm:if>
+          <dgm:if name="Name7" axis="ch" ptType="node" func="cnt" op="equ" val="4">
+            <dgm:constrLst>
+              <dgm:constr type="primFontSz" for="des" ptType="node" op="equ" val="65"/>
+              <dgm:constr type="w" for="ch" forName="circle1" refType="w" fact="0.0857"/>
+              <dgm:constr type="h" for="ch" forName="circle1" refType="w" refFor="ch" refForName="circle1"/>
+              <dgm:constr type="ctrX" for="ch" forName="circle1" refType="w" fact="0.3"/>
+              <dgm:constr type="ctrY" for="ch" forName="circle1" refType="h" fact="0.625"/>
+              <dgm:constr type="w" for="ch" forName="text1" refType="w" fact="0.3"/>
+              <dgm:constr type="h" for="ch" forName="text1" refType="h" fact="0.17938"/>
+              <dgm:constr type="r" for="ch" forName="text1" refType="w"/>
+              <dgm:constr type="t" for="ch" forName="text1"/>
+              <dgm:constr type="l" for="ch" forName="line1" refType="w" fact="0.625"/>
+              <dgm:constr type="ctrY" for="ch" forName="line1" refType="ctrY" refFor="ch" refForName="text1"/>
+              <dgm:constr type="w" for="ch" forName="line1" refType="w" fact="0.075"/>
+              <dgm:constr type="h" for="ch" forName="line1"/>
+              <dgm:constr type="l" for="ch" forName="d1" refType="w" fact="0.295"/>
+              <dgm:constr type="b" for="ch" forName="d1" refType="h" fact="0.62"/>
+              <dgm:constr type="w" for="ch" forName="d1" refType="w" fact="0.33"/>
+              <dgm:constr type="h" for="ch" forName="d1" refType="h" fact="0.53"/>
+              <dgm:constr type="w" for="ch" forName="circle2" refType="w" fact="0.2571"/>
+              <dgm:constr type="h" for="ch" forName="circle2" refType="w" refFor="ch" refForName="circle2"/>
+              <dgm:constr type="ctrX" for="ch" forName="circle2" refType="w" fact="0.3"/>
+              <dgm:constr type="ctrY" for="ch" forName="circle2" refType="h" fact="0.625"/>
+              <dgm:constr type="w" for="ch" forName="text2" refType="w" fact="0.3"/>
+              <dgm:constr type="h" for="ch" forName="text2" refType="h" fact="0.17938"/>
+              <dgm:constr type="r" for="ch" forName="text2" refType="w"/>
+              <dgm:constr type="t" for="ch" forName="text2" refType="b" refFor="ch" refForName="text1"/>
+              <dgm:constr type="l" for="ch" forName="line2" refType="w" fact="0.625"/>
+              <dgm:constr type="ctrY" for="ch" forName="line2" refType="ctrY" refFor="ch" refForName="text2"/>
+              <dgm:constr type="w" for="ch" forName="line2" refType="w" fact="0.075"/>
+              <dgm:constr type="h" for="ch" forName="line2"/>
+              <dgm:constr type="l" for="ch" forName="d2" refType="w" fact="0.36625"/>
+              <dgm:constr type="b" for="ch" forName="d2" refType="h" fact="0.70438"/>
+              <dgm:constr type="w" for="ch" forName="d2" refType="w" fact="0.2585"/>
+              <dgm:constr type="h" for="ch" forName="d2" refType="h" fact="0.43525"/>
+              <dgm:constr type="w" for="ch" forName="circle3" refType="w" fact="0.4285"/>
+              <dgm:constr type="h" for="ch" forName="circle3" refType="w" refFor="ch" refForName="circle3"/>
+              <dgm:constr type="ctrX" for="ch" forName="circle3" refType="ctrX" refFor="ch" refForName="circle1"/>
+              <dgm:constr type="ctrY" for="ch" forName="circle3" refType="ctrY" refFor="ch" refForName="circle1"/>
+              <dgm:constr type="w" for="ch" forName="text3" refType="w" fact="0.3"/>
+              <dgm:constr type="h" for="ch" forName="text3" refType="h" fact="0.17938"/>
+              <dgm:constr type="r" for="ch" forName="text3" refType="w"/>
+              <dgm:constr type="t" for="ch" forName="text3" refType="b" refFor="ch" refForName="text2"/>
+              <dgm:constr type="l" for="ch" forName="line3" refType="w" fact="0.625"/>
+              <dgm:constr type="ctrY" for="ch" forName="line3" refType="ctrY" refFor="ch" refForName="text3"/>
+              <dgm:constr type="w" for="ch" forName="line3" refType="w" fact="0.075"/>
+              <dgm:constr type="h" for="ch" forName="line3"/>
+              <dgm:constr type="l" for="ch" forName="d3" refType="w" fact="0.4255"/>
+              <dgm:constr type="b" for="ch" forName="d3" refType="h" fact="0.78031"/>
+              <dgm:constr type="w" for="ch" forName="d3" refType="w" fact="0.1995"/>
+              <dgm:constr type="h" for="ch" forName="d3" refType="h" fact="0.332"/>
+              <dgm:constr type="w" for="ch" forName="circle4" refType="w" fact="0.6"/>
+              <dgm:constr type="h" for="ch" forName="circle4" refType="w" refFor="ch" refForName="circle4"/>
+              <dgm:constr type="ctrX" for="ch" forName="circle4" refType="ctrX" refFor="ch" refForName="circle1"/>
+              <dgm:constr type="ctrY" for="ch" forName="circle4" refType="ctrY" refFor="ch" refForName="circle1"/>
+              <dgm:constr type="w" for="ch" forName="text4" refType="w" fact="0.3"/>
+              <dgm:constr type="h" for="ch" forName="text4" refType="h" fact="0.17938"/>
+              <dgm:constr type="r" for="ch" forName="text4" refType="w"/>
+              <dgm:constr type="t" for="ch" forName="text4" refType="b" refFor="ch" refForName="text3"/>
+              <dgm:constr type="l" for="ch" forName="line4" refType="w" fact="0.625"/>
+              <dgm:constr type="ctrY" for="ch" forName="line4" refType="ctrY" refFor="ch" refForName="text4"/>
+              <dgm:constr type="w" for="ch" forName="line4" refType="w" fact="0.075"/>
+              <dgm:constr type="h" for="ch" forName="line4"/>
+              <dgm:constr type="l" for="ch" forName="d4" refType="w" fact="0.48525"/>
+              <dgm:constr type="b" for="ch" forName="d4" refType="h" fact="0.85594"/>
+              <dgm:constr type="w" for="ch" forName="d4" refType="w" fact="0.1394"/>
+              <dgm:constr type="h" for="ch" forName="d4" refType="h" fact="0.2282"/>
+            </dgm:constrLst>
+          </dgm:if>
+          <dgm:if name="Name8" axis="ch" ptType="node" func="cnt" op="gte" val="5">
+            <dgm:constrLst>
+              <dgm:constr type="primFontSz" for="des" ptType="node" op="equ" val="65"/>
+              <dgm:constr type="w" for="ch" forName="circle1" refType="w" fact="0.0667"/>
+              <dgm:constr type="h" for="ch" forName="circle1" refType="w" refFor="ch" refForName="circle1"/>
+              <dgm:constr type="ctrX" for="ch" forName="circle1" refType="w" fact="0.3"/>
+              <dgm:constr type="ctrY" for="ch" forName="circle1" refType="h" fact="0.625"/>
+              <dgm:constr type="w" for="ch" forName="text1" refType="w" fact="0.3"/>
+              <dgm:constr type="h" for="ch" forName="text1" refType="h" fact="0.1324"/>
+              <dgm:constr type="r" for="ch" forName="text1" refType="w"/>
+              <dgm:constr type="ctrY" for="ch" forName="text1" refType="h" fact="0.13"/>
+              <dgm:constr type="l" for="ch" forName="line1" refType="w" fact="0.625"/>
+              <dgm:constr type="ctrY" for="ch" forName="line1" refType="ctrY" refFor="ch" refForName="text1"/>
+              <dgm:constr type="w" for="ch" forName="line1" refType="w" fact="0.075"/>
+              <dgm:constr type="h" for="ch" forName="line1"/>
+              <dgm:constr type="l" for="ch" forName="d1" refType="w" fact="0.3"/>
+              <dgm:constr type="b" for="ch" forName="d1" refType="h" fact="0.625"/>
+              <dgm:constr type="w" for="ch" forName="d1" refType="w" fact="0.3245"/>
+              <dgm:constr type="h" for="ch" forName="d1" refType="h" fact="0.495"/>
+              <dgm:constr type="w" for="ch" forName="circle2" refType="w" fact="0.2"/>
+              <dgm:constr type="h" for="ch" forName="circle2" refType="w" refFor="ch" refForName="circle2"/>
+              <dgm:constr type="ctrX" for="ch" forName="circle2" refType="w" fact="0.3"/>
+              <dgm:constr type="ctrY" for="ch" forName="circle2" refType="h" fact="0.625"/>
+              <dgm:constr type="w" for="ch" forName="text2" refType="w" fact="0.3"/>
+              <dgm:constr type="h" for="ch" forName="text2" refType="h" fact="0.1324"/>
+              <dgm:constr type="r" for="ch" forName="text2" refType="w"/>
+              <dgm:constr type="ctrY" for="ch" forName="text2" refType="h" fact="0.27"/>
+              <dgm:constr type="l" for="ch" forName="line2" refType="w" fact="0.625"/>
+              <dgm:constr type="ctrY" for="ch" forName="line2" refType="ctrY" refFor="ch" refForName="text2"/>
+              <dgm:constr type="w" for="ch" forName="line2" refType="w" fact="0.075"/>
+              <dgm:constr type="h" for="ch" forName="line2"/>
+              <dgm:constr type="l" for="ch" forName="d2" refType="w" fact="0.3498"/>
+              <dgm:constr type="b" for="ch" forName="d2" refType="h" fact="0.682"/>
+              <dgm:constr type="w" for="ch" forName="d2" refType="w" fact="0.275"/>
+              <dgm:constr type="h" for="ch" forName="d2" refType="h" fact="0.41215"/>
+              <dgm:constr type="w" for="ch" forName="circle3" refType="w" fact="0.3334"/>
+              <dgm:constr type="h" for="ch" forName="circle3" refType="w" refFor="ch" refForName="circle3"/>
+              <dgm:constr type="ctrX" for="ch" forName="circle3" refType="ctrX" refFor="ch" refForName="circle1"/>
+              <dgm:constr type="ctrY" for="ch" forName="circle3" refType="ctrY" refFor="ch" refForName="circle1"/>
+              <dgm:constr type="w" for="ch" forName="text3" refType="w" fact="0.3"/>
+              <dgm:constr type="h" for="ch" forName="text3" refType="h" fact="0.1324"/>
+              <dgm:constr type="r" for="ch" forName="text3" refType="w"/>
+              <dgm:constr type="ctrY" for="ch" forName="text3" refType="h" fact="0.41"/>
+              <dgm:constr type="l" for="ch" forName="line3" refType="w" fact="0.625"/>
+              <dgm:constr type="ctrY" for="ch" forName="line3" refType="ctrY" refFor="ch" refForName="text3"/>
+              <dgm:constr type="w" for="ch" forName="line3" refType="w" fact="0.075"/>
+              <dgm:constr type="h" for="ch" forName="line3"/>
+              <dgm:constr type="l" for="ch" forName="d3" refType="w" fact="0.394"/>
+              <dgm:constr type="b" for="ch" forName="d3" refType="h" fact="0.735"/>
+              <dgm:constr type="w" for="ch" forName="d3" refType="w" fact="0.231"/>
+              <dgm:constr type="h" for="ch" forName="d3" refType="h" fact="0.325"/>
+              <dgm:constr type="w" for="ch" forName="circle4" refType="w" fact="0.4667"/>
+              <dgm:constr type="h" for="ch" forName="circle4" refType="w" refFor="ch" refForName="circle4"/>
+              <dgm:constr type="ctrX" for="ch" forName="circle4" refType="ctrX" refFor="ch" refForName="circle1"/>
+              <dgm:constr type="ctrY" for="ch" forName="circle4" refType="ctrY" refFor="ch" refForName="circle1"/>
+              <dgm:constr type="w" for="ch" forName="text4" refType="w" fact="0.3"/>
+              <dgm:constr type="h" for="ch" forName="text4" refType="h" fact="0.1324"/>
+              <dgm:constr type="r" for="ch" forName="text4" refType="w"/>
+              <dgm:constr type="ctrY" for="ch" forName="text4" refType="h" fact="0.547"/>
+              <dgm:constr type="l" for="ch" forName="line4" refType="w" fact="0.625"/>
+              <dgm:constr type="ctrY" for="ch" forName="line4" refType="ctrY" refFor="ch" refForName="text4"/>
+              <dgm:constr type="w" for="ch" forName="line4" refType="w" fact="0.075"/>
+              <dgm:constr type="h" for="ch" forName="line4"/>
+              <dgm:constr type="l" for="ch" forName="d4" refType="w" fact="0.446"/>
+              <dgm:constr type="b" for="ch" forName="d4" refType="h" fact="0.795"/>
+              <dgm:constr type="w" for="ch" forName="d4" refType="w" fact="0.179"/>
+              <dgm:constr type="h" for="ch" forName="d4" refType="h" fact="0.248"/>
+              <dgm:constr type="w" for="ch" forName="circle5" refType="w" fact="0.6"/>
+              <dgm:constr type="h" for="ch" forName="circle5" refType="w" refFor="ch" refForName="circle5"/>
+              <dgm:constr type="ctrX" for="ch" forName="circle5" refType="ctrX" refFor="ch" refForName="circle1"/>
+              <dgm:constr type="ctrY" for="ch" forName="circle5" refType="ctrY" refFor="ch" refForName="circle1"/>
+              <dgm:constr type="w" for="ch" forName="text5" refType="w" fact="0.3"/>
+              <dgm:constr type="h" for="ch" forName="text5" refType="h" fact="0.1324"/>
+              <dgm:constr type="r" for="ch" forName="text5" refType="w"/>
+              <dgm:constr type="ctrY" for="ch" forName="text5" refType="h" fact="0.68"/>
+              <dgm:constr type="l" for="ch" forName="line5" refType="w" fact="0.625"/>
+              <dgm:constr type="ctrY" for="ch" forName="line5" refType="ctrY" refFor="ch" refForName="text5"/>
+              <dgm:constr type="w" for="ch" forName="line5" refType="w" fact="0.075"/>
+              <dgm:constr type="h" for="ch" forName="line5"/>
+              <dgm:constr type="l" for="ch" forName="d5" refType="w" fact="0.495"/>
+              <dgm:constr type="b" for="ch" forName="d5" refType="h" fact="0.855"/>
+              <dgm:constr type="w" for="ch" forName="d5" refType="w" fact="0.13"/>
+              <dgm:constr type="h" for="ch" forName="d5" refType="h" fact="0.175"/>
+            </dgm:constrLst>
+          </dgm:if>
+          <dgm:else name="Name9"/>
+        </dgm:choose>
+      </dgm:if>
+      <dgm:else name="Name10">
+        <dgm:choose name="Name11">
+          <dgm:if name="Name12" axis="ch" ptType="node" func="cnt" op="equ" val="0">
+            <dgm:constrLst/>
+          </dgm:if>
+          <dgm:if name="Name13" axis="ch" ptType="node" func="cnt" op="equ" val="1">
+            <dgm:constrLst>
+              <dgm:constr type="primFontSz" for="des" ptType="node" op="equ" val="65"/>
+              <dgm:constr type="w" for="ch" forName="circle1" refType="w" fact="0.6"/>
+              <dgm:constr type="h" for="ch" forName="circle1" refType="w" refFor="ch" refForName="circle1"/>
+              <dgm:constr type="ctrX" for="ch" forName="circle1" refType="w" fact="0.7"/>
+              <dgm:constr type="ctrY" for="ch" forName="circle1" refType="h" fact="0.625"/>
+              <dgm:constr type="w" for="ch" forName="text1" refType="w" fact="0.3"/>
+              <dgm:constr type="h" for="ch" forName="text1" refType="h" fact="0.3125"/>
+              <dgm:constr type="l" for="ch" forName="text1"/>
+              <dgm:constr type="t" for="ch" forName="text1"/>
+              <dgm:constr type="l" for="ch" forName="line1" refType="r" refFor="ch" refForName="text1"/>
+              <dgm:constr type="ctrY" for="ch" forName="line1" refType="ctrY" refFor="ch" refForName="text1"/>
+              <dgm:constr type="r" for="ch" forName="line1" refType="w" fact="0.375"/>
+              <dgm:constr type="h" for="ch" forName="line1"/>
+              <dgm:constr type="r" for="ch" forName="d1" refType="w" fact="0.7"/>
+              <dgm:constr type="b" for="ch" forName="d1" refType="h" fact="0.625"/>
+              <dgm:constr type="w" for="ch" forName="d1" refType="w" fact="0.32475"/>
+              <dgm:constr type="h" for="ch" forName="d1" refType="h" fact="0.469"/>
+            </dgm:constrLst>
+          </dgm:if>
+          <dgm:if name="Name14" axis="ch" ptType="node" func="cnt" op="equ" val="2">
+            <dgm:constrLst>
+              <dgm:constr type="primFontSz" for="des" ptType="node" op="equ" val="65"/>
+              <dgm:constr type="w" for="ch" forName="circle1" refType="w" fact="0.2"/>
+              <dgm:constr type="h" for="ch" forName="circle1" refType="w" refFor="ch" refForName="circle1"/>
+              <dgm:constr type="ctrX" for="ch" forName="circle1" refType="w" fact="0.7"/>
+              <dgm:constr type="ctrY" for="ch" forName="circle1" refType="h" fact="0.625"/>
+              <dgm:constr type="w" for="ch" forName="text1" refType="w" fact="0.3"/>
+              <dgm:constr type="h" for="ch" forName="text1" refType="h" fact="0.3125"/>
+              <dgm:constr type="l" for="ch" forName="text1"/>
+              <dgm:constr type="t" for="ch" forName="text1"/>
+              <dgm:constr type="l" for="ch" forName="line1" refType="r" refFor="ch" refForName="text1"/>
+              <dgm:constr type="ctrY" for="ch" forName="line1" refType="ctrY" refFor="ch" refForName="text1"/>
+              <dgm:constr type="r" for="ch" forName="line1" refType="w" fact="0.375"/>
+              <dgm:constr type="h" for="ch" forName="line1"/>
+              <dgm:constr type="r" for="ch" forName="d1" refType="w" fact="0.7"/>
+              <dgm:constr type="b" for="ch" forName="d1" refType="h" fact="0.625"/>
+              <dgm:constr type="w" for="ch" forName="d1" refType="w" fact="0.32475"/>
+              <dgm:constr type="h" for="ch" forName="d1" refType="h" fact="0.469"/>
+              <dgm:constr type="w" for="ch" forName="circle2" refType="w" fact="0.6"/>
+              <dgm:constr type="h" for="ch" forName="circle2" refType="w" refFor="ch" refForName="circle2"/>
+              <dgm:constr type="ctrX" for="ch" forName="circle2" refType="w" fact="0.7"/>
+              <dgm:constr type="ctrY" for="ch" forName="circle2" refType="h" fact="0.625"/>
+              <dgm:constr type="w" for="ch" forName="text2" refType="w" fact="0.3"/>
+              <dgm:constr type="h" for="ch" forName="text2" refType="h" fact="0.3125"/>
+              <dgm:constr type="l" for="ch" forName="text2"/>
+              <dgm:constr type="t" for="ch" forName="text2" refType="b" refFor="ch" refForName="text1"/>
+              <dgm:constr type="l" for="ch" forName="line2" refType="r" refFor="ch" refForName="text2"/>
+              <dgm:constr type="ctrY" for="ch" forName="line2" refType="ctrY" refFor="ch" refForName="text2"/>
+              <dgm:constr type="r" for="ch" forName="line2" refType="w" fact="0.375"/>
+              <dgm:constr type="h" for="ch" forName="line2"/>
+              <dgm:constr type="r" for="ch" forName="d2" refType="w" fact="0.55675"/>
+              <dgm:constr type="b" for="ch" forName="d2" refType="h" fact="0.7975"/>
+              <dgm:constr type="w" for="ch" forName="d2" refType="w" fact="0.1815"/>
+              <dgm:constr type="h" for="ch" forName="d2" refType="h" fact="0.3283"/>
+            </dgm:constrLst>
+          </dgm:if>
+          <dgm:if name="Name15" axis="ch" ptType="node" func="cnt" op="equ" val="3">
+            <dgm:constrLst>
+              <dgm:constr type="primFontSz" for="des" ptType="node" op="equ" val="65"/>
+              <dgm:constr type="w" for="ch" forName="circle1" refType="w" fact="0.12"/>
+              <dgm:constr type="h" for="ch" forName="circle1" refType="w" refFor="ch" refForName="circle1"/>
+              <dgm:constr type="ctrX" for="ch" forName="circle1" refType="w" fact="0.7"/>
+              <dgm:constr type="ctrY" for="ch" forName="circle1" refType="h" fact="0.625"/>
+              <dgm:constr type="w" for="ch" forName="text1" refType="w" fact="0.3"/>
+              <dgm:constr type="h" for="ch" forName="text1" refType="h" fact="0.21875"/>
+              <dgm:constr type="l" for="ch" forName="text1"/>
+              <dgm:constr type="t" for="ch" forName="text1"/>
+              <dgm:constr type="l" for="ch" forName="line1" refType="r" refFor="ch" refForName="text1"/>
+              <dgm:constr type="ctrY" for="ch" forName="line1" refType="ctrY" refFor="ch" refForName="text1"/>
+              <dgm:constr type="r" for="ch" forName="line1" refType="w" fact="0.375"/>
+              <dgm:constr type="h" for="ch" forName="line1"/>
+              <dgm:constr type="r" for="ch" forName="d1" refType="w" fact="0.7"/>
+              <dgm:constr type="b" for="ch" forName="d1" refType="h" fact="0.625"/>
+              <dgm:constr type="w" for="ch" forName="d1" refType="w" fact="0.3247"/>
+              <dgm:constr type="h" for="ch" forName="d1" refType="h" fact="0.5155"/>
+              <dgm:constr type="w" for="ch" forName="circle2" refType="w" fact="0.36"/>
+              <dgm:constr type="h" for="ch" forName="circle2" refType="w" refFor="ch" refForName="circle2"/>
+              <dgm:constr type="ctrX" for="ch" forName="circle2" refType="w" fact="0.7"/>
+              <dgm:constr type="ctrY" for="ch" forName="circle2" refType="h" fact="0.625"/>
+              <dgm:constr type="w" for="ch" forName="text2" refType="w" fact="0.3"/>
+              <dgm:constr type="h" for="ch" forName="text2" refType="h" fact="0.21875"/>
+              <dgm:constr type="l" for="ch" forName="text2"/>
+              <dgm:constr type="t" for="ch" forName="text2" refType="b" refFor="ch" refForName="text1"/>
+              <dgm:constr type="l" for="ch" forName="line2" refType="r" refFor="ch" refForName="text2"/>
+              <dgm:constr type="ctrY" for="ch" forName="line2" refType="ctrY" refFor="ch" refForName="text2"/>
+              <dgm:constr type="r" for="ch" forName="line2" refType="w" fact="0.375"/>
+              <dgm:constr type="h" for="ch" forName="line2"/>
+              <dgm:constr type="r" for="ch" forName="d2" refType="w" fact="0.614"/>
+              <dgm:constr type="b" for="ch" forName="d2" refType="h" fact="0.72969"/>
+              <dgm:constr type="w" for="ch" forName="d2" refType="w" fact="0.2387"/>
+              <dgm:constr type="h" for="ch" forName="d2" refType="h" fact="0.4017"/>
+              <dgm:constr type="w" for="ch" forName="circle3" refType="w" fact="0.6"/>
+              <dgm:constr type="h" for="ch" forName="circle3" refType="w" refFor="ch" refForName="circle3"/>
+              <dgm:constr type="ctrX" for="ch" forName="circle3" refType="ctrX" refFor="ch" refForName="circle1"/>
+              <dgm:constr type="ctrY" for="ch" forName="circle3" refType="ctrY" refFor="ch" refForName="circle1"/>
+              <dgm:constr type="w" for="ch" forName="text3" refType="w" fact="0.3"/>
+              <dgm:constr type="h" for="ch" forName="text3" refType="h" fact="0.21875"/>
+              <dgm:constr type="l" for="ch" forName="text3"/>
+              <dgm:constr type="t" for="ch" forName="text3" refType="b" refFor="ch" refForName="text2"/>
+              <dgm:constr type="l" for="ch" forName="line3" refType="r" refFor="ch" refForName="text3"/>
+              <dgm:constr type="ctrY" for="ch" forName="line3" refType="ctrY" refFor="ch" refForName="text3"/>
+              <dgm:constr type="r" for="ch" forName="line3" refType="w" fact="0.375"/>
+              <dgm:constr type="h" for="ch" forName="line3"/>
+              <dgm:constr type="r" for="ch" forName="d3" refType="w" fact="0.52825"/>
+              <dgm:constr type="b" for="ch" forName="d3" refType="h" fact="0.83375"/>
+              <dgm:constr type="w" for="ch" forName="d3" refType="w" fact="0.1527"/>
+              <dgm:constr type="h" for="ch" forName="d3" refType="h" fact="0.287"/>
+            </dgm:constrLst>
+          </dgm:if>
+          <dgm:if name="Name16" axis="ch" ptType="node" func="cnt" op="equ" val="4">
+            <dgm:constrLst>
+              <dgm:constr type="primFontSz" for="des" ptType="node" op="equ" val="65"/>
+              <dgm:constr type="w" for="ch" forName="circle1" refType="w" fact="0.0857"/>
+              <dgm:constr type="h" for="ch" forName="circle1" refType="w" refFor="ch" refForName="circle1"/>
+              <dgm:constr type="ctrX" for="ch" forName="circle1" refType="w" fact="0.7"/>
+              <dgm:constr type="ctrY" for="ch" forName="circle1" refType="h" fact="0.625"/>
+              <dgm:constr type="w" for="ch" forName="text1" refType="w" fact="0.3"/>
+              <dgm:constr type="h" for="ch" forName="text1" refType="h" fact="0.17938"/>
+              <dgm:constr type="l" for="ch" forName="text1"/>
+              <dgm:constr type="t" for="ch" forName="text1"/>
+              <dgm:constr type="l" for="ch" forName="line1" refType="r" refFor="ch" refForName="text1"/>
+              <dgm:constr type="ctrY" for="ch" forName="line1" refType="ctrY" refFor="ch" refForName="text1"/>
+              <dgm:constr type="r" for="ch" forName="line1" refType="w" fact="0.375"/>
+              <dgm:constr type="h" for="ch" forName="line1"/>
+              <dgm:constr type="r" for="ch" forName="d1" refType="w" fact="0.705"/>
+              <dgm:constr type="b" for="ch" forName="d1" refType="h" fact="0.62"/>
+              <dgm:constr type="w" for="ch" forName="d1" refType="w" fact="0.33"/>
+              <dgm:constr type="h" for="ch" forName="d1" refType="h" fact="0.53"/>
+              <dgm:constr type="w" for="ch" forName="circle2" refType="w" fact="0.2571"/>
+              <dgm:constr type="h" for="ch" forName="circle2" refType="w" refFor="ch" refForName="circle2"/>
+              <dgm:constr type="ctrX" for="ch" forName="circle2" refType="w" fact="0.7"/>
+              <dgm:constr type="ctrY" for="ch" forName="circle2" refType="h" fact="0.625"/>
+              <dgm:constr type="w" for="ch" forName="text2" refType="w" fact="0.3"/>
+              <dgm:constr type="h" for="ch" forName="text2" refType="h" fact="0.17938"/>
+              <dgm:constr type="l" for="ch" forName="text2"/>
+              <dgm:constr type="t" for="ch" forName="text2" refType="b" refFor="ch" refForName="text1"/>
+              <dgm:constr type="l" for="ch" forName="line2" refType="r" refFor="ch" refForName="text2"/>
+              <dgm:constr type="ctrY" for="ch" forName="line2" refType="ctrY" refFor="ch" refForName="text2"/>
+              <dgm:constr type="r" for="ch" forName="line2" refType="w" fact="0.375"/>
+              <dgm:constr type="h" for="ch" forName="line2"/>
+              <dgm:constr type="r" for="ch" forName="d2" refType="w" fact="0.63375"/>
+              <dgm:constr type="b" for="ch" forName="d2" refType="h" fact="0.70438"/>
+              <dgm:constr type="w" for="ch" forName="d2" refType="w" fact="0.2585"/>
+              <dgm:constr type="h" for="ch" forName="d2" refType="h" fact="0.43525"/>
+              <dgm:constr type="w" for="ch" forName="circle3" refType="w" fact="0.4285"/>
+              <dgm:constr type="h" for="ch" forName="circle3" refType="w" refFor="ch" refForName="circle3"/>
+              <dgm:constr type="ctrX" for="ch" forName="circle3" refType="ctrX" refFor="ch" refForName="circle1"/>
+              <dgm:constr type="ctrY" for="ch" forName="circle3" refType="ctrY" refFor="ch" refForName="circle1"/>
+              <dgm:constr type="w" for="ch" forName="text3" refType="w" fact="0.3"/>
+              <dgm:constr type="h" for="ch" forName="text3" refType="h" fact="0.17938"/>
+              <dgm:constr type="l" for="ch" forName="text3"/>
+              <dgm:constr type="t" for="ch" forName="text3" refType="b" refFor="ch" refForName="text2"/>
+              <dgm:constr type="l" for="ch" forName="line3" refType="r" refFor="ch" refForName="text3"/>
+              <dgm:constr type="ctrY" for="ch" forName="line3" refType="ctrY" refFor="ch" refForName="text3"/>
+              <dgm:constr type="r" for="ch" forName="line3" refType="w" fact="0.375"/>
+              <dgm:constr type="h" for="ch" forName="line3"/>
+              <dgm:constr type="r" for="ch" forName="d3" refType="w" fact="0.5745"/>
+              <dgm:constr type="b" for="ch" forName="d3" refType="h" fact="0.78031"/>
+              <dgm:constr type="w" for="ch" forName="d3" refType="w" fact="0.1995"/>
+              <dgm:constr type="h" for="ch" forName="d3" refType="h" fact="0.332"/>
+              <dgm:constr type="w" for="ch" forName="circle4" refType="w" fact="0.6"/>
+              <dgm:constr type="h" for="ch" forName="circle4" refType="w" refFor="ch" refForName="circle4"/>
+              <dgm:constr type="ctrX" for="ch" forName="circle4" refType="ctrX" refFor="ch" refForName="circle1"/>
+              <dgm:constr type="ctrY" for="ch" forName="circle4" refType="ctrY" refFor="ch" refForName="circle1"/>
+              <dgm:constr type="w" for="ch" forName="text4" refType="w" fact="0.3"/>
+              <dgm:constr type="h" for="ch" forName="text4" refType="h" fact="0.17938"/>
+              <dgm:constr type="l" for="ch" forName="text4"/>
+              <dgm:constr type="t" for="ch" forName="text4" refType="b" refFor="ch" refForName="text3"/>
+              <dgm:constr type="l" for="ch" forName="line4" refType="r" refFor="ch" refForName="text4"/>
+              <dgm:constr type="ctrY" for="ch" forName="line4" refType="ctrY" refFor="ch" refForName="text4"/>
+              <dgm:constr type="r" for="ch" forName="line4" refType="w" fact="0.375"/>
+              <dgm:constr type="h" for="ch" forName="line4"/>
+              <dgm:constr type="r" for="ch" forName="d4" refType="w" fact="0.51475"/>
+              <dgm:constr type="b" for="ch" forName="d4" refType="h" fact="0.85594"/>
+              <dgm:constr type="w" for="ch" forName="d4" refType="w" fact="0.1394"/>
+              <dgm:constr type="h" for="ch" forName="d4" refType="h" fact="0.2282"/>
+            </dgm:constrLst>
+          </dgm:if>
+          <dgm:if name="Name17" axis="ch" ptType="node" func="cnt" op="gte" val="5">
+            <dgm:constrLst>
+              <dgm:constr type="primFontSz" for="des" ptType="node" op="equ" val="65"/>
+              <dgm:constr type="w" for="ch" forName="circle1" refType="w" fact="0.0667"/>
+              <dgm:constr type="h" for="ch" forName="circle1" refType="w" refFor="ch" refForName="circle1"/>
+              <dgm:constr type="ctrX" for="ch" forName="circle1" refType="w" fact="0.7"/>
+              <dgm:constr type="ctrY" for="ch" forName="circle1" refType="h" fact="0.625"/>
+              <dgm:constr type="w" for="ch" forName="text1" refType="w" fact="0.3"/>
+              <dgm:constr type="h" for="ch" forName="text1" refType="h" fact="0.1324"/>
+              <dgm:constr type="l" for="ch" forName="text1"/>
+              <dgm:constr type="ctrY" for="ch" forName="text1" refType="h" fact="0.13"/>
+              <dgm:constr type="l" for="ch" forName="line1" refType="r" refFor="ch" refForName="text1"/>
+              <dgm:constr type="ctrY" for="ch" forName="line1" refType="ctrY" refFor="ch" refForName="text1"/>
+              <dgm:constr type="r" for="ch" forName="line1" refType="w" fact="0.375"/>
+              <dgm:constr type="h" for="ch" forName="line1"/>
+              <dgm:constr type="r" for="ch" forName="d1" refType="w" fact="0.7"/>
+              <dgm:constr type="b" for="ch" forName="d1" refType="h" fact="0.625"/>
+              <dgm:constr type="w" for="ch" forName="d1" refType="w" fact="0.3245"/>
+              <dgm:constr type="h" for="ch" forName="d1" refType="h" fact="0.495"/>
+              <dgm:constr type="w" for="ch" forName="circle2" refType="w" fact="0.2"/>
+              <dgm:constr type="h" for="ch" forName="circle2" refType="w" refFor="ch" refForName="circle2"/>
+              <dgm:constr type="ctrX" for="ch" forName="circle2" refType="w" fact="0.7"/>
+              <dgm:constr type="ctrY" for="ch" forName="circle2" refType="h" fact="0.625"/>
+              <dgm:constr type="w" for="ch" forName="text2" refType="w" fact="0.3"/>
+              <dgm:constr type="h" for="ch" forName="text2" refType="h" fact="0.1324"/>
+              <dgm:constr type="l" for="ch" forName="text2"/>
+              <dgm:constr type="ctrY" for="ch" forName="text2" refType="h" fact="0.27"/>
+              <dgm:constr type="l" for="ch" forName="line2" refType="r" refFor="ch" refForName="text2"/>
+              <dgm:constr type="ctrY" for="ch" forName="line2" refType="ctrY" refFor="ch" refForName="text2"/>
+              <dgm:constr type="r" for="ch" forName="line2" refType="w" fact="0.375"/>
+              <dgm:constr type="h" for="ch" forName="line2"/>
+              <dgm:constr type="r" for="ch" forName="d2" refType="w" fact="0.6502"/>
+              <dgm:constr type="b" for="ch" forName="d2" refType="h" fact="0.682"/>
+              <dgm:constr type="w" for="ch" forName="d2" refType="w" fact="0.275"/>
+              <dgm:constr type="h" for="ch" forName="d2" refType="h" fact="0.41215"/>
+              <dgm:constr type="w" for="ch" forName="circle3" refType="w" fact="0.3334"/>
+              <dgm:constr type="h" for="ch" forName="circle3" refType="w" refFor="ch" refForName="circle3"/>
+              <dgm:constr type="ctrX" for="ch" forName="circle3" refType="ctrX" refFor="ch" refForName="circle1"/>
+              <dgm:constr type="ctrY" for="ch" forName="circle3" refType="ctrY" refFor="ch" refForName="circle1"/>
+              <dgm:constr type="w" for="ch" forName="text3" refType="w" fact="0.3"/>
+              <dgm:constr type="h" for="ch" forName="text3" refType="h" fact="0.1324"/>
+              <dgm:constr type="l" for="ch" forName="text3"/>
+              <dgm:constr type="ctrY" for="ch" forName="text3" refType="h" fact="0.41"/>
+              <dgm:constr type="l" for="ch" forName="line3" refType="r" refFor="ch" refForName="text3"/>
+              <dgm:constr type="ctrY" for="ch" forName="line3" refType="ctrY" refFor="ch" refForName="text3"/>
+              <dgm:constr type="r" for="ch" forName="line3" refType="w" fact="0.375"/>
+              <dgm:constr type="h" for="ch" forName="line3"/>
+              <dgm:constr type="r" for="ch" forName="d3" refType="w" fact="0.606"/>
+              <dgm:constr type="b" for="ch" forName="d3" refType="h" fact="0.735"/>
+              <dgm:constr type="w" for="ch" forName="d3" refType="w" fact="0.231"/>
+              <dgm:constr type="h" for="ch" forName="d3" refType="h" fact="0.325"/>
+              <dgm:constr type="w" for="ch" forName="circle4" refType="w" fact="0.4667"/>
+              <dgm:constr type="h" for="ch" forName="circle4" refType="w" refFor="ch" refForName="circle4"/>
+              <dgm:constr type="ctrX" for="ch" forName="circle4" refType="ctrX" refFor="ch" refForName="circle1"/>
+              <dgm:constr type="ctrY" for="ch" forName="circle4" refType="ctrY" refFor="ch" refForName="circle1"/>
+              <dgm:constr type="w" for="ch" forName="text4" refType="w" fact="0.3"/>
+              <dgm:constr type="h" for="ch" forName="text4" refType="h" fact="0.1324"/>
+              <dgm:constr type="l" for="ch" forName="text4"/>
+              <dgm:constr type="ctrY" for="ch" forName="text4" refType="h" fact="0.547"/>
+              <dgm:constr type="l" for="ch" forName="line4" refType="r" refFor="ch" refForName="text4"/>
+              <dgm:constr type="ctrY" for="ch" forName="line4" refType="ctrY" refFor="ch" refForName="text4"/>
+              <dgm:constr type="r" for="ch" forName="line4" refType="w" fact="0.375"/>
+              <dgm:constr type="h" for="ch" forName="line4"/>
+              <dgm:constr type="r" for="ch" forName="d4" refType="w" fact="0.554"/>
+              <dgm:constr type="b" for="ch" forName="d4" refType="h" fact="0.795"/>
+              <dgm:constr type="w" for="ch" forName="d4" refType="w" fact="0.179"/>
+              <dgm:constr type="h" for="ch" forName="d4" refType="h" fact="0.248"/>
+              <dgm:constr type="w" for="ch" forName="circle5" refType="w" fact="0.6"/>
+              <dgm:constr type="h" for="ch" forName="circle5" refType="w" refFor="ch" refForName="circle5"/>
+              <dgm:constr type="ctrX" for="ch" forName="circle5" refType="ctrX" refFor="ch" refForName="circle1"/>
+              <dgm:constr type="ctrY" for="ch" forName="circle5" refType="ctrY" refFor="ch" refForName="circle1"/>
+              <dgm:constr type="w" for="ch" forName="text5" refType="w" fact="0.3"/>
+              <dgm:constr type="h" for="ch" forName="text5" refType="h" fact="0.1324"/>
+              <dgm:constr type="l" for="ch" forName="text5"/>
+              <dgm:constr type="ctrY" for="ch" forName="text5" refType="h" fact="0.68"/>
+              <dgm:constr type="l" for="ch" forName="line5" refType="r" refFor="ch" refForName="text5"/>
+              <dgm:constr type="ctrY" for="ch" forName="line5" refType="ctrY" refFor="ch" refForName="text5"/>
+              <dgm:constr type="r" for="ch" forName="line5" refType="w" fact="0.375"/>
+              <dgm:constr type="h" for="ch" forName="line5"/>
+              <dgm:constr type="r" for="ch" forName="d5" refType="w" fact="0.505"/>
+              <dgm:constr type="b" for="ch" forName="d5" refType="h" fact="0.855"/>
+              <dgm:constr type="w" for="ch" forName="d5" refType="w" fact="0.13"/>
+              <dgm:constr type="h" for="ch" forName="d5" refType="h" fact="0.175"/>
+            </dgm:constrLst>
+          </dgm:if>
+          <dgm:else name="Name18"/>
+        </dgm:choose>
+      </dgm:else>
+    </dgm:choose>
+    <dgm:ruleLst/>
+    <dgm:forEach name="Name19" axis="ch" ptType="node" cnt="1">
+      <dgm:layoutNode name="circle1" styleLbl="lnNode1">
+        <dgm:alg type="sp"/>
+        <dgm:shape xmlns:r="http://schemas.openxmlformats.org/officeDocument/2006/relationships" type="ellipse" r:blip="">
+          <dgm:adjLst/>
+        </dgm:shape>
+        <dgm:presOf/>
+        <dgm:constrLst/>
+        <dgm:ruleLst/>
+      </dgm:layoutNode>
+      <dgm:layoutNode name="text1" styleLbl="revTx">
+        <dgm:varLst>
+          <dgm:bulletEnabled val="1"/>
+        </dgm:varLst>
+        <dgm:choose name="Name20">
+          <dgm:if name="Name21" func="var" arg="dir" op="equ" val="norm">
+            <dgm:choose name="Name22">
+              <dgm:if name="Name23" axis="root des" ptType="all node" func="maxDepth" op="gt" val="1">
+                <dgm:alg type="tx">
+                  <dgm:param type="parTxLTRAlign" val="l"/>
+                  <dgm:param type="parTxRTLAlign" val="r"/>
+                </dgm:alg>
+              </dgm:if>
+              <dgm:else name="Name24">
+                <dgm:alg type="tx">
+                  <dgm:param type="parTxLTRAlign" val="l"/>
+                  <dgm:param type="parTxRTLAlign" val="l"/>
+                </dgm:alg>
+              </dgm:else>
+            </dgm:choose>
+          </dgm:if>
+          <dgm:else name="Name25">
+            <dgm:choose name="Name26">
+              <dgm:if name="Name27" axis="root des" ptType="all node" func="maxDepth" op="gt" val="1">
+                <dgm:alg type="tx">
+                  <dgm:param type="parTxLTRAlign" val="l"/>
+                  <dgm:param type="parTxRTLAlign" val="r"/>
+                </dgm:alg>
+              </dgm:if>
+              <dgm:else name="Name28">
+                <dgm:alg type="tx">
+                  <dgm:param type="parTxLTRAlign" val="r"/>
+                  <dgm:param type="parTxRTLAlign" val="r"/>
+                </dgm:alg>
+              </dgm:else>
+            </dgm:choose>
+          </dgm:else>
+        </dgm:choose>
+        <dgm:shape xmlns:r="http://schemas.openxmlformats.org/officeDocument/2006/relationships" type="rect" r:blip="">
+          <dgm:adjLst/>
+        </dgm:shape>
+        <dgm:presOf axis="desOrSelf" ptType="node"/>
+        <dgm:choose name="Name29">
+          <dgm:if name="Name30" func="var" arg="dir" op="equ" val="norm">
+            <dgm:constrLst>
+              <dgm:constr type="tMarg" refType="primFontSz" fact="0.1"/>
+              <dgm:constr type="bMarg" refType="primFontSz" fact="0.1"/>
+              <dgm:constr type="rMarg" refType="primFontSz" fact="0.1"/>
+            </dgm:constrLst>
+          </dgm:if>
+          <dgm:else name="Name31">
+            <dgm:constrLst>
+              <dgm:constr type="tMarg" refType="primFontSz" fact="0.1"/>
+              <dgm:constr type="bMarg" refType="primFontSz" fact="0.1"/>
+              <dgm:constr type="lMarg" refType="primFontSz" fact="0.1"/>
+            </dgm:constrLst>
+          </dgm:else>
+        </dgm:choose>
+        <dgm:ruleLst>
+          <dgm:rule type="primFontSz" val="5" fact="NaN" max="NaN"/>
+        </dgm:ruleLst>
+      </dgm:layoutNode>
+      <dgm:layoutNode name="line1" styleLbl="callout">
+        <dgm:alg type="sp"/>
+        <dgm:shape xmlns:r="http://schemas.openxmlformats.org/officeDocument/2006/relationships" type="line" r:blip="">
+          <dgm:adjLst/>
+        </dgm:shape>
+        <dgm:presOf/>
+        <dgm:constrLst/>
+        <dgm:ruleLst/>
+      </dgm:layoutNode>
+      <dgm:layoutNode name="d1" styleLbl="callout">
+        <dgm:alg type="sp"/>
+        <dgm:choose name="Name32">
+          <dgm:if name="Name33" func="var" arg="dir" op="equ" val="norm">
+            <dgm:shape xmlns:r="http://schemas.openxmlformats.org/officeDocument/2006/relationships" rot="90" type="line" r:blip="">
+              <dgm:adjLst/>
+            </dgm:shape>
+          </dgm:if>
+          <dgm:else name="Name34">
+            <dgm:shape xmlns:r="http://schemas.openxmlformats.org/officeDocument/2006/relationships" rot="180" type="line" r:blip="">
+              <dgm:adjLst/>
+            </dgm:shape>
+          </dgm:else>
+        </dgm:choose>
+        <dgm:presOf/>
+        <dgm:constrLst/>
+        <dgm:ruleLst/>
+      </dgm:layoutNode>
+    </dgm:forEach>
+    <dgm:forEach name="Name35" axis="ch" ptType="node" st="2" cnt="1">
+      <dgm:layoutNode name="circle2" styleLbl="lnNode1">
+        <dgm:alg type="sp"/>
+        <dgm:shape xmlns:r="http://schemas.openxmlformats.org/officeDocument/2006/relationships" type="ellipse" r:blip="" zOrderOff="-5">
+          <dgm:adjLst/>
+        </dgm:shape>
+        <dgm:presOf/>
+        <dgm:constrLst/>
+        <dgm:ruleLst/>
+      </dgm:layoutNode>
+      <dgm:layoutNode name="text2" styleLbl="revTx">
+        <dgm:varLst>
+          <dgm:bulletEnabled val="1"/>
+        </dgm:varLst>
+        <dgm:choose name="Name36">
+          <dgm:if name="Name37" func="var" arg="dir" op="equ" val="norm">
+            <dgm:choose name="Name38">
+              <dgm:if name="Name39" axis="root des" ptType="all node" func="maxDepth" op="gt" val="1">
+                <dgm:alg type="tx">
+                  <dgm:param type="parTxLTRAlign" val="l"/>
+                  <dgm:param type="parTxRTLAlign" val="r"/>
+                </dgm:alg>
+              </dgm:if>
+              <dgm:else name="Name40">
+                <dgm:alg type="tx">
+                  <dgm:param type="parTxLTRAlign" val="l"/>
+                  <dgm:param type="parTxRTLAlign" val="l"/>
+                </dgm:alg>
+              </dgm:else>
+            </dgm:choose>
+          </dgm:if>
+          <dgm:else name="Name41">
+            <dgm:choose name="Name42">
+              <dgm:if name="Name43" axis="root des" ptType="all node" func="maxDepth" op="gt" val="1">
+                <dgm:alg type="tx">
+                  <dgm:param type="parTxLTRAlign" val="l"/>
+                  <dgm:param type="parTxRTLAlign" val="r"/>
+                </dgm:alg>
+              </dgm:if>
+              <dgm:else name="Name44">
+                <dgm:alg type="tx">
+                  <dgm:param type="parTxLTRAlign" val="r"/>
+                  <dgm:param type="parTxRTLAlign" val="r"/>
+                </dgm:alg>
+              </dgm:else>
+            </dgm:choose>
+          </dgm:else>
+        </dgm:choose>
+        <dgm:shape xmlns:r="http://schemas.openxmlformats.org/officeDocument/2006/relationships" type="rect" r:blip="">
+          <dgm:adjLst/>
+        </dgm:shape>
+        <dgm:presOf axis="desOrSelf" ptType="node"/>
+        <dgm:choose name="Name45">
+          <dgm:if name="Name46" func="var" arg="dir" op="equ" val="norm">
+            <dgm:constrLst>
+              <dgm:constr type="tMarg" refType="primFontSz" fact="0.1"/>
+              <dgm:constr type="bMarg" refType="primFontSz" fact="0.1"/>
+              <dgm:constr type="rMarg" refType="primFontSz" fact="0.1"/>
+            </dgm:constrLst>
+          </dgm:if>
+          <dgm:else name="Name47">
+            <dgm:constrLst>
+              <dgm:constr type="tMarg" refType="primFontSz" fact="0.1"/>
+              <dgm:constr type="bMarg" refType="primFontSz" fact="0.1"/>
+              <dgm:constr type="lMarg" refType="primFontSz" fact="0.1"/>
+            </dgm:constrLst>
+          </dgm:else>
+        </dgm:choose>
+        <dgm:ruleLst>
+          <dgm:rule type="primFontSz" val="5" fact="NaN" max="NaN"/>
+        </dgm:ruleLst>
+      </dgm:layoutNode>
+      <dgm:layoutNode name="line2" styleLbl="callout">
+        <dgm:alg type="sp"/>
+        <dgm:shape xmlns:r="http://schemas.openxmlformats.org/officeDocument/2006/relationships" type="line" r:blip="">
+          <dgm:adjLst/>
+        </dgm:shape>
+        <dgm:presOf/>
+        <dgm:constrLst/>
+        <dgm:ruleLst/>
+      </dgm:layoutNode>
+      <dgm:layoutNode name="d2" styleLbl="callout">
+        <dgm:alg type="sp"/>
+        <dgm:choose name="Name48">
+          <dgm:if name="Name49" func="var" arg="dir" op="equ" val="norm">
+            <dgm:shape xmlns:r="http://schemas.openxmlformats.org/officeDocument/2006/relationships" rot="90" type="line" r:blip="">
+              <dgm:adjLst/>
+            </dgm:shape>
+          </dgm:if>
+          <dgm:else name="Name50">
+            <dgm:shape xmlns:r="http://schemas.openxmlformats.org/officeDocument/2006/relationships" rot="180" type="line" r:blip="">
+              <dgm:adjLst/>
+            </dgm:shape>
+          </dgm:else>
+        </dgm:choose>
+        <dgm:presOf/>
+        <dgm:constrLst/>
+        <dgm:ruleLst/>
+      </dgm:layoutNode>
+    </dgm:forEach>
+    <dgm:forEach name="Name51" axis="ch" ptType="node" st="3" cnt="1">
+      <dgm:layoutNode name="circle3" styleLbl="lnNode1">
+        <dgm:alg type="sp"/>
+        <dgm:shape xmlns:r="http://schemas.openxmlformats.org/officeDocument/2006/relationships" type="ellipse" r:blip="" zOrderOff="-10">
+          <dgm:adjLst/>
+        </dgm:shape>
+        <dgm:presOf/>
+        <dgm:constrLst/>
+        <dgm:ruleLst/>
+      </dgm:layoutNode>
+      <dgm:layoutNode name="text3" styleLbl="revTx">
+        <dgm:varLst>
+          <dgm:bulletEnabled val="1"/>
+        </dgm:varLst>
+        <dgm:choose name="Name52">
+          <dgm:if name="Name53" func="var" arg="dir" op="equ" val="norm">
+            <dgm:choose name="Name54">
+              <dgm:if name="Name55" axis="root des" ptType="all node" func="maxDepth" op="gt" val="1">
+                <dgm:alg type="tx">
+                  <dgm:param type="parTxLTRAlign" val="l"/>
+                  <dgm:param type="parTxRTLAlign" val="r"/>
+                </dgm:alg>
+              </dgm:if>
+              <dgm:else name="Name56">
+                <dgm:alg type="tx">
+                  <dgm:param type="parTxLTRAlign" val="l"/>
+                  <dgm:param type="parTxRTLAlign" val="l"/>
+                </dgm:alg>
+              </dgm:else>
+            </dgm:choose>
+          </dgm:if>
+          <dgm:else name="Name57">
+            <dgm:choose name="Name58">
+              <dgm:if name="Name59" axis="root des" ptType="all node" func="maxDepth" op="gt" val="1">
+                <dgm:alg type="tx">
+                  <dgm:param type="parTxLTRAlign" val="l"/>
+                  <dgm:param type="parTxRTLAlign" val="r"/>
+                </dgm:alg>
+              </dgm:if>
+              <dgm:else name="Name60">
+                <dgm:alg type="tx">
+                  <dgm:param type="parTxLTRAlign" val="r"/>
+                  <dgm:param type="parTxRTLAlign" val="r"/>
+                </dgm:alg>
+              </dgm:else>
+            </dgm:choose>
+          </dgm:else>
+        </dgm:choose>
+        <dgm:shape xmlns:r="http://schemas.openxmlformats.org/officeDocument/2006/relationships" type="rect" r:blip="">
+          <dgm:adjLst/>
+        </dgm:shape>
+        <dgm:presOf axis="desOrSelf" ptType="node"/>
+        <dgm:choose name="Name61">
+          <dgm:if name="Name62" func="var" arg="dir" op="equ" val="norm">
+            <dgm:constrLst>
+              <dgm:constr type="tMarg" refType="primFontSz" fact="0.1"/>
+              <dgm:constr type="bMarg" refType="primFontSz" fact="0.1"/>
+              <dgm:constr type="rMarg" refType="primFontSz" fact="0.1"/>
+            </dgm:constrLst>
+          </dgm:if>
+          <dgm:else name="Name63">
+            <dgm:constrLst>
+              <dgm:constr type="tMarg" refType="primFontSz" fact="0.1"/>
+              <dgm:constr type="bMarg" refType="primFontSz" fact="0.1"/>
+              <dgm:constr type="lMarg" refType="primFontSz" fact="0.1"/>
+            </dgm:constrLst>
+          </dgm:else>
+        </dgm:choose>
+        <dgm:ruleLst>
+          <dgm:rule type="primFontSz" val="5" fact="NaN" max="NaN"/>
+        </dgm:ruleLst>
+      </dgm:layoutNode>
+      <dgm:layoutNode name="line3" styleLbl="callout">
+        <dgm:alg type="sp"/>
+        <dgm:shape xmlns:r="http://schemas.openxmlformats.org/officeDocument/2006/relationships" type="line" r:blip="">
+          <dgm:adjLst/>
+        </dgm:shape>
+        <dgm:presOf/>
+        <dgm:constrLst/>
+        <dgm:ruleLst/>
+      </dgm:layoutNode>
+      <dgm:layoutNode name="d3" styleLbl="callout">
+        <dgm:alg type="sp"/>
+        <dgm:choose name="Name64">
+          <dgm:if name="Name65" func="var" arg="dir" op="equ" val="norm">
+            <dgm:shape xmlns:r="http://schemas.openxmlformats.org/officeDocument/2006/relationships" rot="90" type="line" r:blip="">
+              <dgm:adjLst/>
+            </dgm:shape>
+          </dgm:if>
+          <dgm:else name="Name66">
+            <dgm:shape xmlns:r="http://schemas.openxmlformats.org/officeDocument/2006/relationships" rot="180" type="line" r:blip="">
+              <dgm:adjLst/>
+            </dgm:shape>
+          </dgm:else>
+        </dgm:choose>
+        <dgm:presOf/>
+        <dgm:constrLst/>
+        <dgm:ruleLst/>
+      </dgm:layoutNode>
+    </dgm:forEach>
+    <dgm:forEach name="Name67" axis="ch" ptType="node" st="4" cnt="1">
+      <dgm:layoutNode name="circle4" styleLbl="lnNode1">
+        <dgm:alg type="sp"/>
+        <dgm:shape xmlns:r="http://schemas.openxmlformats.org/officeDocument/2006/relationships" type="ellipse" r:blip="" zOrderOff="-15">
+          <dgm:adjLst/>
+        </dgm:shape>
+        <dgm:presOf/>
+        <dgm:constrLst/>
+        <dgm:ruleLst/>
+      </dgm:layoutNode>
+      <dgm:layoutNode name="text4" styleLbl="revTx">
+        <dgm:varLst>
+          <dgm:bulletEnabled val="1"/>
+        </dgm:varLst>
+        <dgm:choose name="Name68">
+          <dgm:if name="Name69" func="var" arg="dir" op="equ" val="norm">
+            <dgm:choose name="Name70">
+              <dgm:if name="Name71" axis="root des" ptType="all node" func="maxDepth" op="gt" val="1">
+                <dgm:alg type="tx">
+                  <dgm:param type="parTxLTRAlign" val="l"/>
+                  <dgm:param type="parTxRTLAlign" val="r"/>
+                </dgm:alg>
+              </dgm:if>
+              <dgm:else name="Name72">
+                <dgm:alg type="tx">
+                  <dgm:param type="parTxLTRAlign" val="l"/>
+                  <dgm:param type="parTxRTLAlign" val="l"/>
+                </dgm:alg>
+              </dgm:else>
+            </dgm:choose>
+          </dgm:if>
+          <dgm:else name="Name73">
+            <dgm:choose name="Name74">
+              <dgm:if name="Name75" axis="root des" ptType="all node" func="maxDepth" op="gt" val="1">
+                <dgm:alg type="tx">
+                  <dgm:param type="parTxLTRAlign" val="l"/>
+                  <dgm:param type="parTxRTLAlign" val="r"/>
+                </dgm:alg>
+              </dgm:if>
+              <dgm:else name="Name76">
+                <dgm:alg type="tx">
+                  <dgm:param type="parTxLTRAlign" val="r"/>
+                  <dgm:param type="parTxRTLAlign" val="r"/>
+                </dgm:alg>
+              </dgm:else>
+            </dgm:choose>
+          </dgm:else>
+        </dgm:choose>
+        <dgm:shape xmlns:r="http://schemas.openxmlformats.org/officeDocument/2006/relationships" type="rect" r:blip="">
+          <dgm:adjLst/>
+        </dgm:shape>
+        <dgm:presOf axis="desOrSelf" ptType="node"/>
+        <dgm:choose name="Name77">
+          <dgm:if name="Name78" func="var" arg="dir" op="equ" val="norm">
+            <dgm:constrLst>
+              <dgm:constr type="tMarg" refType="primFontSz" fact="0.1"/>
+              <dgm:constr type="bMarg" refType="primFontSz" fact="0.1"/>
+              <dgm:constr type="rMarg" refType="primFontSz" fact="0.1"/>
+            </dgm:constrLst>
+          </dgm:if>
+          <dgm:else name="Name79">
+            <dgm:constrLst>
+              <dgm:constr type="tMarg" refType="primFontSz" fact="0.1"/>
+              <dgm:constr type="bMarg" refType="primFontSz" fact="0.1"/>
+              <dgm:constr type="lMarg" refType="primFontSz" fact="0.1"/>
+            </dgm:constrLst>
+          </dgm:else>
+        </dgm:choose>
+        <dgm:ruleLst>
+          <dgm:rule type="primFontSz" val="5" fact="NaN" max="NaN"/>
+        </dgm:ruleLst>
+      </dgm:layoutNode>
+      <dgm:layoutNode name="line4" styleLbl="callout">
+        <dgm:alg type="sp"/>
+        <dgm:shape xmlns:r="http://schemas.openxmlformats.org/officeDocument/2006/relationships" type="line" r:blip="">
+          <dgm:adjLst/>
+        </dgm:shape>
+        <dgm:presOf/>
+        <dgm:constrLst/>
+        <dgm:ruleLst/>
+      </dgm:layoutNode>
+      <dgm:layoutNode name="d4" styleLbl="callout">
+        <dgm:alg type="sp"/>
+        <dgm:choose name="Name80">
+          <dgm:if name="Name81" func="var" arg="dir" op="equ" val="norm">
+            <dgm:shape xmlns:r="http://schemas.openxmlformats.org/officeDocument/2006/relationships" rot="90" type="line" r:blip="">
+              <dgm:adjLst/>
+            </dgm:shape>
+          </dgm:if>
+          <dgm:else name="Name82">
+            <dgm:shape xmlns:r="http://schemas.openxmlformats.org/officeDocument/2006/relationships" rot="180" type="line" r:blip="">
+              <dgm:adjLst/>
+            </dgm:shape>
+          </dgm:else>
+        </dgm:choose>
+        <dgm:presOf/>
+        <dgm:constrLst/>
+        <dgm:ruleLst/>
+      </dgm:layoutNode>
+    </dgm:forEach>
+    <dgm:forEach name="Name83" axis="ch" ptType="node" st="5" cnt="1">
+      <dgm:layoutNode name="circle5" styleLbl="lnNode1">
+        <dgm:alg type="sp"/>
+        <dgm:shape xmlns:r="http://schemas.openxmlformats.org/officeDocument/2006/relationships" type="ellipse" r:blip="" zOrderOff="-20">
+          <dgm:adjLst/>
+        </dgm:shape>
+        <dgm:presOf/>
+        <dgm:constrLst/>
+        <dgm:ruleLst/>
+      </dgm:layoutNode>
+      <dgm:layoutNode name="text5" styleLbl="revTx">
+        <dgm:varLst>
+          <dgm:bulletEnabled val="1"/>
+        </dgm:varLst>
+        <dgm:choose name="Name84">
+          <dgm:if name="Name85" func="var" arg="dir" op="equ" val="norm">
+            <dgm:choose name="Name86">
+              <dgm:if name="Name87" axis="root des" ptType="all node" func="maxDepth" op="gt" val="1">
+                <dgm:alg type="tx">
+                  <dgm:param type="parTxLTRAlign" val="l"/>
+                  <dgm:param type="parTxRTLAlign" val="r"/>
+                </dgm:alg>
+              </dgm:if>
+              <dgm:else name="Name88">
+                <dgm:alg type="tx">
+                  <dgm:param type="parTxLTRAlign" val="l"/>
+                  <dgm:param type="parTxRTLAlign" val="l"/>
+                </dgm:alg>
+              </dgm:else>
+            </dgm:choose>
+          </dgm:if>
+          <dgm:else name="Name89">
+            <dgm:choose name="Name90">
+              <dgm:if name="Name91" axis="root des" ptType="all node" func="maxDepth" op="gt" val="1">
+                <dgm:alg type="tx">
+                  <dgm:param type="parTxLTRAlign" val="l"/>
+                  <dgm:param type="parTxRTLAlign" val="r"/>
+                </dgm:alg>
+              </dgm:if>
+              <dgm:else name="Name92">
+                <dgm:alg type="tx">
+                  <dgm:param type="parTxLTRAlign" val="r"/>
+                  <dgm:param type="parTxRTLAlign" val="r"/>
+                </dgm:alg>
+              </dgm:else>
+            </dgm:choose>
+          </dgm:else>
+        </dgm:choose>
+        <dgm:shape xmlns:r="http://schemas.openxmlformats.org/officeDocument/2006/relationships" type="rect" r:blip="">
+          <dgm:adjLst/>
+        </dgm:shape>
+        <dgm:presOf axis="desOrSelf" ptType="node"/>
+        <dgm:choose name="Name93">
+          <dgm:if name="Name94" func="var" arg="dir" op="equ" val="norm">
+            <dgm:constrLst>
+              <dgm:constr type="tMarg" refType="primFontSz" fact="0.1"/>
+              <dgm:constr type="bMarg" refType="primFontSz" fact="0.1"/>
+              <dgm:constr type="rMarg" refType="primFontSz" fact="0.1"/>
+            </dgm:constrLst>
+          </dgm:if>
+          <dgm:else name="Name95">
+            <dgm:constrLst>
+              <dgm:constr type="tMarg" refType="primFontSz" fact="0.1"/>
+              <dgm:constr type="bMarg" refType="primFontSz" fact="0.1"/>
+              <dgm:constr type="lMarg" refType="primFontSz" fact="0.1"/>
+            </dgm:constrLst>
+          </dgm:else>
+        </dgm:choose>
+        <dgm:ruleLst>
+          <dgm:rule type="primFontSz" val="5" fact="NaN" max="NaN"/>
+        </dgm:ruleLst>
+      </dgm:layoutNode>
+      <dgm:layoutNode name="line5" styleLbl="callout">
+        <dgm:alg type="sp"/>
+        <dgm:shape xmlns:r="http://schemas.openxmlformats.org/officeDocument/2006/relationships" type="line" r:blip="">
+          <dgm:adjLst/>
+        </dgm:shape>
+        <dgm:presOf/>
+        <dgm:constrLst/>
+        <dgm:ruleLst/>
+      </dgm:layoutNode>
+      <dgm:layoutNode name="d5" styleLbl="callout">
+        <dgm:alg type="sp"/>
+        <dgm:choose name="Name96">
+          <dgm:if name="Name97" func="var" arg="dir" op="equ" val="norm">
+            <dgm:shape xmlns:r="http://schemas.openxmlformats.org/officeDocument/2006/relationships" rot="90" type="line" r:blip="">
+              <dgm:adjLst/>
+            </dgm:shape>
+          </dgm:if>
+          <dgm:else name="Name98">
+            <dgm:shape xmlns:r="http://schemas.openxmlformats.org/officeDocument/2006/relationships" rot="180" type="line" r:blip="">
+              <dgm:adjLst/>
+            </dgm:shape>
+          </dgm:else>
+        </dgm:choose>
+        <dgm:presOf/>
+        <dgm:constrLst/>
+        <dgm:ruleLst/>
+      </dgm:layoutNode>
+    </dgm:forEach>
+  </dgm:layoutNode>
+</dgm:layoutDef>
+</file>
+
+<file path=ppt/diagrams/quickStyle1.xml><?xml version="1.0" encoding="utf-8"?>
+<dgm:styleDef xmlns:dgm="http://schemas.openxmlformats.org/drawingml/2006/diagram" xmlns:a="http://schemas.openxmlformats.org/drawingml/2006/main" uniqueId="urn:microsoft.com/office/officeart/2005/8/quickstyle/simple1">
+  <dgm:title val=""/>
+  <dgm:desc val=""/>
+  <dgm:catLst>
+    <dgm:cat type="simple" pri="10100"/>
+  </dgm:catLst>
+  <dgm:scene3d>
+    <a:camera prst="orthographicFront"/>
+    <a:lightRig rig="threePt" dir="t"/>
+  </dgm:scene3d>
+  <dgm:styleLbl name="node0">
+    <dgm:scene3d>
+      <a:camera prst="orthographicFront"/>
+      <a:lightRig rig="threePt" dir="t"/>
+    </dgm:scene3d>
+    <dgm:sp3d/>
+    <dgm:txPr/>
+    <dgm:style>
+      <a:lnRef idx="2">
+        <a:scrgbClr r="0" g="0" b="0"/>
+      </a:lnRef>
+      <a:fillRef idx="1">
+        <a:scrgbClr r="0" g="0" b="0"/>
+      </a:fillRef>
+      <a:effectRef idx="0">
+        <a:scrgbClr r="0" g="0" b="0"/>
+      </a:effectRef>
+      <a:fontRef idx="minor">
+        <a:schemeClr val="lt1"/>
+      </a:fontRef>
+    </dgm:style>
+  </dgm:styleLbl>
+  <dgm:styleLbl name="lnNode1">
+    <dgm:scene3d>
+      <a:camera prst="orthographicFront"/>
+      <a:lightRig rig="threePt" dir="t"/>
+    </dgm:scene3d>
+    <dgm:sp3d/>
+    <dgm:txPr/>
+    <dgm:style>
+      <a:lnRef idx="2">
+        <a:scrgbClr r="0" g="0" b="0"/>
+      </a:lnRef>
+      <a:fillRef idx="1">
+        <a:scrgbClr r="0" g="0" b="0"/>
+      </a:fillRef>
+      <a:effectRef idx="0">
+        <a:scrgbClr r="0" g="0" b="0"/>
+      </a:effectRef>
+      <a:fontRef idx="minor">
+        <a:schemeClr val="lt1"/>
+      </a:fontRef>
+    </dgm:style>
+  </dgm:styleLbl>
+  <dgm:styleLbl name="vennNode1">
+    <dgm:scene3d>
+      <a:camera prst="orthographicFront"/>
+      <a:lightRig rig="threePt" dir="t"/>
+    </dgm:scene3d>
+    <dgm:sp3d/>
+    <dgm:txPr/>
+    <dgm:style>
+      <a:lnRef idx="2">
+        <a:scrgbClr r="0" g="0" b="0"/>
+      </a:lnRef>
+      <a:fillRef idx="1">
+        <a:scrgbClr r="0" g="0" b="0"/>
+      </a:fillRef>
+      <a:effectRef idx="0">
+        <a:scrgbClr r="0" g="0" b="0"/>
+      </a:effectRef>
+      <a:fontRef idx="minor">
+        <a:schemeClr val="tx1"/>
+      </a:fontRef>
+    </dgm:style>
+  </dgm:styleLbl>
+  <dgm:styleLbl name="alignNode1">
+    <dgm:scene3d>
+      <a:camera prst="orthographicFront"/>
+      <a:lightRig rig="threePt" dir="t"/>
+    </dgm:scene3d>
+    <dgm:sp3d/>
+    <dgm:txPr/>
+    <dgm:style>
+      <a:lnRef idx="2">
+        <a:scrgbClr r="0" g="0" b="0"/>
+      </a:lnRef>
+      <a:fillRef idx="1">
+        <a:scrgbClr r="0" g="0" b="0"/>
+      </a:fillRef>
+      <a:effectRef idx="0">
+        <a:scrgbClr r="0" g="0" b="0"/>
+      </a:effectRef>
+      <a:fontRef idx="minor">
+        <a:schemeClr val="lt1"/>
+      </a:fontRef>
+    </dgm:style>
+  </dgm:styleLbl>
+  <dgm:styleLbl name="node1">
+    <dgm:scene3d>
+      <a:camera prst="orthographicFront"/>
+      <a:lightRig rig="threePt" dir="t"/>
+    </dgm:scene3d>
+    <dgm:sp3d/>
+    <dgm:txPr/>
+    <dgm:style>
+      <a:lnRef idx="2">
+        <a:scrgbClr r="0" g="0" b="0"/>
+      </a:lnRef>
+      <a:fillRef idx="1">
+        <a:scrgbClr r="0" g="0" b="0"/>
+      </a:fillRef>
+      <a:effectRef idx="0">
+        <a:scrgbClr r="0" g="0" b="0"/>
+      </a:effectRef>
+      <a:fontRef idx="minor">
+        <a:schemeClr val="lt1"/>
+      </a:fontRef>
+    </dgm:style>
+  </dgm:styleLbl>
+  <dgm:styleLbl name="node2">
+    <dgm:scene3d>
+      <a:camera prst="orthographicFront"/>
+      <a:lightRig rig="threePt" dir="t"/>
+    </dgm:scene3d>
+    <dgm:sp3d/>
+    <dgm:txPr/>
+    <dgm:style>
+      <a:lnRef idx="2">
+        <a:scrgbClr r="0" g="0" b="0"/>
+      </a:lnRef>
+      <a:fillRef idx="1">
+        <a:scrgbClr r="0" g="0" b="0"/>
+      </a:fillRef>
+      <a:effectRef idx="0">
+        <a:scrgbClr r="0" g="0" b="0"/>
+      </a:effectRef>
+      <a:fontRef idx="minor">
+        <a:schemeClr val="lt1"/>
+      </a:fontRef>
+    </dgm:style>
+  </dgm:styleLbl>
+  <dgm:styleLbl name="node3">
+    <dgm:scene3d>
+      <a:camera prst="orthographicFront"/>
+      <a:lightRig rig="threePt" dir="t"/>
+    </dgm:scene3d>
+    <dgm:sp3d/>
+    <dgm:txPr/>
+    <dgm:style>
+      <a:lnRef idx="2">
+        <a:scrgbClr r="0" g="0" b="0"/>
+      </a:lnRef>
+      <a:fillRef idx="1">
+        <a:scrgbClr r="0" g="0" b="0"/>
+      </a:fillRef>
+      <a:effectRef idx="0">
+        <a:scrgbClr r="0" g="0" b="0"/>
+      </a:effectRef>
+      <a:fontRef idx="minor">
+        <a:schemeClr val="lt1"/>
+      </a:fontRef>
+    </dgm:style>
+  </dgm:styleLbl>
+  <dgm:styleLbl name="node4">
+    <dgm:scene3d>
+      <a:camera prst="orthographicFront"/>
+      <a:lightRig rig="threePt" dir="t"/>
+    </dgm:scene3d>
+    <dgm:sp3d/>
+    <dgm:txPr/>
+    <dgm:style>
+      <a:lnRef idx="2">
+        <a:scrgbClr r="0" g="0" b="0"/>
+      </a:lnRef>
+      <a:fillRef idx="1">
+        <a:scrgbClr r="0" g="0" b="0"/>
+      </a:fillRef>
+      <a:effectRef idx="0">
+        <a:scrgbClr r="0" g="0" b="0"/>
+      </a:effectRef>
+      <a:fontRef idx="minor">
+        <a:schemeClr val="lt1"/>
+      </a:fontRef>
+    </dgm:style>
+  </dgm:styleLbl>
+  <dgm:styleLbl name="fgImgPlace1">
+    <dgm:scene3d>
+      <a:camera prst="orthographicFront"/>
+      <a:lightRig rig="threePt" dir="t"/>
+    </dgm:scene3d>
+    <dgm:sp3d/>
+    <dgm:txPr/>
+    <dgm:style>
+      <a:lnRef idx="2">
+        <a:scrgbClr r="0" g="0" b="0"/>
+      </a:lnRef>
+      <a:fillRef idx="1">
+        <a:scrgbClr r="0" g="0" b="0"/>
+      </a:fillRef>
+      <a:effectRef idx="0">
+        <a:scrgbClr r="0" g="0" b="0"/>
+      </a:effectRef>
+      <a:fontRef idx="minor"/>
+    </dgm:style>
+  </dgm:styleLbl>
+  <dgm:styleLbl name="alignImgPlace1">
+    <dgm:scene3d>
+      <a:camera prst="orthographicFront"/>
+      <a:lightRig rig="threePt" dir="t"/>
+    </dgm:scene3d>
+    <dgm:sp3d/>
+    <dgm:txPr/>
+    <dgm:style>
+      <a:lnRef idx="2">
+        <a:scrgbClr r="0" g="0" b="0"/>
+      </a:lnRef>
+      <a:fillRef idx="1">
+        <a:scrgbClr r="0" g="0" b="0"/>
+      </a:fillRef>
+      <a:effectRef idx="0">
+        <a:scrgbClr r="0" g="0" b="0"/>
+      </a:effectRef>
+      <a:fontRef idx="minor"/>
+    </dgm:style>
+  </dgm:styleLbl>
+  <dgm:styleLbl name="bgImgPlace1">
+    <dgm:scene3d>
+      <a:camera prst="orthographicFront"/>
+      <a:lightRig rig="threePt" dir="t"/>
+    </dgm:scene3d>
+    <dgm:sp3d/>
+    <dgm:txPr/>
+    <dgm:style>
+      <a:lnRef idx="2">
+        <a:scrgbClr r="0" g="0" b="0"/>
+      </a:lnRef>
+      <a:fillRef idx="1">
+        <a:scrgbClr r="0" g="0" b="0"/>
+      </a:fillRef>
+      <a:effectRef idx="0">
+        <a:scrgbClr r="0" g="0" b="0"/>
+      </a:effectRef>
+      <a:fontRef idx="minor"/>
+    </dgm:style>
+  </dgm:styleLbl>
+  <dgm:styleLbl name="sibTrans2D1">
+    <dgm:scene3d>
+      <a:camera prst="orthographicFront"/>
+      <a:lightRig rig="threePt" dir="t"/>
+    </dgm:scene3d>
+    <dgm:sp3d/>
+    <dgm:txPr/>
+    <dgm:style>
+      <a:lnRef idx="0">
+        <a:scrgbClr r="0" g="0" b="0"/>
+      </a:lnRef>
+      <a:fillRef idx="1">
+        <a:scrgbClr r="0" g="0" b="0"/>
+      </a:fillRef>
+      <a:effectRef idx="0">
+        <a:scrgbClr r="0" g="0" b="0"/>
+      </a:effectRef>
+      <a:fontRef idx="minor">
+        <a:schemeClr val="lt1"/>
+      </a:fontRef>
+    </dgm:style>
+  </dgm:styleLbl>
+  <dgm:styleLbl name="fgSibTrans2D1">
+    <dgm:scene3d>
+      <a:camera prst="orthographicFront"/>
+      <a:lightRig rig="threePt" dir="t"/>
+    </dgm:scene3d>
+    <dgm:sp3d/>
+    <dgm:txPr/>
+    <dgm:style>
+      <a:lnRef idx="0">
+        <a:scrgbClr r="0" g="0" b="0"/>
+      </a:lnRef>
+      <a:fillRef idx="1">
+        <a:scrgbClr r="0" g="0" b="0"/>
+      </a:fillRef>
+      <a:effectRef idx="0">
+        <a:scrgbClr r="0" g="0" b="0"/>
+      </a:effectRef>
+      <a:fontRef idx="minor">
+        <a:schemeClr val="lt1"/>
+      </a:fontRef>
+    </dgm:style>
+  </dgm:styleLbl>
+  <dgm:styleLbl name="bgSibTrans2D1">
+    <dgm:scene3d>
+      <a:camera prst="orthographicFront"/>
+      <a:lightRig rig="threePt" dir="t"/>
+    </dgm:scene3d>
+    <dgm:sp3d/>
+    <dgm:txPr/>
+    <dgm:style>
+      <a:lnRef idx="0">
+        <a:scrgbClr r="0" g="0" b="0"/>
+      </a:lnRef>
+      <a:fillRef idx="1">
+        <a:scrgbClr r="0" g="0" b="0"/>
+      </a:fillRef>
+      <a:effectRef idx="0">
+        <a:scrgbClr r="0" g="0" b="0"/>
+      </a:effectRef>
+      <a:fontRef idx="minor">
+        <a:schemeClr val="lt1"/>
+      </a:fontRef>
+    </dgm:style>
+  </dgm:styleLbl>
+  <dgm:styleLbl name="sibTrans1D1">
+    <dgm:scene3d>
+      <a:camera prst="orthographicFront"/>
+      <a:lightRig rig="threePt" dir="t"/>
+    </dgm:scene3d>
+    <dgm:sp3d/>
+    <dgm:txPr/>
+    <dgm:style>
+      <a:lnRef idx="1">
+        <a:scrgbClr r="0" g="0" b="0"/>
+      </a:lnRef>
+      <a:fillRef idx="0">
+        <a:scrgbClr r="0" g="0" b="0"/>
+      </a:fillRef>
+      <a:effectRef idx="0">
+        <a:scrgbClr r="0" g="0" b="0"/>
+      </a:effectRef>
+      <a:fontRef idx="minor"/>
+    </dgm:style>
+  </dgm:styleLbl>
+  <dgm:styleLbl name="callout">
+    <dgm:scene3d>
+      <a:camera prst="orthographicFront"/>
+      <a:lightRig rig="threePt" dir="t"/>
+    </dgm:scene3d>
+    <dgm:sp3d/>
+    <dgm:txPr/>
+    <dgm:style>
+      <a:lnRef idx="2">
+        <a:scrgbClr r="0" g="0" b="0"/>
+      </a:lnRef>
+      <a:fillRef idx="1">
+        <a:scrgbClr r="0" g="0" b="0"/>
+      </a:fillRef>
+      <a:effectRef idx="0">
+        <a:scrgbClr r="0" g="0" b="0"/>
+      </a:effectRef>
+      <a:fontRef idx="minor"/>
+    </dgm:style>
+  </dgm:styleLbl>
+  <dgm:styleLbl name="asst0">
+    <dgm:scene3d>
+      <a:camera prst="orthographicFront"/>
+      <a:lightRig rig="threePt" dir="t"/>
+    </dgm:scene3d>
+    <dgm:sp3d/>
+    <dgm:txPr/>
+    <dgm:style>
+      <a:lnRef idx="2">
+        <a:scrgbClr r="0" g="0" b="0"/>
+      </a:lnRef>
+      <a:fillRef idx="1">
+        <a:scrgbClr r="0" g="0" b="0"/>
+      </a:fillRef>
+      <a:effectRef idx="0">
+        <a:scrgbClr r="0" g="0" b="0"/>
+      </a:effectRef>
+      <a:fontRef idx="minor">
+        <a:schemeClr val="lt1"/>
+      </a:fontRef>
+    </dgm:style>
+  </dgm:styleLbl>
+  <dgm:styleLbl name="asst1">
+    <dgm:scene3d>
+      <a:camera prst="orthographicFront"/>
+      <a:lightRig rig="threePt" dir="t"/>
+    </dgm:scene3d>
+    <dgm:sp3d/>
+    <dgm:txPr/>
+    <dgm:style>
+      <a:lnRef idx="2">
+        <a:scrgbClr r="0" g="0" b="0"/>
+      </a:lnRef>
+      <a:fillRef idx="1">
+        <a:scrgbClr r="0" g="0" b="0"/>
+      </a:fillRef>
+      <a:effectRef idx="0">
+        <a:scrgbClr r="0" g="0" b="0"/>
+      </a:effectRef>
+      <a:fontRef idx="minor">
+        <a:schemeClr val="lt1"/>
+      </a:fontRef>
+    </dgm:style>
+  </dgm:styleLbl>
+  <dgm:styleLbl name="asst2">
+    <dgm:scene3d>
+      <a:camera prst="orthographicFront"/>
+      <a:lightRig rig="threePt" dir="t"/>
+    </dgm:scene3d>
+    <dgm:sp3d/>
+    <dgm:txPr/>
+    <dgm:style>
+      <a:lnRef idx="2">
+        <a:scrgbClr r="0" g="0" b="0"/>
+      </a:lnRef>
+      <a:fillRef idx="1">
+        <a:scrgbClr r="0" g="0" b="0"/>
+      </a:fillRef>
+      <a:effectRef idx="0">
+        <a:scrgbClr r="0" g="0" b="0"/>
+      </a:effectRef>
+      <a:fontRef idx="minor">
+        <a:schemeClr val="lt1"/>
+      </a:fontRef>
+    </dgm:style>
+  </dgm:styleLbl>
+  <dgm:styleLbl name="asst3">
+    <dgm:scene3d>
+      <a:camera prst="orthographicFront"/>
+      <a:lightRig rig="threePt" dir="t"/>
+    </dgm:scene3d>
+    <dgm:sp3d/>
+    <dgm:txPr/>
+    <dgm:style>
+      <a:lnRef idx="2">
+        <a:scrgbClr r="0" g="0" b="0"/>
+      </a:lnRef>
+      <a:fillRef idx="1">
+        <a:scrgbClr r="0" g="0" b="0"/>
+      </a:fillRef>
+      <a:effectRef idx="0">
+        <a:scrgbClr r="0" g="0" b="0"/>
+      </a:effectRef>
+      <a:fontRef idx="minor">
+        <a:schemeClr val="lt1"/>
+      </a:fontRef>
+    </dgm:style>
+  </dgm:styleLbl>
+  <dgm:styleLbl name="asst4">
+    <dgm:scene3d>
+      <a:camera prst="orthographicFront"/>
+      <a:lightRig rig="threePt" dir="t"/>
+    </dgm:scene3d>
+    <dgm:sp3d/>
+    <dgm:txPr/>
+    <dgm:style>
+      <a:lnRef idx="2">
+        <a:scrgbClr r="0" g="0" b="0"/>
+      </a:lnRef>
+      <a:fillRef idx="1">
+        <a:scrgbClr r="0" g="0" b="0"/>
+      </a:fillRef>
+      <a:effectRef idx="0">
+        <a:scrgbClr r="0" g="0" b="0"/>
+      </a:effectRef>
+      <a:fontRef idx="minor">
+        <a:schemeClr val="lt1"/>
+      </a:fontRef>
+    </dgm:style>
+  </dgm:styleLbl>
+  <dgm:styleLbl name="parChTrans2D1">
+    <dgm:scene3d>
+      <a:camera prst="orthographicFront"/>
+      <a:lightRig rig="threePt" dir="t"/>
+    </dgm:scene3d>
+    <dgm:sp3d/>
+    <dgm:txPr/>
+    <dgm:style>
+      <a:lnRef idx="2">
+        <a:scrgbClr r="0" g="0" b="0"/>
+      </a:lnRef>
+      <a:fillRef idx="1">
+        <a:scrgbClr r="0" g="0" b="0"/>
+      </a:fillRef>
+      <a:effectRef idx="0">
+        <a:scrgbClr r="0" g="0" b="0"/>
+      </a:effectRef>
+      <a:fontRef idx="minor">
+        <a:schemeClr val="lt1"/>
+      </a:fontRef>
+    </dgm:style>
+  </dgm:styleLbl>
+  <dgm:styleLbl name="parChTrans2D2">
+    <dgm:scene3d>
+      <a:camera prst="orthographicFront"/>
+      <a:lightRig rig="threePt" dir="t"/>
+    </dgm:scene3d>
+    <dgm:sp3d/>
+    <dgm:txPr/>
+    <dgm:style>
+      <a:lnRef idx="2">
+        <a:scrgbClr r="0" g="0" b="0"/>
+      </a:lnRef>
+      <a:fillRef idx="1">
+        <a:scrgbClr r="0" g="0" b="0"/>
+      </a:fillRef>
+      <a:effectRef idx="0">
+        <a:scrgbClr r="0" g="0" b="0"/>
+      </a:effectRef>
+      <a:fontRef idx="minor">
+        <a:schemeClr val="lt1"/>
+      </a:fontRef>
+    </dgm:style>
+  </dgm:styleLbl>
+  <dgm:styleLbl name="parChTrans2D3">
+    <dgm:scene3d>
+      <a:camera prst="orthographicFront"/>
+      <a:lightRig rig="threePt" dir="t"/>
+    </dgm:scene3d>
+    <dgm:sp3d/>
+    <dgm:txPr/>
+    <dgm:style>
+      <a:lnRef idx="2">
+        <a:scrgbClr r="0" g="0" b="0"/>
+      </a:lnRef>
+      <a:fillRef idx="1">
+        <a:scrgbClr r="0" g="0" b="0"/>
+      </a:fillRef>
+      <a:effectRef idx="0">
+        <a:scrgbClr r="0" g="0" b="0"/>
+      </a:effectRef>
+      <a:fontRef idx="minor">
+        <a:schemeClr val="lt1"/>
+      </a:fontRef>
+    </dgm:style>
+  </dgm:styleLbl>
+  <dgm:styleLbl name="parChTrans2D4">
+    <dgm:scene3d>
+      <a:camera prst="orthographicFront"/>
+      <a:lightRig rig="threePt" dir="t"/>
+    </dgm:scene3d>
+    <dgm:sp3d/>
+    <dgm:txPr/>
+    <dgm:style>
+      <a:lnRef idx="2">
+        <a:scrgbClr r="0" g="0" b="0"/>
+      </a:lnRef>
+      <a:fillRef idx="1">
+        <a:scrgbClr r="0" g="0" b="0"/>
+      </a:fillRef>
+      <a:effectRef idx="0">
+        <a:scrgbClr r="0" g="0" b="0"/>
+      </a:effectRef>
+      <a:fontRef idx="minor">
+        <a:schemeClr val="lt1"/>
+      </a:fontRef>
+    </dgm:style>
+  </dgm:styleLbl>
+  <dgm:styleLbl name="parChTrans1D1">
+    <dgm:scene3d>
+      <a:camera prst="orthographicFront"/>
+      <a:lightRig rig="threePt" dir="t"/>
+    </dgm:scene3d>
+    <dgm:sp3d/>
+    <dgm:txPr/>
+    <dgm:style>
+      <a:lnRef idx="2">
+        <a:scrgbClr r="0" g="0" b="0"/>
+      </a:lnRef>
+      <a:fillRef idx="0">
+        <a:scrgbClr r="0" g="0" b="0"/>
+      </a:fillRef>
+      <a:effectRef idx="0">
+        <a:scrgbClr r="0" g="0" b="0"/>
+      </a:effectRef>
+      <a:fontRef idx="minor"/>
+    </dgm:style>
+  </dgm:styleLbl>
+  <dgm:styleLbl name="parChTrans1D2">
+    <dgm:scene3d>
+      <a:camera prst="orthographicFront"/>
+      <a:lightRig rig="threePt" dir="t"/>
+    </dgm:scene3d>
+    <dgm:sp3d/>
+    <dgm:txPr/>
+    <dgm:style>
+      <a:lnRef idx="2">
+        <a:scrgbClr r="0" g="0" b="0"/>
+      </a:lnRef>
+      <a:fillRef idx="0">
+        <a:scrgbClr r="0" g="0" b="0"/>
+      </a:fillRef>
+      <a:effectRef idx="0">
+        <a:scrgbClr r="0" g="0" b="0"/>
+      </a:effectRef>
+      <a:fontRef idx="minor"/>
+    </dgm:style>
+  </dgm:styleLbl>
+  <dgm:styleLbl name="parChTrans1D3">
+    <dgm:scene3d>
+      <a:camera prst="orthographicFront"/>
+      <a:lightRig rig="threePt" dir="t"/>
+    </dgm:scene3d>
+    <dgm:sp3d/>
+    <dgm:txPr/>
+    <dgm:style>
+      <a:lnRef idx="2">
+        <a:scrgbClr r="0" g="0" b="0"/>
+      </a:lnRef>
+      <a:fillRef idx="0">
+        <a:scrgbClr r="0" g="0" b="0"/>
+      </a:fillRef>
+      <a:effectRef idx="0">
+        <a:scrgbClr r="0" g="0" b="0"/>
+      </a:effectRef>
+      <a:fontRef idx="minor"/>
+    </dgm:style>
+  </dgm:styleLbl>
+  <dgm:styleLbl name="parChTrans1D4">
+    <dgm:scene3d>
+      <a:camera prst="orthographicFront"/>
+      <a:lightRig rig="threePt" dir="t"/>
+    </dgm:scene3d>
+    <dgm:sp3d/>
+    <dgm:txPr/>
+    <dgm:style>
+      <a:lnRef idx="2">
+        <a:scrgbClr r="0" g="0" b="0"/>
+      </a:lnRef>
+      <a:fillRef idx="0">
+        <a:scrgbClr r="0" g="0" b="0"/>
+      </a:fillRef>
+      <a:effectRef idx="0">
+        <a:scrgbClr r="0" g="0" b="0"/>
+      </a:effectRef>
+      <a:fontRef idx="minor"/>
+    </dgm:style>
+  </dgm:styleLbl>
+  <dgm:styleLbl name="fgAcc1">
+    <dgm:scene3d>
+      <a:camera prst="orthographicFront"/>
+      <a:lightRig rig="threePt" dir="t"/>
+    </dgm:scene3d>
+    <dgm:sp3d/>
+    <dgm:txPr/>
+    <dgm:style>
+      <a:lnRef idx="2">
+        <a:scrgbClr r="0" g="0" b="0"/>
+      </a:lnRef>
+      <a:fillRef idx="1">
+        <a:scrgbClr r="0" g="0" b="0"/>
+      </a:fillRef>
+      <a:effectRef idx="0">
+        <a:scrgbClr r="0" g="0" b="0"/>
+      </a:effectRef>
+      <a:fontRef idx="minor"/>
+    </dgm:style>
+  </dgm:styleLbl>
+  <dgm:styleLbl name="conFgAcc1">
+    <dgm:scene3d>
+      <a:camera prst="orthographicFront"/>
+      <a:lightRig rig="threePt" dir="t"/>
+    </dgm:scene3d>
+    <dgm:sp3d/>
+    <dgm:txPr/>
+    <dgm:style>
+      <a:lnRef idx="2">
+        <a:scrgbClr r="0" g="0" b="0"/>
+      </a:lnRef>
+      <a:fillRef idx="1">
+        <a:scrgbClr r="0" g="0" b="0"/>
+      </a:fillRef>
+      <a:effectRef idx="0">
+        <a:scrgbClr r="0" g="0" b="0"/>
+      </a:effectRef>
+      <a:fontRef idx="minor"/>
+    </dgm:style>
+  </dgm:styleLbl>
+  <dgm:styleLbl name="alignAcc1">
+    <dgm:scene3d>
+      <a:camera prst="orthographicFront"/>
+      <a:lightRig rig="threePt" dir="t"/>
+    </dgm:scene3d>
+    <dgm:sp3d/>
+    <dgm:txPr/>
+    <dgm:style>
+      <a:lnRef idx="2">
+        <a:scrgbClr r="0" g="0" b="0"/>
+      </a:lnRef>
+      <a:fillRef idx="1">
+        <a:scrgbClr r="0" g="0" b="0"/>
+      </a:fillRef>
+      <a:effectRef idx="0">
+        <a:scrgbClr r="0" g="0" b="0"/>
+      </a:effectRef>
+      <a:fontRef idx="minor"/>
+    </dgm:style>
+  </dgm:styleLbl>
+  <dgm:styleLbl name="trAlignAcc1">
+    <dgm:scene3d>
+      <a:camera prst="orthographicFront"/>
+      <a:lightRig rig="threePt" dir="t"/>
+    </dgm:scene3d>
+    <dgm:sp3d/>
+    <dgm:txPr/>
+    <dgm:style>
+      <a:lnRef idx="1">
+        <a:scrgbClr r="0" g="0" b="0"/>
+      </a:lnRef>
+      <a:fillRef idx="1">
+        <a:scrgbClr r="0" g="0" b="0"/>
+      </a:fillRef>
+      <a:effectRef idx="0">
+        <a:scrgbClr r="0" g="0" b="0"/>
+      </a:effectRef>
+      <a:fontRef idx="minor"/>
+    </dgm:style>
+  </dgm:styleLbl>
+  <dgm:styleLbl name="bgAcc1">
+    <dgm:scene3d>
+      <a:camera prst="orthographicFront"/>
+      <a:lightRig rig="threePt" dir="t"/>
+    </dgm:scene3d>
+    <dgm:sp3d/>
+    <dgm:txPr/>
+    <dgm:style>
+      <a:lnRef idx="2">
+        <a:scrgbClr r="0" g="0" b="0"/>
+      </a:lnRef>
+      <a:fillRef idx="1">
+        <a:scrgbClr r="0" g="0" b="0"/>
+      </a:fillRef>
+      <a:effectRef idx="0">
+        <a:scrgbClr r="0" g="0" b="0"/>
+      </a:effectRef>
+      <a:fontRef idx="minor"/>
+    </dgm:style>
+  </dgm:styleLbl>
+  <dgm:styleLbl name="solidFgAcc1">
+    <dgm:scene3d>
+      <a:camera prst="orthographicFront"/>
+      <a:lightRig rig="threePt" dir="t"/>
+    </dgm:scene3d>
+    <dgm:sp3d/>
+    <dgm:txPr/>
+    <dgm:style>
+      <a:lnRef idx="2">
+        <a:scrgbClr r="0" g="0" b="0"/>
+      </a:lnRef>
+      <a:fillRef idx="1">
+        <a:scrgbClr r="0" g="0" b="0"/>
+      </a:fillRef>
+      <a:effectRef idx="0">
+        <a:scrgbClr r="0" g="0" b="0"/>
+      </a:effectRef>
+      <a:fontRef idx="minor"/>
+    </dgm:style>
+  </dgm:styleLbl>
+  <dgm:styleLbl name="solidAlignAcc1">
+    <dgm:scene3d>
+      <a:camera prst="orthographicFront"/>
+      <a:lightRig rig="threePt" dir="t"/>
+    </dgm:scene3d>
+    <dgm:sp3d/>
+    <dgm:txPr/>
+    <dgm:style>
+      <a:lnRef idx="2">
+        <a:scrgbClr r="0" g="0" b="0"/>
+      </a:lnRef>
+      <a:fillRef idx="1">
+        <a:scrgbClr r="0" g="0" b="0"/>
+      </a:fillRef>
+      <a:effectRef idx="0">
+        <a:scrgbClr r="0" g="0" b="0"/>
+      </a:effectRef>
+      <a:fontRef idx="minor"/>
+    </dgm:style>
+  </dgm:styleLbl>
+  <dgm:styleLbl name="solidBgAcc1">
+    <dgm:scene3d>
+      <a:camera prst="orthographicFront"/>
+      <a:lightRig rig="threePt" dir="t"/>
+    </dgm:scene3d>
+    <dgm:sp3d/>
+    <dgm:txPr/>
+    <dgm:style>
+      <a:lnRef idx="2">
+        <a:scrgbClr r="0" g="0" b="0"/>
+      </a:lnRef>
+      <a:fillRef idx="1">
+        <a:scrgbClr r="0" g="0" b="0"/>
+      </a:fillRef>
+      <a:effectRef idx="0">
+        <a:scrgbClr r="0" g="0" b="0"/>
+      </a:effectRef>
+      <a:fontRef idx="minor"/>
+    </dgm:style>
+  </dgm:styleLbl>
+  <dgm:styleLbl name="fgAccFollowNode1">
+    <dgm:scene3d>
+      <a:camera prst="orthographicFront"/>
+      <a:lightRig rig="threePt" dir="t"/>
+    </dgm:scene3d>
+    <dgm:sp3d/>
+    <dgm:txPr/>
+    <dgm:style>
+      <a:lnRef idx="2">
+        <a:scrgbClr r="0" g="0" b="0"/>
+      </a:lnRef>
+      <a:fillRef idx="1">
+        <a:scrgbClr r="0" g="0" b="0"/>
+      </a:fillRef>
+      <a:effectRef idx="0">
+        <a:scrgbClr r="0" g="0" b="0"/>
+      </a:effectRef>
+      <a:fontRef idx="minor"/>
+    </dgm:style>
+  </dgm:styleLbl>
+  <dgm:styleLbl name="alignAccFollowNode1">
+    <dgm:scene3d>
+      <a:camera prst="orthographicFront"/>
+      <a:lightRig rig="threePt" dir="t"/>
+    </dgm:scene3d>
+    <dgm:sp3d/>
+    <dgm:txPr/>
+    <dgm:style>
+      <a:lnRef idx="2">
+        <a:scrgbClr r="0" g="0" b="0"/>
+      </a:lnRef>
+      <a:fillRef idx="1">
+        <a:scrgbClr r="0" g="0" b="0"/>
+      </a:fillRef>
+      <a:effectRef idx="0">
+        <a:scrgbClr r="0" g="0" b="0"/>
+      </a:effectRef>
+      <a:fontRef idx="minor"/>
+    </dgm:style>
+  </dgm:styleLbl>
+  <dgm:styleLbl name="bgAccFollowNode1">
+    <dgm:scene3d>
+      <a:camera prst="orthographicFront"/>
+      <a:lightRig rig="threePt" dir="t"/>
+    </dgm:scene3d>
+    <dgm:sp3d/>
+    <dgm:txPr/>
+    <dgm:style>
+      <a:lnRef idx="2">
+        <a:scrgbClr r="0" g="0" b="0"/>
+      </a:lnRef>
+      <a:fillRef idx="1">
+        <a:scrgbClr r="0" g="0" b="0"/>
+      </a:fillRef>
+      <a:effectRef idx="0">
+        <a:scrgbClr r="0" g="0" b="0"/>
+      </a:effectRef>
+      <a:fontRef idx="minor"/>
+    </dgm:style>
+  </dgm:styleLbl>
+  <dgm:styleLbl name="fgAcc0">
+    <dgm:scene3d>
+      <a:camera prst="orthographicFront"/>
+      <a:lightRig rig="threePt" dir="t"/>
+    </dgm:scene3d>
+    <dgm:sp3d/>
+    <dgm:txPr/>
+    <dgm:style>
+      <a:lnRef idx="2">
+        <a:scrgbClr r="0" g="0" b="0"/>
+      </a:lnRef>
+      <a:fillRef idx="1">
+        <a:scrgbClr r="0" g="0" b="0"/>
+      </a:fillRef>
+      <a:effectRef idx="0">
+        <a:scrgbClr r="0" g="0" b="0"/>
+      </a:effectRef>
+      <a:fontRef idx="minor"/>
+    </dgm:style>
+  </dgm:styleLbl>
+  <dgm:styleLbl name="fgAcc2">
+    <dgm:scene3d>
+      <a:camera prst="orthographicFront"/>
+      <a:lightRig rig="threePt" dir="t"/>
+    </dgm:scene3d>
+    <dgm:sp3d/>
+    <dgm:txPr/>
+    <dgm:style>
+      <a:lnRef idx="2">
+        <a:scrgbClr r="0" g="0" b="0"/>
+      </a:lnRef>
+      <a:fillRef idx="1">
+        <a:scrgbClr r="0" g="0" b="0"/>
+      </a:fillRef>
+      <a:effectRef idx="0">
+        <a:scrgbClr r="0" g="0" b="0"/>
+      </a:effectRef>
+      <a:fontRef idx="minor"/>
+    </dgm:style>
+  </dgm:styleLbl>
+  <dgm:styleLbl name="fgAcc3">
+    <dgm:scene3d>
+      <a:camera prst="orthographicFront"/>
+      <a:lightRig rig="threePt" dir="t"/>
+    </dgm:scene3d>
+    <dgm:sp3d/>
+    <dgm:txPr/>
+    <dgm:style>
+      <a:lnRef idx="2">
+        <a:scrgbClr r="0" g="0" b="0"/>
+      </a:lnRef>
+      <a:fillRef idx="1">
+        <a:scrgbClr r="0" g="0" b="0"/>
+      </a:fillRef>
+      <a:effectRef idx="0">
+        <a:scrgbClr r="0" g="0" b="0"/>
+      </a:effectRef>
+      <a:fontRef idx="minor"/>
+    </dgm:style>
+  </dgm:styleLbl>
+  <dgm:styleLbl name="fgAcc4">
+    <dgm:scene3d>
+      <a:camera prst="orthographicFront"/>
+      <a:lightRig rig="threePt" dir="t"/>
+    </dgm:scene3d>
+    <dgm:sp3d/>
+    <dgm:txPr/>
+    <dgm:style>
+      <a:lnRef idx="2">
+        <a:scrgbClr r="0" g="0" b="0"/>
+      </a:lnRef>
+      <a:fillRef idx="1">
+        <a:scrgbClr r="0" g="0" b="0"/>
+      </a:fillRef>
+      <a:effectRef idx="0">
+        <a:scrgbClr r="0" g="0" b="0"/>
+      </a:effectRef>
+      <a:fontRef idx="minor"/>
+    </dgm:style>
+  </dgm:styleLbl>
+  <dgm:styleLbl name="bgShp">
+    <dgm:scene3d>
+      <a:camera prst="orthographicFront"/>
+      <a:lightRig rig="threePt" dir="t"/>
+    </dgm:scene3d>
+    <dgm:sp3d/>
+    <dgm:txPr/>
+    <dgm:style>
+      <a:lnRef idx="0">
+        <a:scrgbClr r="0" g="0" b="0"/>
+      </a:lnRef>
+      <a:fillRef idx="1">
+        <a:scrgbClr r="0" g="0" b="0"/>
+      </a:fillRef>
+      <a:effectRef idx="0">
+        <a:scrgbClr r="0" g="0" b="0"/>
+      </a:effectRef>
+      <a:fontRef idx="minor"/>
+    </dgm:style>
+  </dgm:styleLbl>
+  <dgm:styleLbl name="dkBgShp">
+    <dgm:scene3d>
+      <a:camera prst="orthographicFront"/>
+      <a:lightRig rig="threePt" dir="t"/>
+    </dgm:scene3d>
+    <dgm:sp3d/>
+    <dgm:txPr/>
+    <dgm:style>
+      <a:lnRef idx="0">
+        <a:scrgbClr r="0" g="0" b="0"/>
+      </a:lnRef>
+      <a:fillRef idx="1">
+        <a:scrgbClr r="0" g="0" b="0"/>
+      </a:fillRef>
+      <a:effectRef idx="0">
+        <a:scrgbClr r="0" g="0" b="0"/>
+      </a:effectRef>
+      <a:fontRef idx="minor"/>
+    </dgm:style>
+  </dgm:styleLbl>
+  <dgm:styleLbl name="trBgShp">
+    <dgm:scene3d>
+      <a:camera prst="orthographicFront"/>
+      <a:lightRig rig="threePt" dir="t"/>
+    </dgm:scene3d>
+    <dgm:sp3d/>
+    <dgm:txPr/>
+    <dgm:style>
+      <a:lnRef idx="0">
+        <a:scrgbClr r="0" g="0" b="0"/>
+      </a:lnRef>
+      <a:fillRef idx="1">
+        <a:scrgbClr r="0" g="0" b="0"/>
+      </a:fillRef>
+      <a:effectRef idx="0">
+        <a:scrgbClr r="0" g="0" b="0"/>
+      </a:effectRef>
+      <a:fontRef idx="minor"/>
+    </dgm:style>
+  </dgm:styleLbl>
+  <dgm:styleLbl name="fgShp">
+    <dgm:scene3d>
+      <a:camera prst="orthographicFront"/>
+      <a:lightRig rig="threePt" dir="t"/>
+    </dgm:scene3d>
+    <dgm:sp3d/>
+    <dgm:txPr/>
+    <dgm:style>
+      <a:lnRef idx="2">
+        <a:scrgbClr r="0" g="0" b="0"/>
+      </a:lnRef>
+      <a:fillRef idx="1">
+        <a:scrgbClr r="0" g="0" b="0"/>
+      </a:fillRef>
+      <a:effectRef idx="0">
+        <a:scrgbClr r="0" g="0" b="0"/>
+      </a:effectRef>
+      <a:fontRef idx="minor"/>
+    </dgm:style>
+  </dgm:styleLbl>
+  <dgm:styleLbl name="revTx">
+    <dgm:scene3d>
+      <a:camera prst="orthographicFront"/>
+      <a:lightRig rig="threePt" dir="t"/>
+    </dgm:scene3d>
+    <dgm:sp3d/>
+    <dgm:txPr/>
+    <dgm:style>
+      <a:lnRef idx="0">
+        <a:scrgbClr r="0" g="0" b="0"/>
+      </a:lnRef>
+      <a:fillRef idx="0">
+        <a:scrgbClr r="0" g="0" b="0"/>
+      </a:fillRef>
+      <a:effectRef idx="0">
+        <a:scrgbClr r="0" g="0" b="0"/>
+      </a:effectRef>
+      <a:fontRef idx="minor"/>
+    </dgm:style>
+  </dgm:styleLbl>
+</dgm:styleDef>
+</file>
+
 <file path=ppt/handoutMasters/handoutMaster1.xml><?xml version="1.0" encoding="utf-8"?>
 <p:handoutMaster xmlns:a="http://schemas.openxmlformats.org/drawingml/2006/main" xmlns:r="http://schemas.openxmlformats.org/officeDocument/2006/relationships" xmlns:p="http://schemas.openxmlformats.org/presentationml/2006/main">
   <p:cSld>
@@ -272,7 +4036,7 @@
             <a:fld id="{432BA5F1-8D45-48C6-A581-11BA5FA35973}" type="datetimeFigureOut">
               <a:rPr lang="zh-CN" altLang="en-US" smtClean="0"/>
               <a:pPr/>
-              <a:t>2022/8/17</a:t>
+              <a:t>2022/8/23</a:t>
             </a:fld>
             <a:endParaRPr lang="zh-CN" altLang="en-US"/>
           </a:p>
@@ -443,7 +4207,7 @@
             <a:fld id="{673B58EF-4ABD-40F4-ACA4-FE81D742E6DD}" type="datetimeFigureOut">
               <a:rPr lang="zh-CN" altLang="en-US" smtClean="0"/>
               <a:pPr/>
-              <a:t>2022/8/17</a:t>
+              <a:t>2022/8/23</a:t>
             </a:fld>
             <a:endParaRPr lang="zh-CN" altLang="en-US" dirty="0"/>
           </a:p>
@@ -3324,7 +7088,7 @@
                 <a:latin typeface="微软雅黑 Light" panose="020B0502040204020203" pitchFamily="34" charset="-122"/>
                 <a:ea typeface="微软雅黑 Light" panose="020B0502040204020203" pitchFamily="34" charset="-122"/>
               </a:rPr>
-              <a:t> 总体架构</a:t>
+              <a:t> 整体架构</a:t>
             </a:r>
           </a:p>
         </p:txBody>
@@ -6169,25 +9933,11 @@
           <a:p>
             <a:pPr algn="ctr"/>
             <a:r>
-              <a:rPr lang="en-US" altLang="zh-CN" sz="3200" b="1" dirty="0" err="1">
-                <a:latin typeface="微软雅黑 Light" panose="020B0502040204020203" pitchFamily="34" charset="-122"/>
-                <a:ea typeface="微软雅黑 Light" panose="020B0502040204020203" pitchFamily="34" charset="-122"/>
-              </a:rPr>
-              <a:t>UserProfile</a:t>
-            </a:r>
-            <a:r>
-              <a:rPr lang="en-US" altLang="zh-CN" sz="3200" b="1" dirty="0">
-                <a:latin typeface="微软雅黑 Light" panose="020B0502040204020203" pitchFamily="34" charset="-122"/>
-                <a:ea typeface="微软雅黑 Light" panose="020B0502040204020203" pitchFamily="34" charset="-122"/>
-              </a:rPr>
-              <a:t>-</a:t>
-            </a:r>
-            <a:r>
               <a:rPr lang="zh-CN" altLang="en-US" sz="3200" b="1" dirty="0">
                 <a:latin typeface="微软雅黑 Light" panose="020B0502040204020203" pitchFamily="34" charset="-122"/>
                 <a:ea typeface="微软雅黑 Light" panose="020B0502040204020203" pitchFamily="34" charset="-122"/>
               </a:rPr>
-              <a:t>创建过程</a:t>
+              <a:t>整体架构</a:t>
             </a:r>
             <a:endParaRPr lang="zh-CN" altLang="en-US" sz="1600" kern="0" dirty="0">
               <a:solidFill>
@@ -6320,12 +10070,40 @@
           </a:p>
         </p:txBody>
       </p:sp>
+      <p:graphicFrame>
+        <p:nvGraphicFramePr>
+          <p:cNvPr id="11" name="图示 10">
+            <a:extLst>
+              <a:ext uri="{FF2B5EF4-FFF2-40B4-BE49-F238E27FC236}">
+                <a16:creationId xmlns:a16="http://schemas.microsoft.com/office/drawing/2014/main" id="{A0EDE1BB-01DA-7124-5D8C-3204A7DF9275}"/>
+              </a:ext>
+            </a:extLst>
+          </p:cNvPr>
+          <p:cNvGraphicFramePr/>
+          <p:nvPr>
+            <p:extLst>
+              <p:ext uri="{D42A27DB-BD31-4B8C-83A1-F6EECF244321}">
+                <p14:modId xmlns:p14="http://schemas.microsoft.com/office/powerpoint/2010/main" val="3308219197"/>
+              </p:ext>
+            </p:extLst>
+          </p:nvPr>
+        </p:nvGraphicFramePr>
+        <p:xfrm>
+          <a:off x="5590540" y="1917626"/>
+          <a:ext cx="6120680" cy="4149140"/>
+        </p:xfrm>
+        <a:graphic>
+          <a:graphicData uri="http://schemas.openxmlformats.org/drawingml/2006/diagram">
+            <dgm:relIds xmlns:dgm="http://schemas.openxmlformats.org/drawingml/2006/diagram" xmlns:r="http://schemas.openxmlformats.org/officeDocument/2006/relationships" r:dm="rId3" r:lo="rId4" r:qs="rId5" r:cs="rId6"/>
+          </a:graphicData>
+        </a:graphic>
+      </p:graphicFrame>
       <p:sp>
         <p:nvSpPr>
-          <p:cNvPr id="2" name="矩形 1">
+          <p:cNvPr id="12" name="对话气泡: 矩形 11">
             <a:extLst>
               <a:ext uri="{FF2B5EF4-FFF2-40B4-BE49-F238E27FC236}">
-                <a16:creationId xmlns:a16="http://schemas.microsoft.com/office/drawing/2014/main" id="{F8B0DC6D-A3F1-5C59-61E3-611CADFB0C1C}"/>
+                <a16:creationId xmlns:a16="http://schemas.microsoft.com/office/drawing/2014/main" id="{B7438757-339D-AB59-9CA9-61F36C7B784B}"/>
               </a:ext>
             </a:extLst>
           </p:cNvPr>
@@ -6334,1280 +10112,13 @@
         </p:nvSpPr>
         <p:spPr>
           <a:xfrm>
-            <a:off x="1270670" y="1917626"/>
-            <a:ext cx="2451384" cy="4392488"/>
-          </a:xfrm>
-          <a:prstGeom prst="rect">
-            <a:avLst/>
-          </a:prstGeom>
-          <a:noFill/>
-        </p:spPr>
-        <p:style>
-          <a:lnRef idx="2">
-            <a:schemeClr val="accent1">
-              <a:shade val="50000"/>
-            </a:schemeClr>
-          </a:lnRef>
-          <a:fillRef idx="1">
-            <a:schemeClr val="accent1"/>
-          </a:fillRef>
-          <a:effectRef idx="0">
-            <a:schemeClr val="accent1"/>
-          </a:effectRef>
-          <a:fontRef idx="minor">
-            <a:schemeClr val="lt1"/>
-          </a:fontRef>
-        </p:style>
-        <p:txBody>
-          <a:bodyPr rtlCol="0" anchor="ctr"/>
-          <a:lstStyle/>
-          <a:p>
-            <a:pPr algn="ctr"/>
-            <a:endParaRPr lang="zh-CN" altLang="en-US"/>
-          </a:p>
-        </p:txBody>
-      </p:sp>
-      <p:sp>
-        <p:nvSpPr>
-          <p:cNvPr id="3" name="矩形 2">
-            <a:extLst>
-              <a:ext uri="{FF2B5EF4-FFF2-40B4-BE49-F238E27FC236}">
-                <a16:creationId xmlns:a16="http://schemas.microsoft.com/office/drawing/2014/main" id="{9867F8CE-42E0-7C39-94B7-0CC2161EAAD1}"/>
-              </a:ext>
-            </a:extLst>
-          </p:cNvPr>
-          <p:cNvSpPr/>
-          <p:nvPr/>
-        </p:nvSpPr>
-        <p:spPr>
-          <a:xfrm>
-            <a:off x="1270670" y="1917626"/>
-            <a:ext cx="2451384" cy="317642"/>
-          </a:xfrm>
-          <a:prstGeom prst="rect">
-            <a:avLst/>
-          </a:prstGeom>
-        </p:spPr>
-        <p:style>
-          <a:lnRef idx="2">
-            <a:schemeClr val="accent1">
-              <a:shade val="50000"/>
-            </a:schemeClr>
-          </a:lnRef>
-          <a:fillRef idx="1">
-            <a:schemeClr val="accent1"/>
-          </a:fillRef>
-          <a:effectRef idx="0">
-            <a:schemeClr val="accent1"/>
-          </a:effectRef>
-          <a:fontRef idx="minor">
-            <a:schemeClr val="lt1"/>
-          </a:fontRef>
-        </p:style>
-        <p:txBody>
-          <a:bodyPr rtlCol="0" anchor="ctr"/>
-          <a:lstStyle/>
-          <a:p>
-            <a:pPr algn="ctr"/>
-            <a:r>
-              <a:rPr lang="en-US" altLang="zh-CN" dirty="0" err="1"/>
-              <a:t>WeDID</a:t>
-            </a:r>
-            <a:endParaRPr lang="zh-CN" altLang="en-US" dirty="0"/>
-          </a:p>
-        </p:txBody>
-      </p:sp>
-      <p:sp>
-        <p:nvSpPr>
-          <p:cNvPr id="4" name="矩形 3">
-            <a:extLst>
-              <a:ext uri="{FF2B5EF4-FFF2-40B4-BE49-F238E27FC236}">
-                <a16:creationId xmlns:a16="http://schemas.microsoft.com/office/drawing/2014/main" id="{90288FCC-C9B1-FCD5-C690-E651E0C65E29}"/>
-              </a:ext>
-            </a:extLst>
-          </p:cNvPr>
-          <p:cNvSpPr/>
-          <p:nvPr/>
-        </p:nvSpPr>
-        <p:spPr>
-          <a:xfrm>
-            <a:off x="8180326" y="1888016"/>
-            <a:ext cx="2451384" cy="4422098"/>
-          </a:xfrm>
-          <a:prstGeom prst="rect">
-            <a:avLst/>
-          </a:prstGeom>
-          <a:noFill/>
-        </p:spPr>
-        <p:style>
-          <a:lnRef idx="2">
-            <a:schemeClr val="accent1">
-              <a:shade val="50000"/>
-            </a:schemeClr>
-          </a:lnRef>
-          <a:fillRef idx="1">
-            <a:schemeClr val="accent1"/>
-          </a:fillRef>
-          <a:effectRef idx="0">
-            <a:schemeClr val="accent1"/>
-          </a:effectRef>
-          <a:fontRef idx="minor">
-            <a:schemeClr val="lt1"/>
-          </a:fontRef>
-        </p:style>
-        <p:txBody>
-          <a:bodyPr rtlCol="0" anchor="ctr"/>
-          <a:lstStyle/>
-          <a:p>
-            <a:pPr algn="ctr"/>
-            <a:endParaRPr lang="zh-CN" altLang="en-US"/>
-          </a:p>
-        </p:txBody>
-      </p:sp>
-      <p:sp>
-        <p:nvSpPr>
-          <p:cNvPr id="5" name="矩形 4">
-            <a:extLst>
-              <a:ext uri="{FF2B5EF4-FFF2-40B4-BE49-F238E27FC236}">
-                <a16:creationId xmlns:a16="http://schemas.microsoft.com/office/drawing/2014/main" id="{F5FDBF15-1884-BABC-1FAB-ADCC07DC336F}"/>
-              </a:ext>
-            </a:extLst>
-          </p:cNvPr>
-          <p:cNvSpPr/>
-          <p:nvPr/>
-        </p:nvSpPr>
-        <p:spPr>
-          <a:xfrm>
-            <a:off x="8180326" y="1888016"/>
-            <a:ext cx="2451384" cy="317642"/>
-          </a:xfrm>
-          <a:prstGeom prst="rect">
-            <a:avLst/>
-          </a:prstGeom>
-        </p:spPr>
-        <p:style>
-          <a:lnRef idx="2">
-            <a:schemeClr val="accent1">
-              <a:shade val="50000"/>
-            </a:schemeClr>
-          </a:lnRef>
-          <a:fillRef idx="1">
-            <a:schemeClr val="accent1"/>
-          </a:fillRef>
-          <a:effectRef idx="0">
-            <a:schemeClr val="accent1"/>
-          </a:effectRef>
-          <a:fontRef idx="minor">
-            <a:schemeClr val="lt1"/>
-          </a:fontRef>
-        </p:style>
-        <p:txBody>
-          <a:bodyPr rtlCol="0" anchor="ctr"/>
-          <a:lstStyle/>
-          <a:p>
-            <a:pPr algn="ctr"/>
-            <a:r>
-              <a:rPr lang="en-US" altLang="zh-CN" dirty="0" err="1"/>
-              <a:t>DataBase</a:t>
-            </a:r>
-            <a:endParaRPr lang="zh-CN" altLang="en-US" dirty="0"/>
-          </a:p>
-        </p:txBody>
-      </p:sp>
-      <p:sp>
-        <p:nvSpPr>
-          <p:cNvPr id="6" name="椭圆 5">
-            <a:extLst>
-              <a:ext uri="{FF2B5EF4-FFF2-40B4-BE49-F238E27FC236}">
-                <a16:creationId xmlns:a16="http://schemas.microsoft.com/office/drawing/2014/main" id="{36C2C567-5662-B169-94BD-B520B42C31F1}"/>
-              </a:ext>
-            </a:extLst>
-          </p:cNvPr>
-          <p:cNvSpPr/>
-          <p:nvPr/>
-        </p:nvSpPr>
-        <p:spPr>
-          <a:xfrm>
-            <a:off x="4070094" y="3429794"/>
-            <a:ext cx="1404156" cy="484880"/>
-          </a:xfrm>
-          <a:prstGeom prst="ellipse">
-            <a:avLst/>
-          </a:prstGeom>
-          <a:solidFill>
-            <a:schemeClr val="tx1">
-              <a:lumMod val="50000"/>
-            </a:schemeClr>
-          </a:solidFill>
-          <a:ln>
-            <a:noFill/>
-          </a:ln>
-        </p:spPr>
-        <p:style>
-          <a:lnRef idx="2">
-            <a:schemeClr val="accent1">
-              <a:shade val="50000"/>
-            </a:schemeClr>
-          </a:lnRef>
-          <a:fillRef idx="1">
-            <a:schemeClr val="accent1"/>
-          </a:fillRef>
-          <a:effectRef idx="0">
-            <a:schemeClr val="accent1"/>
-          </a:effectRef>
-          <a:fontRef idx="minor">
-            <a:schemeClr val="lt1"/>
-          </a:fontRef>
-        </p:style>
-        <p:txBody>
-          <a:bodyPr rtlCol="0" anchor="ctr"/>
-          <a:lstStyle/>
-          <a:p>
-            <a:pPr algn="ctr"/>
-            <a:r>
-              <a:rPr lang="zh-CN" altLang="en-US" dirty="0"/>
-              <a:t>用户</a:t>
-            </a:r>
-          </a:p>
-        </p:txBody>
-      </p:sp>
-      <p:sp>
-        <p:nvSpPr>
-          <p:cNvPr id="8" name="矩形: 圆角 7">
-            <a:extLst>
-              <a:ext uri="{FF2B5EF4-FFF2-40B4-BE49-F238E27FC236}">
-                <a16:creationId xmlns:a16="http://schemas.microsoft.com/office/drawing/2014/main" id="{1D841C12-A8EB-B422-881D-05F9E5F2533D}"/>
-              </a:ext>
-            </a:extLst>
-          </p:cNvPr>
-          <p:cNvSpPr/>
-          <p:nvPr/>
-        </p:nvSpPr>
-        <p:spPr>
-          <a:xfrm>
-            <a:off x="1426048" y="2567229"/>
-            <a:ext cx="2132429" cy="657413"/>
-          </a:xfrm>
-          <a:prstGeom prst="roundRect">
-            <a:avLst/>
-          </a:prstGeom>
-        </p:spPr>
-        <p:style>
-          <a:lnRef idx="2">
-            <a:schemeClr val="accent1">
-              <a:shade val="50000"/>
-            </a:schemeClr>
-          </a:lnRef>
-          <a:fillRef idx="1">
-            <a:schemeClr val="accent1"/>
-          </a:fillRef>
-          <a:effectRef idx="0">
-            <a:schemeClr val="accent1"/>
-          </a:effectRef>
-          <a:fontRef idx="minor">
-            <a:schemeClr val="lt1"/>
-          </a:fontRef>
-        </p:style>
-        <p:txBody>
-          <a:bodyPr rtlCol="0" anchor="ctr"/>
-          <a:lstStyle/>
-          <a:p>
-            <a:r>
-              <a:rPr lang="en-US" altLang="zh-CN" sz="1400" dirty="0"/>
-              <a:t>4.1</a:t>
-            </a:r>
-            <a:r>
-              <a:rPr lang="zh-CN" altLang="en-US" sz="1400" dirty="0"/>
-              <a:t>创建</a:t>
-            </a:r>
-            <a:r>
-              <a:rPr lang="en-US" altLang="zh-CN" sz="1400" dirty="0"/>
-              <a:t>Profile</a:t>
-            </a:r>
-            <a:r>
-              <a:rPr lang="zh-CN" altLang="en-US" sz="1400" dirty="0"/>
-              <a:t>（多签）（</a:t>
-            </a:r>
-            <a:r>
-              <a:rPr lang="en-US" altLang="zh-CN" sz="1400" dirty="0"/>
-              <a:t>Set Owner=EOA</a:t>
-            </a:r>
-            <a:r>
-              <a:rPr lang="zh-CN" altLang="en-US" sz="1400" dirty="0"/>
-              <a:t>）</a:t>
-            </a:r>
-          </a:p>
-        </p:txBody>
-      </p:sp>
-      <p:cxnSp>
-        <p:nvCxnSpPr>
-          <p:cNvPr id="10" name="直接箭头连接符 9">
-            <a:extLst>
-              <a:ext uri="{FF2B5EF4-FFF2-40B4-BE49-F238E27FC236}">
-                <a16:creationId xmlns:a16="http://schemas.microsoft.com/office/drawing/2014/main" id="{946AB523-8F36-D6AB-5751-4146C50B9BD0}"/>
-              </a:ext>
-            </a:extLst>
-          </p:cNvPr>
-          <p:cNvCxnSpPr>
-            <a:cxnSpLocks/>
-            <a:stCxn id="6" idx="0"/>
-            <a:endCxn id="13" idx="2"/>
-          </p:cNvCxnSpPr>
-          <p:nvPr/>
-        </p:nvCxnSpPr>
-        <p:spPr>
-          <a:xfrm flipV="1">
-            <a:off x="4772172" y="2365889"/>
-            <a:ext cx="0" cy="1063905"/>
-          </a:xfrm>
-          <a:prstGeom prst="straightConnector1">
-            <a:avLst/>
-          </a:prstGeom>
-          <a:ln>
-            <a:tailEnd type="triangle"/>
-          </a:ln>
-        </p:spPr>
-        <p:style>
-          <a:lnRef idx="2">
-            <a:schemeClr val="accent2"/>
-          </a:lnRef>
-          <a:fillRef idx="0">
-            <a:schemeClr val="accent2"/>
-          </a:fillRef>
-          <a:effectRef idx="1">
-            <a:schemeClr val="accent2"/>
-          </a:effectRef>
-          <a:fontRef idx="minor">
-            <a:schemeClr val="tx1"/>
-          </a:fontRef>
-        </p:style>
-      </p:cxnSp>
-      <p:sp>
-        <p:nvSpPr>
-          <p:cNvPr id="13" name="矩形: 圆角 12">
-            <a:extLst>
-              <a:ext uri="{FF2B5EF4-FFF2-40B4-BE49-F238E27FC236}">
-                <a16:creationId xmlns:a16="http://schemas.microsoft.com/office/drawing/2014/main" id="{73B553DD-DFE9-F1E7-7426-A6F5F762B41F}"/>
-              </a:ext>
-            </a:extLst>
-          </p:cNvPr>
-          <p:cNvSpPr/>
-          <p:nvPr/>
-        </p:nvSpPr>
-        <p:spPr>
-          <a:xfrm>
-            <a:off x="3953193" y="1939619"/>
-            <a:ext cx="1637957" cy="426270"/>
-          </a:xfrm>
-          <a:prstGeom prst="roundRect">
-            <a:avLst/>
-          </a:prstGeom>
-        </p:spPr>
-        <p:style>
-          <a:lnRef idx="2">
-            <a:schemeClr val="accent1">
-              <a:shade val="50000"/>
-            </a:schemeClr>
-          </a:lnRef>
-          <a:fillRef idx="1">
-            <a:schemeClr val="accent1"/>
-          </a:fillRef>
-          <a:effectRef idx="0">
-            <a:schemeClr val="accent1"/>
-          </a:effectRef>
-          <a:fontRef idx="minor">
-            <a:schemeClr val="lt1"/>
-          </a:fontRef>
-        </p:style>
-        <p:txBody>
-          <a:bodyPr rtlCol="0" anchor="ctr"/>
-          <a:lstStyle/>
-          <a:p>
-            <a:pPr algn="ctr"/>
-            <a:r>
-              <a:rPr lang="en-US" altLang="zh-CN" sz="1400" dirty="0"/>
-              <a:t>1.</a:t>
-            </a:r>
-            <a:r>
-              <a:rPr lang="zh-CN" altLang="en-US" sz="1400" dirty="0"/>
-              <a:t>离线创建</a:t>
-            </a:r>
-            <a:r>
-              <a:rPr lang="en-US" altLang="zh-CN" sz="1400" dirty="0"/>
-              <a:t>EOA</a:t>
-            </a:r>
-          </a:p>
-        </p:txBody>
-      </p:sp>
-      <p:cxnSp>
-        <p:nvCxnSpPr>
-          <p:cNvPr id="23" name="直接箭头连接符 22">
-            <a:extLst>
-              <a:ext uri="{FF2B5EF4-FFF2-40B4-BE49-F238E27FC236}">
-                <a16:creationId xmlns:a16="http://schemas.microsoft.com/office/drawing/2014/main" id="{498C1142-568E-65B8-B42C-784AA9239787}"/>
-              </a:ext>
-            </a:extLst>
-          </p:cNvPr>
-          <p:cNvCxnSpPr>
-            <a:cxnSpLocks/>
-            <a:stCxn id="13" idx="3"/>
-            <a:endCxn id="1054" idx="1"/>
-          </p:cNvCxnSpPr>
-          <p:nvPr/>
-        </p:nvCxnSpPr>
-        <p:spPr>
-          <a:xfrm>
-            <a:off x="5591150" y="2152754"/>
-            <a:ext cx="289229" cy="0"/>
-          </a:xfrm>
-          <a:prstGeom prst="straightConnector1">
-            <a:avLst/>
-          </a:prstGeom>
-          <a:ln>
-            <a:tailEnd type="triangle"/>
-          </a:ln>
-        </p:spPr>
-        <p:style>
-          <a:lnRef idx="2">
-            <a:schemeClr val="accent2"/>
-          </a:lnRef>
-          <a:fillRef idx="0">
-            <a:schemeClr val="accent2"/>
-          </a:fillRef>
-          <a:effectRef idx="1">
-            <a:schemeClr val="accent2"/>
-          </a:effectRef>
-          <a:fontRef idx="minor">
-            <a:schemeClr val="tx1"/>
-          </a:fontRef>
-        </p:style>
-      </p:cxnSp>
-      <p:sp>
-        <p:nvSpPr>
-          <p:cNvPr id="38" name="矩形: 圆角 37">
-            <a:extLst>
-              <a:ext uri="{FF2B5EF4-FFF2-40B4-BE49-F238E27FC236}">
-                <a16:creationId xmlns:a16="http://schemas.microsoft.com/office/drawing/2014/main" id="{1546C8EE-C2F8-19FD-DF74-B67793AD7131}"/>
-              </a:ext>
-            </a:extLst>
-          </p:cNvPr>
-          <p:cNvSpPr/>
-          <p:nvPr/>
-        </p:nvSpPr>
-        <p:spPr>
-          <a:xfrm>
-            <a:off x="1426048" y="4214017"/>
-            <a:ext cx="2132429" cy="657413"/>
-          </a:xfrm>
-          <a:prstGeom prst="roundRect">
-            <a:avLst/>
-          </a:prstGeom>
-        </p:spPr>
-        <p:style>
-          <a:lnRef idx="2">
-            <a:schemeClr val="accent1">
-              <a:shade val="50000"/>
-            </a:schemeClr>
-          </a:lnRef>
-          <a:fillRef idx="1">
-            <a:schemeClr val="accent1"/>
-          </a:fillRef>
-          <a:effectRef idx="0">
-            <a:schemeClr val="accent1"/>
-          </a:effectRef>
-          <a:fontRef idx="minor">
-            <a:schemeClr val="lt1"/>
-          </a:fontRef>
-        </p:style>
-        <p:txBody>
-          <a:bodyPr rtlCol="0" anchor="ctr"/>
-          <a:lstStyle/>
-          <a:p>
-            <a:pPr algn="ctr"/>
-            <a:r>
-              <a:rPr lang="en-US" altLang="zh-CN" sz="1400" dirty="0"/>
-              <a:t>5.</a:t>
-            </a:r>
-            <a:r>
-              <a:rPr lang="zh-CN" altLang="en-US" sz="1400" dirty="0"/>
-              <a:t>在</a:t>
-            </a:r>
-            <a:r>
-              <a:rPr lang="en-US" altLang="zh-CN" sz="1400" dirty="0"/>
-              <a:t>Profile</a:t>
-            </a:r>
-            <a:r>
-              <a:rPr lang="zh-CN" altLang="en-US" sz="1400" dirty="0"/>
-              <a:t>中更新实名或认证类信息</a:t>
-            </a:r>
-          </a:p>
-        </p:txBody>
-      </p:sp>
-      <p:cxnSp>
-        <p:nvCxnSpPr>
-          <p:cNvPr id="39" name="直接箭头连接符 38">
-            <a:extLst>
-              <a:ext uri="{FF2B5EF4-FFF2-40B4-BE49-F238E27FC236}">
-                <a16:creationId xmlns:a16="http://schemas.microsoft.com/office/drawing/2014/main" id="{BC39A2E3-6B6B-EE18-D94B-81791E689421}"/>
-              </a:ext>
-            </a:extLst>
-          </p:cNvPr>
-          <p:cNvCxnSpPr>
-            <a:cxnSpLocks/>
-            <a:stCxn id="1109" idx="2"/>
-          </p:cNvCxnSpPr>
-          <p:nvPr/>
-        </p:nvCxnSpPr>
-        <p:spPr>
-          <a:xfrm flipH="1">
-            <a:off x="5375126" y="4628990"/>
-            <a:ext cx="759018" cy="0"/>
-          </a:xfrm>
-          <a:prstGeom prst="straightConnector1">
-            <a:avLst/>
-          </a:prstGeom>
-          <a:ln>
-            <a:solidFill>
-              <a:srgbClr val="00B050"/>
-            </a:solidFill>
-            <a:prstDash val="sysDash"/>
-            <a:tailEnd type="triangle"/>
-          </a:ln>
-        </p:spPr>
-        <p:style>
-          <a:lnRef idx="2">
-            <a:schemeClr val="accent2"/>
-          </a:lnRef>
-          <a:fillRef idx="0">
-            <a:schemeClr val="accent2"/>
-          </a:fillRef>
-          <a:effectRef idx="1">
-            <a:schemeClr val="accent2"/>
-          </a:effectRef>
-          <a:fontRef idx="minor">
-            <a:schemeClr val="tx1"/>
-          </a:fontRef>
-        </p:style>
-      </p:cxnSp>
-      <p:sp>
-        <p:nvSpPr>
-          <p:cNvPr id="1054" name="矩形: 圆角 1053">
-            <a:extLst>
-              <a:ext uri="{FF2B5EF4-FFF2-40B4-BE49-F238E27FC236}">
-                <a16:creationId xmlns:a16="http://schemas.microsoft.com/office/drawing/2014/main" id="{08A49507-8D9F-6809-0C24-B0909071965B}"/>
-              </a:ext>
-            </a:extLst>
-          </p:cNvPr>
-          <p:cNvSpPr/>
-          <p:nvPr/>
-        </p:nvSpPr>
-        <p:spPr>
-          <a:xfrm>
-            <a:off x="5880379" y="1939618"/>
-            <a:ext cx="1892741" cy="426271"/>
-          </a:xfrm>
-          <a:prstGeom prst="roundRect">
-            <a:avLst/>
-          </a:prstGeom>
-        </p:spPr>
-        <p:style>
-          <a:lnRef idx="2">
-            <a:schemeClr val="accent1">
-              <a:shade val="50000"/>
-            </a:schemeClr>
-          </a:lnRef>
-          <a:fillRef idx="1">
-            <a:schemeClr val="accent1"/>
-          </a:fillRef>
-          <a:effectRef idx="0">
-            <a:schemeClr val="accent1"/>
-          </a:effectRef>
-          <a:fontRef idx="minor">
-            <a:schemeClr val="lt1"/>
-          </a:fontRef>
-        </p:style>
-        <p:txBody>
-          <a:bodyPr rtlCol="0" anchor="ctr"/>
-          <a:lstStyle/>
-          <a:p>
-            <a:pPr algn="ctr"/>
-            <a:r>
-              <a:rPr lang="en-US" altLang="zh-CN" sz="1400" dirty="0"/>
-              <a:t>2.</a:t>
-            </a:r>
-            <a:r>
-              <a:rPr lang="zh-CN" altLang="en-US" sz="1400" dirty="0"/>
-              <a:t>设置二级恢复密码</a:t>
-            </a:r>
-          </a:p>
-        </p:txBody>
-      </p:sp>
-      <p:sp>
-        <p:nvSpPr>
-          <p:cNvPr id="1070" name="矩形: 圆角 1069">
-            <a:extLst>
-              <a:ext uri="{FF2B5EF4-FFF2-40B4-BE49-F238E27FC236}">
-                <a16:creationId xmlns:a16="http://schemas.microsoft.com/office/drawing/2014/main" id="{7AEA5CFA-60B9-5715-48AA-D0FB579C7A46}"/>
-              </a:ext>
-            </a:extLst>
-          </p:cNvPr>
-          <p:cNvSpPr/>
-          <p:nvPr/>
-        </p:nvSpPr>
-        <p:spPr>
-          <a:xfrm>
-            <a:off x="8399462" y="2353121"/>
-            <a:ext cx="2132429" cy="657413"/>
-          </a:xfrm>
-          <a:prstGeom prst="roundRect">
-            <a:avLst/>
-          </a:prstGeom>
-        </p:spPr>
-        <p:style>
-          <a:lnRef idx="2">
-            <a:schemeClr val="accent1">
-              <a:shade val="50000"/>
-            </a:schemeClr>
-          </a:lnRef>
-          <a:fillRef idx="1">
-            <a:schemeClr val="accent1"/>
-          </a:fillRef>
-          <a:effectRef idx="0">
-            <a:schemeClr val="accent1"/>
-          </a:effectRef>
-          <a:fontRef idx="minor">
-            <a:schemeClr val="lt1"/>
-          </a:fontRef>
-        </p:style>
-        <p:txBody>
-          <a:bodyPr rtlCol="0" anchor="ctr"/>
-          <a:lstStyle/>
-          <a:p>
-            <a:pPr algn="ctr"/>
-            <a:r>
-              <a:rPr lang="en-US" altLang="zh-CN" sz="1400" dirty="0"/>
-              <a:t>3.</a:t>
-            </a:r>
-            <a:r>
-              <a:rPr lang="zh-CN" altLang="en-US" sz="1400" dirty="0"/>
-              <a:t>恢复密码及</a:t>
-            </a:r>
-            <a:r>
-              <a:rPr lang="en-US" altLang="zh-CN" sz="1400" dirty="0"/>
-              <a:t>EOA </a:t>
-            </a:r>
-            <a:r>
-              <a:rPr lang="zh-CN" altLang="en-US" sz="1400" dirty="0"/>
-              <a:t>地址入库</a:t>
-            </a:r>
-          </a:p>
-        </p:txBody>
-      </p:sp>
-      <p:cxnSp>
-        <p:nvCxnSpPr>
-          <p:cNvPr id="1071" name="直接箭头连接符 1070">
-            <a:extLst>
-              <a:ext uri="{FF2B5EF4-FFF2-40B4-BE49-F238E27FC236}">
-                <a16:creationId xmlns:a16="http://schemas.microsoft.com/office/drawing/2014/main" id="{6268A8CE-9569-C63D-1B95-43324CB37EFA}"/>
-              </a:ext>
-            </a:extLst>
-          </p:cNvPr>
-          <p:cNvCxnSpPr>
-            <a:cxnSpLocks/>
-            <a:stCxn id="1054" idx="3"/>
-            <a:endCxn id="1070" idx="1"/>
-          </p:cNvCxnSpPr>
-          <p:nvPr/>
-        </p:nvCxnSpPr>
-        <p:spPr>
-          <a:xfrm>
-            <a:off x="7773120" y="2152754"/>
-            <a:ext cx="626342" cy="529074"/>
-          </a:xfrm>
-          <a:prstGeom prst="straightConnector1">
-            <a:avLst/>
-          </a:prstGeom>
-          <a:ln>
-            <a:tailEnd type="triangle"/>
-          </a:ln>
-        </p:spPr>
-        <p:style>
-          <a:lnRef idx="2">
-            <a:schemeClr val="accent2"/>
-          </a:lnRef>
-          <a:fillRef idx="0">
-            <a:schemeClr val="accent2"/>
-          </a:fillRef>
-          <a:effectRef idx="1">
-            <a:schemeClr val="accent2"/>
-          </a:effectRef>
-          <a:fontRef idx="minor">
-            <a:schemeClr val="tx1"/>
-          </a:fontRef>
-        </p:style>
-      </p:cxnSp>
-      <p:cxnSp>
-        <p:nvCxnSpPr>
-          <p:cNvPr id="1074" name="直接箭头连接符 1073">
-            <a:extLst>
-              <a:ext uri="{FF2B5EF4-FFF2-40B4-BE49-F238E27FC236}">
-                <a16:creationId xmlns:a16="http://schemas.microsoft.com/office/drawing/2014/main" id="{5684B84C-BB6B-8FEC-0238-248984D75B91}"/>
-              </a:ext>
-            </a:extLst>
-          </p:cNvPr>
-          <p:cNvCxnSpPr>
-            <a:cxnSpLocks/>
-            <a:stCxn id="1070" idx="1"/>
-            <a:endCxn id="1081" idx="6"/>
-          </p:cNvCxnSpPr>
-          <p:nvPr/>
-        </p:nvCxnSpPr>
-        <p:spPr>
-          <a:xfrm flipH="1">
-            <a:off x="7528828" y="2681828"/>
-            <a:ext cx="870634" cy="216013"/>
-          </a:xfrm>
-          <a:prstGeom prst="straightConnector1">
-            <a:avLst/>
-          </a:prstGeom>
-          <a:ln>
-            <a:tailEnd type="triangle"/>
-          </a:ln>
-        </p:spPr>
-        <p:style>
-          <a:lnRef idx="2">
-            <a:schemeClr val="accent2"/>
-          </a:lnRef>
-          <a:fillRef idx="0">
-            <a:schemeClr val="accent2"/>
-          </a:fillRef>
-          <a:effectRef idx="1">
-            <a:schemeClr val="accent2"/>
-          </a:effectRef>
-          <a:fontRef idx="minor">
-            <a:schemeClr val="tx1"/>
-          </a:fontRef>
-        </p:style>
-      </p:cxnSp>
-      <p:sp>
-        <p:nvSpPr>
-          <p:cNvPr id="1081" name="椭圆 1080">
-            <a:extLst>
-              <a:ext uri="{FF2B5EF4-FFF2-40B4-BE49-F238E27FC236}">
-                <a16:creationId xmlns:a16="http://schemas.microsoft.com/office/drawing/2014/main" id="{5D9009CA-7A7A-D36F-2CD7-BA45BC865B05}"/>
-              </a:ext>
-            </a:extLst>
-          </p:cNvPr>
-          <p:cNvSpPr/>
-          <p:nvPr/>
-        </p:nvSpPr>
-        <p:spPr>
-          <a:xfrm>
-            <a:off x="6124672" y="2655401"/>
-            <a:ext cx="1404156" cy="484880"/>
-          </a:xfrm>
-          <a:prstGeom prst="ellipse">
-            <a:avLst/>
-          </a:prstGeom>
-          <a:solidFill>
-            <a:srgbClr val="0070C0"/>
-          </a:solidFill>
-          <a:ln>
-            <a:noFill/>
-          </a:ln>
-        </p:spPr>
-        <p:style>
-          <a:lnRef idx="2">
-            <a:schemeClr val="accent1">
-              <a:shade val="50000"/>
-            </a:schemeClr>
-          </a:lnRef>
-          <a:fillRef idx="1">
-            <a:schemeClr val="accent1"/>
-          </a:fillRef>
-          <a:effectRef idx="0">
-            <a:schemeClr val="accent1"/>
-          </a:effectRef>
-          <a:fontRef idx="minor">
-            <a:schemeClr val="lt1"/>
-          </a:fontRef>
-        </p:style>
-        <p:txBody>
-          <a:bodyPr rtlCol="0" anchor="ctr"/>
-          <a:lstStyle/>
-          <a:p>
-            <a:pPr algn="ctr"/>
-            <a:r>
-              <a:rPr lang="zh-CN" altLang="en-US" dirty="0"/>
-              <a:t>运营方</a:t>
-            </a:r>
-          </a:p>
-        </p:txBody>
-      </p:sp>
-      <p:cxnSp>
-        <p:nvCxnSpPr>
-          <p:cNvPr id="1091" name="直接箭头连接符 1090">
-            <a:extLst>
-              <a:ext uri="{FF2B5EF4-FFF2-40B4-BE49-F238E27FC236}">
-                <a16:creationId xmlns:a16="http://schemas.microsoft.com/office/drawing/2014/main" id="{33914C1D-2024-5498-7465-06B6EDED1423}"/>
-              </a:ext>
-            </a:extLst>
-          </p:cNvPr>
-          <p:cNvCxnSpPr>
-            <a:cxnSpLocks/>
-            <a:stCxn id="1081" idx="2"/>
-            <a:endCxn id="8" idx="3"/>
-          </p:cNvCxnSpPr>
-          <p:nvPr/>
-        </p:nvCxnSpPr>
-        <p:spPr>
-          <a:xfrm flipH="1" flipV="1">
-            <a:off x="3558477" y="2895936"/>
-            <a:ext cx="2566195" cy="1905"/>
-          </a:xfrm>
-          <a:prstGeom prst="straightConnector1">
-            <a:avLst/>
-          </a:prstGeom>
-          <a:ln>
-            <a:tailEnd type="triangle"/>
-          </a:ln>
-        </p:spPr>
-        <p:style>
-          <a:lnRef idx="2">
-            <a:schemeClr val="accent2"/>
-          </a:lnRef>
-          <a:fillRef idx="0">
-            <a:schemeClr val="accent2"/>
-          </a:fillRef>
-          <a:effectRef idx="1">
-            <a:schemeClr val="accent2"/>
-          </a:effectRef>
-          <a:fontRef idx="minor">
-            <a:schemeClr val="tx1"/>
-          </a:fontRef>
-        </p:style>
-      </p:cxnSp>
-      <p:cxnSp>
-        <p:nvCxnSpPr>
-          <p:cNvPr id="1102" name="直接箭头连接符 1101">
-            <a:extLst>
-              <a:ext uri="{FF2B5EF4-FFF2-40B4-BE49-F238E27FC236}">
-                <a16:creationId xmlns:a16="http://schemas.microsoft.com/office/drawing/2014/main" id="{2583553A-31B0-DB38-B3AE-47734FA506A7}"/>
-              </a:ext>
-            </a:extLst>
-          </p:cNvPr>
-          <p:cNvCxnSpPr>
-            <a:cxnSpLocks/>
-            <a:stCxn id="1081" idx="4"/>
-            <a:endCxn id="1105" idx="0"/>
-          </p:cNvCxnSpPr>
-          <p:nvPr/>
-        </p:nvCxnSpPr>
-        <p:spPr>
-          <a:xfrm>
-            <a:off x="6826750" y="3140281"/>
-            <a:ext cx="538" cy="345853"/>
-          </a:xfrm>
-          <a:prstGeom prst="straightConnector1">
-            <a:avLst/>
-          </a:prstGeom>
-          <a:ln>
-            <a:tailEnd type="triangle"/>
-          </a:ln>
-        </p:spPr>
-        <p:style>
-          <a:lnRef idx="2">
-            <a:schemeClr val="accent2"/>
-          </a:lnRef>
-          <a:fillRef idx="0">
-            <a:schemeClr val="accent2"/>
-          </a:fillRef>
-          <a:effectRef idx="1">
-            <a:schemeClr val="accent2"/>
-          </a:effectRef>
-          <a:fontRef idx="minor">
-            <a:schemeClr val="tx1"/>
-          </a:fontRef>
-        </p:style>
-      </p:cxnSp>
-      <p:sp>
-        <p:nvSpPr>
-          <p:cNvPr id="1105" name="矩形: 圆角 1104">
-            <a:extLst>
-              <a:ext uri="{FF2B5EF4-FFF2-40B4-BE49-F238E27FC236}">
-                <a16:creationId xmlns:a16="http://schemas.microsoft.com/office/drawing/2014/main" id="{789C84B3-2DEE-89EA-E2B0-31F0C5AF3C28}"/>
-              </a:ext>
-            </a:extLst>
-          </p:cNvPr>
-          <p:cNvSpPr/>
-          <p:nvPr/>
-        </p:nvSpPr>
-        <p:spPr>
-          <a:xfrm>
-            <a:off x="6008309" y="3486134"/>
-            <a:ext cx="1637957" cy="426270"/>
-          </a:xfrm>
-          <a:prstGeom prst="roundRect">
-            <a:avLst/>
-          </a:prstGeom>
-        </p:spPr>
-        <p:style>
-          <a:lnRef idx="2">
-            <a:schemeClr val="accent1">
-              <a:shade val="50000"/>
-            </a:schemeClr>
-          </a:lnRef>
-          <a:fillRef idx="1">
-            <a:schemeClr val="accent1"/>
-          </a:fillRef>
-          <a:effectRef idx="0">
-            <a:schemeClr val="accent1"/>
-          </a:effectRef>
-          <a:fontRef idx="minor">
-            <a:schemeClr val="lt1"/>
-          </a:fontRef>
-        </p:style>
-        <p:txBody>
-          <a:bodyPr rtlCol="0" anchor="ctr"/>
-          <a:lstStyle/>
-          <a:p>
-            <a:pPr algn="ctr"/>
-            <a:r>
-              <a:rPr lang="en-US" altLang="zh-CN" sz="1400" dirty="0"/>
-              <a:t>4.2</a:t>
-            </a:r>
-            <a:r>
-              <a:rPr lang="zh-CN" altLang="en-US" sz="1400" dirty="0"/>
-              <a:t>转入燃料费</a:t>
-            </a:r>
-            <a:endParaRPr lang="en-US" altLang="zh-CN" sz="1400" dirty="0"/>
-          </a:p>
-        </p:txBody>
-      </p:sp>
-      <p:sp>
-        <p:nvSpPr>
-          <p:cNvPr id="1109" name="椭圆 1108">
-            <a:extLst>
-              <a:ext uri="{FF2B5EF4-FFF2-40B4-BE49-F238E27FC236}">
-                <a16:creationId xmlns:a16="http://schemas.microsoft.com/office/drawing/2014/main" id="{9FF0E0ED-A110-CD2C-4577-C83274E5BC33}"/>
-              </a:ext>
-            </a:extLst>
-          </p:cNvPr>
-          <p:cNvSpPr/>
-          <p:nvPr/>
-        </p:nvSpPr>
-        <p:spPr>
-          <a:xfrm>
-            <a:off x="6134144" y="4386550"/>
-            <a:ext cx="1404156" cy="484880"/>
-          </a:xfrm>
-          <a:prstGeom prst="ellipse">
-            <a:avLst/>
-          </a:prstGeom>
-          <a:solidFill>
-            <a:srgbClr val="FEA402"/>
-          </a:solidFill>
-          <a:ln>
-            <a:noFill/>
-          </a:ln>
-        </p:spPr>
-        <p:style>
-          <a:lnRef idx="2">
-            <a:schemeClr val="accent1">
-              <a:shade val="50000"/>
-            </a:schemeClr>
-          </a:lnRef>
-          <a:fillRef idx="1">
-            <a:schemeClr val="accent1"/>
-          </a:fillRef>
-          <a:effectRef idx="0">
-            <a:schemeClr val="accent1"/>
-          </a:effectRef>
-          <a:fontRef idx="minor">
-            <a:schemeClr val="lt1"/>
-          </a:fontRef>
-        </p:style>
-        <p:txBody>
-          <a:bodyPr rtlCol="0" anchor="ctr"/>
-          <a:lstStyle/>
-          <a:p>
-            <a:pPr algn="ctr"/>
-            <a:r>
-              <a:rPr lang="zh-CN" altLang="en-US" dirty="0"/>
-              <a:t>用户</a:t>
-            </a:r>
-            <a:r>
-              <a:rPr lang="en-US" altLang="zh-CN" dirty="0"/>
-              <a:t>EOA</a:t>
-            </a:r>
-            <a:endParaRPr lang="zh-CN" altLang="en-US" dirty="0"/>
-          </a:p>
-        </p:txBody>
-      </p:sp>
-      <p:cxnSp>
-        <p:nvCxnSpPr>
-          <p:cNvPr id="1110" name="直接箭头连接符 1109">
-            <a:extLst>
-              <a:ext uri="{FF2B5EF4-FFF2-40B4-BE49-F238E27FC236}">
-                <a16:creationId xmlns:a16="http://schemas.microsoft.com/office/drawing/2014/main" id="{2FBE0F38-3D4C-8CA4-9C56-9B5F04FFE358}"/>
-              </a:ext>
-            </a:extLst>
-          </p:cNvPr>
-          <p:cNvCxnSpPr>
-            <a:cxnSpLocks/>
-            <a:stCxn id="1105" idx="2"/>
-            <a:endCxn id="1109" idx="0"/>
-          </p:cNvCxnSpPr>
-          <p:nvPr/>
-        </p:nvCxnSpPr>
-        <p:spPr>
-          <a:xfrm>
-            <a:off x="6827288" y="3912404"/>
-            <a:ext cx="8934" cy="474146"/>
-          </a:xfrm>
-          <a:prstGeom prst="straightConnector1">
-            <a:avLst/>
-          </a:prstGeom>
-          <a:ln>
-            <a:tailEnd type="triangle"/>
-          </a:ln>
-        </p:spPr>
-        <p:style>
-          <a:lnRef idx="2">
-            <a:schemeClr val="accent2"/>
-          </a:lnRef>
-          <a:fillRef idx="0">
-            <a:schemeClr val="accent2"/>
-          </a:fillRef>
-          <a:effectRef idx="1">
-            <a:schemeClr val="accent2"/>
-          </a:effectRef>
-          <a:fontRef idx="minor">
-            <a:schemeClr val="tx1"/>
-          </a:fontRef>
-        </p:style>
-      </p:cxnSp>
-      <p:sp>
-        <p:nvSpPr>
-          <p:cNvPr id="1117" name="矩形: 圆角 1116">
-            <a:extLst>
-              <a:ext uri="{FF2B5EF4-FFF2-40B4-BE49-F238E27FC236}">
-                <a16:creationId xmlns:a16="http://schemas.microsoft.com/office/drawing/2014/main" id="{A6F88F71-5215-761B-FE82-AC5F233B2751}"/>
-              </a:ext>
-            </a:extLst>
-          </p:cNvPr>
-          <p:cNvSpPr/>
-          <p:nvPr/>
-        </p:nvSpPr>
-        <p:spPr>
-          <a:xfrm>
-            <a:off x="1441623" y="5048503"/>
-            <a:ext cx="2132429" cy="657413"/>
-          </a:xfrm>
-          <a:prstGeom prst="roundRect">
-            <a:avLst/>
-          </a:prstGeom>
-        </p:spPr>
-        <p:style>
-          <a:lnRef idx="2">
-            <a:schemeClr val="accent1">
-              <a:shade val="50000"/>
-            </a:schemeClr>
-          </a:lnRef>
-          <a:fillRef idx="1">
-            <a:schemeClr val="accent1"/>
-          </a:fillRef>
-          <a:effectRef idx="0">
-            <a:schemeClr val="accent1"/>
-          </a:effectRef>
-          <a:fontRef idx="minor">
-            <a:schemeClr val="lt1"/>
-          </a:fontRef>
-        </p:style>
-        <p:txBody>
-          <a:bodyPr rtlCol="0" anchor="ctr"/>
-          <a:lstStyle/>
-          <a:p>
-            <a:pPr algn="ctr"/>
-            <a:r>
-              <a:rPr lang="en-US" altLang="zh-CN" sz="1400" dirty="0"/>
-              <a:t>6.</a:t>
-            </a:r>
-            <a:r>
-              <a:rPr lang="zh-CN" altLang="en-US" sz="1400" dirty="0"/>
-              <a:t>链上互动</a:t>
-            </a:r>
-          </a:p>
-        </p:txBody>
-      </p:sp>
-      <p:sp>
-        <p:nvSpPr>
-          <p:cNvPr id="1123" name="箭头: 下 1122">
-            <a:extLst>
-              <a:ext uri="{FF2B5EF4-FFF2-40B4-BE49-F238E27FC236}">
-                <a16:creationId xmlns:a16="http://schemas.microsoft.com/office/drawing/2014/main" id="{DCFC3BF5-8795-A0C0-FEC0-42762CE47CED}"/>
-              </a:ext>
-            </a:extLst>
-          </p:cNvPr>
-          <p:cNvSpPr/>
-          <p:nvPr/>
-        </p:nvSpPr>
-        <p:spPr>
-          <a:xfrm>
-            <a:off x="2283227" y="3469508"/>
-            <a:ext cx="366266" cy="437315"/>
-          </a:xfrm>
-          <a:prstGeom prst="downArrow">
-            <a:avLst/>
-          </a:prstGeom>
-        </p:spPr>
-        <p:style>
-          <a:lnRef idx="2">
-            <a:schemeClr val="accent1">
-              <a:shade val="50000"/>
-            </a:schemeClr>
-          </a:lnRef>
-          <a:fillRef idx="1">
-            <a:schemeClr val="accent1"/>
-          </a:fillRef>
-          <a:effectRef idx="0">
-            <a:schemeClr val="accent1"/>
-          </a:effectRef>
-          <a:fontRef idx="minor">
-            <a:schemeClr val="lt1"/>
-          </a:fontRef>
-        </p:style>
-        <p:txBody>
-          <a:bodyPr rtlCol="0" anchor="ctr"/>
-          <a:lstStyle/>
-          <a:p>
-            <a:pPr algn="ctr"/>
-            <a:endParaRPr lang="zh-CN" altLang="en-US"/>
-          </a:p>
-        </p:txBody>
-      </p:sp>
-      <p:sp>
-        <p:nvSpPr>
-          <p:cNvPr id="1132" name="矩形: 圆角 1131">
-            <a:extLst>
-              <a:ext uri="{FF2B5EF4-FFF2-40B4-BE49-F238E27FC236}">
-                <a16:creationId xmlns:a16="http://schemas.microsoft.com/office/drawing/2014/main" id="{9677782B-4119-F546-232A-A0B981F73B88}"/>
-              </a:ext>
-            </a:extLst>
-          </p:cNvPr>
-          <p:cNvSpPr/>
-          <p:nvPr/>
-        </p:nvSpPr>
-        <p:spPr>
-          <a:xfrm>
-            <a:off x="4070094" y="4446627"/>
-            <a:ext cx="1284362" cy="426270"/>
-          </a:xfrm>
-          <a:prstGeom prst="roundRect">
-            <a:avLst/>
-          </a:prstGeom>
-        </p:spPr>
-        <p:style>
-          <a:lnRef idx="2">
-            <a:schemeClr val="accent1">
-              <a:shade val="50000"/>
-            </a:schemeClr>
-          </a:lnRef>
-          <a:fillRef idx="1">
-            <a:schemeClr val="accent1"/>
-          </a:fillRef>
-          <a:effectRef idx="0">
-            <a:schemeClr val="accent1"/>
-          </a:effectRef>
-          <a:fontRef idx="minor">
-            <a:schemeClr val="lt1"/>
-          </a:fontRef>
-        </p:style>
-        <p:txBody>
-          <a:bodyPr rtlCol="0" anchor="ctr"/>
-          <a:lstStyle/>
-          <a:p>
-            <a:pPr algn="ctr"/>
-            <a:r>
-              <a:rPr lang="en-US" altLang="zh-CN" sz="1400" dirty="0"/>
-              <a:t>5.</a:t>
-            </a:r>
-            <a:r>
-              <a:rPr lang="zh-CN" altLang="en-US" sz="1400" dirty="0"/>
-              <a:t>委托调用</a:t>
-            </a:r>
-            <a:endParaRPr lang="en-US" altLang="zh-CN" sz="1400" dirty="0"/>
-          </a:p>
-        </p:txBody>
-      </p:sp>
-      <p:cxnSp>
-        <p:nvCxnSpPr>
-          <p:cNvPr id="1133" name="直接箭头连接符 1132">
-            <a:extLst>
-              <a:ext uri="{FF2B5EF4-FFF2-40B4-BE49-F238E27FC236}">
-                <a16:creationId xmlns:a16="http://schemas.microsoft.com/office/drawing/2014/main" id="{0B92D55B-08AD-B659-A3ED-78204CAC96EA}"/>
-              </a:ext>
-            </a:extLst>
-          </p:cNvPr>
-          <p:cNvCxnSpPr>
-            <a:cxnSpLocks/>
-            <a:stCxn id="1132" idx="1"/>
-            <a:endCxn id="8" idx="2"/>
-          </p:cNvCxnSpPr>
-          <p:nvPr/>
-        </p:nvCxnSpPr>
-        <p:spPr>
-          <a:xfrm flipH="1" flipV="1">
-            <a:off x="2492263" y="3224642"/>
-            <a:ext cx="1577831" cy="1435120"/>
-          </a:xfrm>
-          <a:prstGeom prst="straightConnector1">
-            <a:avLst/>
-          </a:prstGeom>
-          <a:ln>
-            <a:solidFill>
-              <a:srgbClr val="00B050"/>
-            </a:solidFill>
-            <a:prstDash val="sysDash"/>
-            <a:tailEnd type="triangle"/>
-          </a:ln>
-        </p:spPr>
-        <p:style>
-          <a:lnRef idx="2">
-            <a:schemeClr val="accent2"/>
-          </a:lnRef>
-          <a:fillRef idx="0">
-            <a:schemeClr val="accent2"/>
-          </a:fillRef>
-          <a:effectRef idx="1">
-            <a:schemeClr val="accent2"/>
-          </a:effectRef>
-          <a:fontRef idx="minor">
-            <a:schemeClr val="tx1"/>
-          </a:fontRef>
-        </p:style>
-      </p:cxnSp>
-      <p:sp>
-        <p:nvSpPr>
-          <p:cNvPr id="1137" name="对话气泡: 矩形 1136">
-            <a:extLst>
-              <a:ext uri="{FF2B5EF4-FFF2-40B4-BE49-F238E27FC236}">
-                <a16:creationId xmlns:a16="http://schemas.microsoft.com/office/drawing/2014/main" id="{14B297B4-3548-9859-9019-B482DC75EC52}"/>
-              </a:ext>
-            </a:extLst>
-          </p:cNvPr>
-          <p:cNvSpPr/>
-          <p:nvPr/>
-        </p:nvSpPr>
-        <p:spPr>
-          <a:xfrm>
-            <a:off x="4070094" y="5157986"/>
-            <a:ext cx="3825312" cy="1152128"/>
+            <a:off x="838622" y="1845618"/>
+            <a:ext cx="5112568" cy="4504512"/>
           </a:xfrm>
           <a:prstGeom prst="wedgeRectCallout">
             <a:avLst>
-              <a:gd name="adj1" fmla="val -21588"/>
-              <a:gd name="adj2" fmla="val -68663"/>
+              <a:gd name="adj1" fmla="val 53396"/>
+              <a:gd name="adj2" fmla="val -11542"/>
             </a:avLst>
           </a:prstGeom>
           <a:noFill/>
@@ -7632,18 +10143,78 @@
           </a:fontRef>
         </p:style>
         <p:txBody>
-          <a:bodyPr rtlCol="0" anchor="ctr"/>
+          <a:bodyPr rtlCol="0" anchor="t"/>
           <a:lstStyle/>
           <a:p>
             <a:r>
-              <a:rPr lang="en-US" altLang="zh-CN" dirty="0">
+              <a:rPr lang="en-US" altLang="zh-CN" b="1" dirty="0" err="1">
+                <a:solidFill>
+                  <a:schemeClr val="accent4"/>
+                </a:solidFill>
+              </a:rPr>
+              <a:t>Evm</a:t>
+            </a:r>
+            <a:r>
+              <a:rPr lang="zh-CN" altLang="en-US" b="1" dirty="0">
+                <a:solidFill>
+                  <a:schemeClr val="accent4"/>
+                </a:solidFill>
+              </a:rPr>
+              <a:t>共识层</a:t>
+            </a:r>
+            <a:endParaRPr lang="en-US" altLang="zh-CN" b="1" dirty="0">
+              <a:solidFill>
+                <a:schemeClr val="accent4"/>
+              </a:solidFill>
+            </a:endParaRPr>
+          </a:p>
+          <a:p>
+            <a:pPr marL="285750" indent="-285750">
+              <a:buFont typeface="Arial" panose="020B0604020202020204" pitchFamily="34" charset="0"/>
+              <a:buChar char="•"/>
+            </a:pPr>
+            <a:r>
+              <a:rPr lang="zh-CN" altLang="en-US" dirty="0">
                 <a:solidFill>
                   <a:schemeClr val="tx1">
                     <a:lumMod val="75000"/>
                   </a:schemeClr>
                 </a:solidFill>
               </a:rPr>
-              <a:t>Profile</a:t>
+              <a:t>可在任何时候嵌入审查模块，针对来源、目标、转移、传递数据进行审查；</a:t>
+            </a:r>
+            <a:endParaRPr lang="en-US" altLang="zh-CN" dirty="0">
+              <a:solidFill>
+                <a:schemeClr val="tx1">
+                  <a:lumMod val="75000"/>
+                </a:schemeClr>
+              </a:solidFill>
+            </a:endParaRPr>
+          </a:p>
+          <a:p>
+            <a:pPr marL="285750" indent="-285750">
+              <a:buFont typeface="Arial" panose="020B0604020202020204" pitchFamily="34" charset="0"/>
+              <a:buChar char="•"/>
+            </a:pPr>
+            <a:r>
+              <a:rPr lang="zh-CN" altLang="en-US" dirty="0">
+                <a:solidFill>
+                  <a:schemeClr val="tx1">
+                    <a:lumMod val="75000"/>
+                  </a:schemeClr>
+                </a:solidFill>
+              </a:rPr>
+              <a:t>使用</a:t>
+            </a:r>
+            <a:r>
+              <a:rPr lang="en-US" altLang="zh-CN" dirty="0">
+                <a:solidFill>
+                  <a:schemeClr val="tx1">
+                    <a:lumMod val="75000"/>
+                  </a:schemeClr>
+                </a:solidFill>
+              </a:rPr>
+              <a:t>Solidity</a:t>
             </a:r>
             <a:r>
               <a:rPr lang="zh-CN" altLang="en-US" dirty="0">
@@ -7653,17 +10224,17 @@
                   </a:schemeClr>
                 </a:solidFill>
               </a:rPr>
-              <a:t>即为兼容</a:t>
+              <a:t>或</a:t>
             </a:r>
             <a:r>
-              <a:rPr lang="en-US" altLang="zh-CN" dirty="0">
+              <a:rPr lang="en-US" altLang="zh-CN" dirty="0" err="1">
                 <a:solidFill>
                   <a:schemeClr val="tx1">
                     <a:lumMod val="75000"/>
                   </a:schemeClr>
                 </a:solidFill>
               </a:rPr>
-              <a:t>EIP4337</a:t>
+              <a:t>Wasm</a:t>
             </a:r>
             <a:r>
               <a:rPr lang="zh-CN" altLang="en-US" dirty="0">
@@ -7673,18 +10244,44 @@
                   </a:schemeClr>
                 </a:solidFill>
               </a:rPr>
-              <a:t>的合约，</a:t>
+              <a:t>智能合约进行开发，可灵活升级；</a:t>
             </a:r>
+            <a:endParaRPr lang="en-US" altLang="zh-CN" dirty="0">
+              <a:solidFill>
+                <a:schemeClr val="tx1">
+                  <a:lumMod val="75000"/>
+                </a:schemeClr>
+              </a:solidFill>
+            </a:endParaRPr>
+          </a:p>
+          <a:p>
+            <a:pPr marL="285750" indent="-285750">
+              <a:buFont typeface="Arial" panose="020B0604020202020204" pitchFamily="34" charset="0"/>
+              <a:buChar char="•"/>
+            </a:pPr>
             <a:r>
-              <a:rPr lang="en-US" altLang="zh-CN" dirty="0">
+              <a:rPr lang="zh-CN" altLang="en-US" dirty="0">
                 <a:solidFill>
                   <a:schemeClr val="tx1">
                     <a:lumMod val="75000"/>
                   </a:schemeClr>
                 </a:solidFill>
               </a:rPr>
-              <a:t>Owner</a:t>
+              <a:t>对每次调用进行检查，阻止不合规的调用执行；</a:t>
             </a:r>
+            <a:endParaRPr lang="en-US" altLang="zh-CN" dirty="0">
+              <a:solidFill>
+                <a:schemeClr val="tx1">
+                  <a:lumMod val="75000"/>
+                </a:schemeClr>
+              </a:solidFill>
+            </a:endParaRPr>
+          </a:p>
+          <a:p>
+            <a:pPr marL="285750" indent="-285750">
+              <a:buFont typeface="Arial" panose="020B0604020202020204" pitchFamily="34" charset="0"/>
+              <a:buChar char="•"/>
+            </a:pPr>
             <a:r>
               <a:rPr lang="zh-CN" altLang="en-US" dirty="0">
                 <a:solidFill>
@@ -7693,47 +10290,64 @@
                   </a:schemeClr>
                 </a:solidFill>
               </a:rPr>
-              <a:t>指定所有者，另指定运营方的</a:t>
+              <a:t>分布式共识规避了某节点作恶的可能性；</a:t>
+            </a:r>
+            <a:endParaRPr lang="en-US" altLang="zh-CN" dirty="0">
+              <a:solidFill>
+                <a:schemeClr val="tx1">
+                  <a:lumMod val="75000"/>
+                </a:schemeClr>
+              </a:solidFill>
+            </a:endParaRPr>
+          </a:p>
+          <a:p>
+            <a:r>
+              <a:rPr lang="en-US" altLang="zh-CN" b="1" dirty="0" err="1">
+                <a:solidFill>
+                  <a:schemeClr val="accent4"/>
+                </a:solidFill>
+              </a:rPr>
+              <a:t>Rpc</a:t>
             </a:r>
             <a:r>
-              <a:rPr lang="en-US" altLang="zh-CN" dirty="0">
-                <a:solidFill>
-                  <a:schemeClr val="tx1">
-                    <a:lumMod val="75000"/>
-                  </a:schemeClr>
+              <a:rPr lang="zh-CN" altLang="en-US" b="1" dirty="0">
+                <a:solidFill>
+                  <a:schemeClr val="accent4"/>
                 </a:solidFill>
               </a:rPr>
-              <a:t>EOA</a:t>
+              <a:t>调用层</a:t>
+            </a:r>
+            <a:endParaRPr lang="en-US" altLang="zh-CN" b="1" dirty="0">
+              <a:solidFill>
+                <a:schemeClr val="accent4"/>
+              </a:solidFill>
+            </a:endParaRPr>
+          </a:p>
+          <a:p>
+            <a:endParaRPr lang="en-US" altLang="zh-CN" dirty="0">
+              <a:solidFill>
+                <a:schemeClr val="tx1">
+                  <a:lumMod val="75000"/>
+                </a:schemeClr>
+              </a:solidFill>
+            </a:endParaRPr>
+          </a:p>
+          <a:p>
+            <a:r>
+              <a:rPr lang="en-US" altLang="zh-CN" b="1" dirty="0">
+                <a:solidFill>
+                  <a:schemeClr val="accent4"/>
+                </a:solidFill>
+              </a:rPr>
+              <a:t>Scan</a:t>
             </a:r>
             <a:r>
-              <a:rPr lang="zh-CN" altLang="en-US" dirty="0">
-                <a:solidFill>
-                  <a:schemeClr val="tx1">
-                    <a:lumMod val="75000"/>
-                  </a:schemeClr>
+              <a:rPr lang="zh-CN" altLang="en-US" b="1" dirty="0">
+                <a:solidFill>
+                  <a:schemeClr val="accent4"/>
                 </a:solidFill>
               </a:rPr>
-              <a:t>列表；所有用户的交易需</a:t>
-            </a:r>
-            <a:r>
-              <a:rPr lang="en-US" altLang="zh-CN" dirty="0">
-                <a:solidFill>
-                  <a:schemeClr val="tx1">
-                    <a:lumMod val="75000"/>
-                  </a:schemeClr>
-                </a:solidFill>
-              </a:rPr>
-              <a:t>Owner</a:t>
-            </a:r>
-            <a:r>
-              <a:rPr lang="zh-CN" altLang="en-US" dirty="0">
-                <a:solidFill>
-                  <a:schemeClr val="tx1">
-                    <a:lumMod val="75000"/>
-                  </a:schemeClr>
-                </a:solidFill>
-              </a:rPr>
-              <a:t>及运营方共同多签后方可执行；</a:t>
+              <a:t>数据层</a:t>
             </a:r>
           </a:p>
         </p:txBody>

--- a/实现设计/WeDID合规监管框架-2022-8-16.pptx
+++ b/实现设计/WeDID合规监管框架-2022-8-16.pptx
@@ -4036,7 +4036,7 @@
             <a:fld id="{432BA5F1-8D45-48C6-A581-11BA5FA35973}" type="datetimeFigureOut">
               <a:rPr lang="zh-CN" altLang="en-US" smtClean="0"/>
               <a:pPr/>
-              <a:t>2022/8/23</a:t>
+              <a:t>2022/9/15</a:t>
             </a:fld>
             <a:endParaRPr lang="zh-CN" altLang="en-US"/>
           </a:p>
@@ -4207,7 +4207,7 @@
             <a:fld id="{673B58EF-4ABD-40F4-ACA4-FE81D742E6DD}" type="datetimeFigureOut">
               <a:rPr lang="zh-CN" altLang="en-US" smtClean="0"/>
               <a:pPr/>
-              <a:t>2022/8/23</a:t>
+              <a:t>2022/9/15</a:t>
             </a:fld>
             <a:endParaRPr lang="zh-CN" altLang="en-US" dirty="0"/>
           </a:p>
@@ -11727,6 +11727,1012 @@
           </a:p>
         </p:txBody>
       </p:sp>
+      <p:grpSp>
+        <p:nvGrpSpPr>
+          <p:cNvPr id="3" name="组合 2">
+            <a:extLst>
+              <a:ext uri="{FF2B5EF4-FFF2-40B4-BE49-F238E27FC236}">
+                <a16:creationId xmlns:a16="http://schemas.microsoft.com/office/drawing/2014/main" id="{8641122B-62AB-A326-FA88-624514E3A75E}"/>
+              </a:ext>
+            </a:extLst>
+          </p:cNvPr>
+          <p:cNvGrpSpPr/>
+          <p:nvPr/>
+        </p:nvGrpSpPr>
+        <p:grpSpPr>
+          <a:xfrm>
+            <a:off x="262558" y="5540844"/>
+            <a:ext cx="3096888" cy="893802"/>
+            <a:chOff x="2276022" y="642475"/>
+            <a:chExt cx="3096888" cy="893802"/>
+          </a:xfrm>
+        </p:grpSpPr>
+        <p:sp>
+          <p:nvSpPr>
+            <p:cNvPr id="4" name="椭圆 3">
+              <a:extLst>
+                <a:ext uri="{FF2B5EF4-FFF2-40B4-BE49-F238E27FC236}">
+                  <a16:creationId xmlns:a16="http://schemas.microsoft.com/office/drawing/2014/main" id="{34D0894C-F109-D174-D038-3B832AFE314A}"/>
+                </a:ext>
+              </a:extLst>
+            </p:cNvPr>
+            <p:cNvSpPr/>
+            <p:nvPr/>
+          </p:nvSpPr>
+          <p:spPr>
+            <a:xfrm>
+              <a:off x="2466498" y="778726"/>
+              <a:ext cx="571429" cy="571636"/>
+            </a:xfrm>
+            <a:prstGeom prst="ellipse">
+              <a:avLst/>
+            </a:prstGeom>
+            <a:solidFill>
+              <a:schemeClr val="accent4"/>
+            </a:solidFill>
+            <a:ln>
+              <a:noFill/>
+            </a:ln>
+            <a:effectLst>
+              <a:innerShdw blurRad="63500" dist="50800" dir="18900000">
+                <a:prstClr val="black">
+                  <a:alpha val="50000"/>
+                </a:prstClr>
+              </a:innerShdw>
+            </a:effectLst>
+          </p:spPr>
+          <p:style>
+            <a:lnRef idx="2">
+              <a:schemeClr val="accent1">
+                <a:shade val="50000"/>
+              </a:schemeClr>
+            </a:lnRef>
+            <a:fillRef idx="1">
+              <a:schemeClr val="accent1"/>
+            </a:fillRef>
+            <a:effectRef idx="0">
+              <a:schemeClr val="accent1"/>
+            </a:effectRef>
+            <a:fontRef idx="minor">
+              <a:schemeClr val="lt1"/>
+            </a:fontRef>
+          </p:style>
+          <p:txBody>
+            <a:bodyPr lIns="121914" tIns="60957" rIns="121914" bIns="60957" rtlCol="0" anchor="ctr"/>
+            <a:lstStyle>
+              <a:defPPr>
+                <a:defRPr lang="zh-CN"/>
+              </a:defPPr>
+              <a:lvl1pPr algn="l" rtl="0" fontAlgn="base">
+                <a:spcBef>
+                  <a:spcPct val="0"/>
+                </a:spcBef>
+                <a:spcAft>
+                  <a:spcPct val="0"/>
+                </a:spcAft>
+                <a:defRPr kern="1200">
+                  <a:solidFill>
+                    <a:schemeClr val="lt1"/>
+                  </a:solidFill>
+                  <a:latin typeface="+mn-lt"/>
+                  <a:ea typeface="+mn-ea"/>
+                  <a:cs typeface="+mn-cs"/>
+                </a:defRPr>
+              </a:lvl1pPr>
+              <a:lvl2pPr marL="609572" algn="l" rtl="0" fontAlgn="base">
+                <a:spcBef>
+                  <a:spcPct val="0"/>
+                </a:spcBef>
+                <a:spcAft>
+                  <a:spcPct val="0"/>
+                </a:spcAft>
+                <a:defRPr kern="1200">
+                  <a:solidFill>
+                    <a:schemeClr val="lt1"/>
+                  </a:solidFill>
+                  <a:latin typeface="+mn-lt"/>
+                  <a:ea typeface="+mn-ea"/>
+                  <a:cs typeface="+mn-cs"/>
+                </a:defRPr>
+              </a:lvl2pPr>
+              <a:lvl3pPr marL="1219143" algn="l" rtl="0" fontAlgn="base">
+                <a:spcBef>
+                  <a:spcPct val="0"/>
+                </a:spcBef>
+                <a:spcAft>
+                  <a:spcPct val="0"/>
+                </a:spcAft>
+                <a:defRPr kern="1200">
+                  <a:solidFill>
+                    <a:schemeClr val="lt1"/>
+                  </a:solidFill>
+                  <a:latin typeface="+mn-lt"/>
+                  <a:ea typeface="+mn-ea"/>
+                  <a:cs typeface="+mn-cs"/>
+                </a:defRPr>
+              </a:lvl3pPr>
+              <a:lvl4pPr marL="1828715" algn="l" rtl="0" fontAlgn="base">
+                <a:spcBef>
+                  <a:spcPct val="0"/>
+                </a:spcBef>
+                <a:spcAft>
+                  <a:spcPct val="0"/>
+                </a:spcAft>
+                <a:defRPr kern="1200">
+                  <a:solidFill>
+                    <a:schemeClr val="lt1"/>
+                  </a:solidFill>
+                  <a:latin typeface="+mn-lt"/>
+                  <a:ea typeface="+mn-ea"/>
+                  <a:cs typeface="+mn-cs"/>
+                </a:defRPr>
+              </a:lvl4pPr>
+              <a:lvl5pPr marL="2438287" algn="l" rtl="0" fontAlgn="base">
+                <a:spcBef>
+                  <a:spcPct val="0"/>
+                </a:spcBef>
+                <a:spcAft>
+                  <a:spcPct val="0"/>
+                </a:spcAft>
+                <a:defRPr kern="1200">
+                  <a:solidFill>
+                    <a:schemeClr val="lt1"/>
+                  </a:solidFill>
+                  <a:latin typeface="+mn-lt"/>
+                  <a:ea typeface="+mn-ea"/>
+                  <a:cs typeface="+mn-cs"/>
+                </a:defRPr>
+              </a:lvl5pPr>
+              <a:lvl6pPr marL="3047858" algn="l" defTabSz="1219143" rtl="0" eaLnBrk="1" latinLnBrk="0" hangingPunct="1">
+                <a:defRPr kern="1200">
+                  <a:solidFill>
+                    <a:schemeClr val="lt1"/>
+                  </a:solidFill>
+                  <a:latin typeface="+mn-lt"/>
+                  <a:ea typeface="+mn-ea"/>
+                  <a:cs typeface="+mn-cs"/>
+                </a:defRPr>
+              </a:lvl6pPr>
+              <a:lvl7pPr marL="3657430" algn="l" defTabSz="1219143" rtl="0" eaLnBrk="1" latinLnBrk="0" hangingPunct="1">
+                <a:defRPr kern="1200">
+                  <a:solidFill>
+                    <a:schemeClr val="lt1"/>
+                  </a:solidFill>
+                  <a:latin typeface="+mn-lt"/>
+                  <a:ea typeface="+mn-ea"/>
+                  <a:cs typeface="+mn-cs"/>
+                </a:defRPr>
+              </a:lvl7pPr>
+              <a:lvl8pPr marL="4267002" algn="l" defTabSz="1219143" rtl="0" eaLnBrk="1" latinLnBrk="0" hangingPunct="1">
+                <a:defRPr kern="1200">
+                  <a:solidFill>
+                    <a:schemeClr val="lt1"/>
+                  </a:solidFill>
+                  <a:latin typeface="+mn-lt"/>
+                  <a:ea typeface="+mn-ea"/>
+                  <a:cs typeface="+mn-cs"/>
+                </a:defRPr>
+              </a:lvl8pPr>
+              <a:lvl9pPr marL="4876573" algn="l" defTabSz="1219143" rtl="0" eaLnBrk="1" latinLnBrk="0" hangingPunct="1">
+                <a:defRPr kern="1200">
+                  <a:solidFill>
+                    <a:schemeClr val="lt1"/>
+                  </a:solidFill>
+                  <a:latin typeface="+mn-lt"/>
+                  <a:ea typeface="+mn-ea"/>
+                  <a:cs typeface="+mn-cs"/>
+                </a:defRPr>
+              </a:lvl9pPr>
+            </a:lstStyle>
+            <a:p>
+              <a:pPr algn="ctr"/>
+              <a:endParaRPr lang="zh-CN" altLang="en-US">
+                <a:solidFill>
+                  <a:prstClr val="white"/>
+                </a:solidFill>
+                <a:latin typeface="+mn-ea"/>
+              </a:endParaRPr>
+            </a:p>
+          </p:txBody>
+        </p:sp>
+        <p:grpSp>
+          <p:nvGrpSpPr>
+            <p:cNvPr id="5" name="组合 4">
+              <a:extLst>
+                <a:ext uri="{FF2B5EF4-FFF2-40B4-BE49-F238E27FC236}">
+                  <a16:creationId xmlns:a16="http://schemas.microsoft.com/office/drawing/2014/main" id="{95265DAA-46A5-DFFA-C511-8BCF950D7A31}"/>
+                </a:ext>
+              </a:extLst>
+            </p:cNvPr>
+            <p:cNvGrpSpPr/>
+            <p:nvPr/>
+          </p:nvGrpSpPr>
+          <p:grpSpPr>
+            <a:xfrm>
+              <a:off x="2276022" y="1152296"/>
+              <a:ext cx="383842" cy="383981"/>
+              <a:chOff x="304800" y="673100"/>
+              <a:chExt cx="4000500" cy="4000500"/>
+            </a:xfrm>
+            <a:effectLst>
+              <a:outerShdw blurRad="381000" dist="152400" dir="8100000" algn="tr" rotWithShape="0">
+                <a:prstClr val="black">
+                  <a:alpha val="70000"/>
+                </a:prstClr>
+              </a:outerShdw>
+            </a:effectLst>
+          </p:grpSpPr>
+          <p:sp>
+            <p:nvSpPr>
+              <p:cNvPr id="26" name="同心圆 48">
+                <a:extLst>
+                  <a:ext uri="{FF2B5EF4-FFF2-40B4-BE49-F238E27FC236}">
+                    <a16:creationId xmlns:a16="http://schemas.microsoft.com/office/drawing/2014/main" id="{21E41202-B3B2-5503-E344-4A7522285150}"/>
+                  </a:ext>
+                </a:extLst>
+              </p:cNvPr>
+              <p:cNvSpPr/>
+              <p:nvPr/>
+            </p:nvSpPr>
+            <p:spPr>
+              <a:xfrm>
+                <a:off x="304800" y="673100"/>
+                <a:ext cx="4000500" cy="4000500"/>
+              </a:xfrm>
+              <a:prstGeom prst="donut">
+                <a:avLst>
+                  <a:gd name="adj" fmla="val 4879"/>
+                </a:avLst>
+              </a:prstGeom>
+              <a:gradFill>
+                <a:gsLst>
+                  <a:gs pos="0">
+                    <a:schemeClr val="bg1"/>
+                  </a:gs>
+                  <a:gs pos="55000">
+                    <a:schemeClr val="bg1">
+                      <a:lumMod val="95000"/>
+                    </a:schemeClr>
+                  </a:gs>
+                  <a:gs pos="100000">
+                    <a:schemeClr val="bg1">
+                      <a:lumMod val="65000"/>
+                    </a:schemeClr>
+                  </a:gs>
+                </a:gsLst>
+                <a:lin ang="8100000" scaled="0"/>
+              </a:gradFill>
+              <a:ln>
+                <a:noFill/>
+              </a:ln>
+            </p:spPr>
+            <p:style>
+              <a:lnRef idx="2">
+                <a:schemeClr val="accent1">
+                  <a:shade val="50000"/>
+                </a:schemeClr>
+              </a:lnRef>
+              <a:fillRef idx="1">
+                <a:schemeClr val="accent1"/>
+              </a:fillRef>
+              <a:effectRef idx="0">
+                <a:schemeClr val="accent1"/>
+              </a:effectRef>
+              <a:fontRef idx="minor">
+                <a:schemeClr val="lt1"/>
+              </a:fontRef>
+            </p:style>
+            <p:txBody>
+              <a:bodyPr rtlCol="0" anchor="ctr"/>
+              <a:lstStyle>
+                <a:defPPr>
+                  <a:defRPr lang="zh-CN"/>
+                </a:defPPr>
+                <a:lvl1pPr algn="l" rtl="0" fontAlgn="base">
+                  <a:spcBef>
+                    <a:spcPct val="0"/>
+                  </a:spcBef>
+                  <a:spcAft>
+                    <a:spcPct val="0"/>
+                  </a:spcAft>
+                  <a:defRPr kern="1200">
+                    <a:solidFill>
+                      <a:schemeClr val="lt1"/>
+                    </a:solidFill>
+                    <a:latin typeface="+mn-lt"/>
+                    <a:ea typeface="+mn-ea"/>
+                    <a:cs typeface="+mn-cs"/>
+                  </a:defRPr>
+                </a:lvl1pPr>
+                <a:lvl2pPr marL="609572" algn="l" rtl="0" fontAlgn="base">
+                  <a:spcBef>
+                    <a:spcPct val="0"/>
+                  </a:spcBef>
+                  <a:spcAft>
+                    <a:spcPct val="0"/>
+                  </a:spcAft>
+                  <a:defRPr kern="1200">
+                    <a:solidFill>
+                      <a:schemeClr val="lt1"/>
+                    </a:solidFill>
+                    <a:latin typeface="+mn-lt"/>
+                    <a:ea typeface="+mn-ea"/>
+                    <a:cs typeface="+mn-cs"/>
+                  </a:defRPr>
+                </a:lvl2pPr>
+                <a:lvl3pPr marL="1219143" algn="l" rtl="0" fontAlgn="base">
+                  <a:spcBef>
+                    <a:spcPct val="0"/>
+                  </a:spcBef>
+                  <a:spcAft>
+                    <a:spcPct val="0"/>
+                  </a:spcAft>
+                  <a:defRPr kern="1200">
+                    <a:solidFill>
+                      <a:schemeClr val="lt1"/>
+                    </a:solidFill>
+                    <a:latin typeface="+mn-lt"/>
+                    <a:ea typeface="+mn-ea"/>
+                    <a:cs typeface="+mn-cs"/>
+                  </a:defRPr>
+                </a:lvl3pPr>
+                <a:lvl4pPr marL="1828715" algn="l" rtl="0" fontAlgn="base">
+                  <a:spcBef>
+                    <a:spcPct val="0"/>
+                  </a:spcBef>
+                  <a:spcAft>
+                    <a:spcPct val="0"/>
+                  </a:spcAft>
+                  <a:defRPr kern="1200">
+                    <a:solidFill>
+                      <a:schemeClr val="lt1"/>
+                    </a:solidFill>
+                    <a:latin typeface="+mn-lt"/>
+                    <a:ea typeface="+mn-ea"/>
+                    <a:cs typeface="+mn-cs"/>
+                  </a:defRPr>
+                </a:lvl4pPr>
+                <a:lvl5pPr marL="2438287" algn="l" rtl="0" fontAlgn="base">
+                  <a:spcBef>
+                    <a:spcPct val="0"/>
+                  </a:spcBef>
+                  <a:spcAft>
+                    <a:spcPct val="0"/>
+                  </a:spcAft>
+                  <a:defRPr kern="1200">
+                    <a:solidFill>
+                      <a:schemeClr val="lt1"/>
+                    </a:solidFill>
+                    <a:latin typeface="+mn-lt"/>
+                    <a:ea typeface="+mn-ea"/>
+                    <a:cs typeface="+mn-cs"/>
+                  </a:defRPr>
+                </a:lvl5pPr>
+                <a:lvl6pPr marL="3047858" algn="l" defTabSz="1219143" rtl="0" eaLnBrk="1" latinLnBrk="0" hangingPunct="1">
+                  <a:defRPr kern="1200">
+                    <a:solidFill>
+                      <a:schemeClr val="lt1"/>
+                    </a:solidFill>
+                    <a:latin typeface="+mn-lt"/>
+                    <a:ea typeface="+mn-ea"/>
+                    <a:cs typeface="+mn-cs"/>
+                  </a:defRPr>
+                </a:lvl6pPr>
+                <a:lvl7pPr marL="3657430" algn="l" defTabSz="1219143" rtl="0" eaLnBrk="1" latinLnBrk="0" hangingPunct="1">
+                  <a:defRPr kern="1200">
+                    <a:solidFill>
+                      <a:schemeClr val="lt1"/>
+                    </a:solidFill>
+                    <a:latin typeface="+mn-lt"/>
+                    <a:ea typeface="+mn-ea"/>
+                    <a:cs typeface="+mn-cs"/>
+                  </a:defRPr>
+                </a:lvl7pPr>
+                <a:lvl8pPr marL="4267002" algn="l" defTabSz="1219143" rtl="0" eaLnBrk="1" latinLnBrk="0" hangingPunct="1">
+                  <a:defRPr kern="1200">
+                    <a:solidFill>
+                      <a:schemeClr val="lt1"/>
+                    </a:solidFill>
+                    <a:latin typeface="+mn-lt"/>
+                    <a:ea typeface="+mn-ea"/>
+                    <a:cs typeface="+mn-cs"/>
+                  </a:defRPr>
+                </a:lvl8pPr>
+                <a:lvl9pPr marL="4876573" algn="l" defTabSz="1219143" rtl="0" eaLnBrk="1" latinLnBrk="0" hangingPunct="1">
+                  <a:defRPr kern="1200">
+                    <a:solidFill>
+                      <a:schemeClr val="lt1"/>
+                    </a:solidFill>
+                    <a:latin typeface="+mn-lt"/>
+                    <a:ea typeface="+mn-ea"/>
+                    <a:cs typeface="+mn-cs"/>
+                  </a:defRPr>
+                </a:lvl9pPr>
+              </a:lstStyle>
+              <a:p>
+                <a:pPr algn="ctr"/>
+                <a:endParaRPr lang="zh-CN" altLang="en-US">
+                  <a:solidFill>
+                    <a:prstClr val="black"/>
+                  </a:solidFill>
+                  <a:latin typeface="+mn-ea"/>
+                </a:endParaRPr>
+              </a:p>
+            </p:txBody>
+          </p:sp>
+          <p:sp>
+            <p:nvSpPr>
+              <p:cNvPr id="29" name="椭圆 28">
+                <a:extLst>
+                  <a:ext uri="{FF2B5EF4-FFF2-40B4-BE49-F238E27FC236}">
+                    <a16:creationId xmlns:a16="http://schemas.microsoft.com/office/drawing/2014/main" id="{4425E611-A011-1B3E-36D3-F0298D602B76}"/>
+                  </a:ext>
+                </a:extLst>
+              </p:cNvPr>
+              <p:cNvSpPr/>
+              <p:nvPr/>
+            </p:nvSpPr>
+            <p:spPr>
+              <a:xfrm>
+                <a:off x="479425" y="847725"/>
+                <a:ext cx="3651250" cy="3651250"/>
+              </a:xfrm>
+              <a:prstGeom prst="ellipse">
+                <a:avLst/>
+              </a:prstGeom>
+              <a:gradFill>
+                <a:gsLst>
+                  <a:gs pos="0">
+                    <a:schemeClr val="bg1"/>
+                  </a:gs>
+                  <a:gs pos="51000">
+                    <a:schemeClr val="bg1">
+                      <a:lumMod val="95000"/>
+                    </a:schemeClr>
+                  </a:gs>
+                  <a:gs pos="100000">
+                    <a:schemeClr val="bg1">
+                      <a:lumMod val="75000"/>
+                    </a:schemeClr>
+                  </a:gs>
+                </a:gsLst>
+                <a:lin ang="18900000" scaled="0"/>
+              </a:gradFill>
+              <a:ln>
+                <a:noFill/>
+              </a:ln>
+            </p:spPr>
+            <p:style>
+              <a:lnRef idx="2">
+                <a:schemeClr val="accent1">
+                  <a:shade val="50000"/>
+                </a:schemeClr>
+              </a:lnRef>
+              <a:fillRef idx="1">
+                <a:schemeClr val="accent1"/>
+              </a:fillRef>
+              <a:effectRef idx="0">
+                <a:schemeClr val="accent1"/>
+              </a:effectRef>
+              <a:fontRef idx="minor">
+                <a:schemeClr val="lt1"/>
+              </a:fontRef>
+            </p:style>
+            <p:txBody>
+              <a:bodyPr rtlCol="0" anchor="ctr"/>
+              <a:lstStyle>
+                <a:defPPr>
+                  <a:defRPr lang="zh-CN"/>
+                </a:defPPr>
+                <a:lvl1pPr algn="l" rtl="0" fontAlgn="base">
+                  <a:spcBef>
+                    <a:spcPct val="0"/>
+                  </a:spcBef>
+                  <a:spcAft>
+                    <a:spcPct val="0"/>
+                  </a:spcAft>
+                  <a:defRPr kern="1200">
+                    <a:solidFill>
+                      <a:schemeClr val="lt1"/>
+                    </a:solidFill>
+                    <a:latin typeface="+mn-lt"/>
+                    <a:ea typeface="+mn-ea"/>
+                    <a:cs typeface="+mn-cs"/>
+                  </a:defRPr>
+                </a:lvl1pPr>
+                <a:lvl2pPr marL="609572" algn="l" rtl="0" fontAlgn="base">
+                  <a:spcBef>
+                    <a:spcPct val="0"/>
+                  </a:spcBef>
+                  <a:spcAft>
+                    <a:spcPct val="0"/>
+                  </a:spcAft>
+                  <a:defRPr kern="1200">
+                    <a:solidFill>
+                      <a:schemeClr val="lt1"/>
+                    </a:solidFill>
+                    <a:latin typeface="+mn-lt"/>
+                    <a:ea typeface="+mn-ea"/>
+                    <a:cs typeface="+mn-cs"/>
+                  </a:defRPr>
+                </a:lvl2pPr>
+                <a:lvl3pPr marL="1219143" algn="l" rtl="0" fontAlgn="base">
+                  <a:spcBef>
+                    <a:spcPct val="0"/>
+                  </a:spcBef>
+                  <a:spcAft>
+                    <a:spcPct val="0"/>
+                  </a:spcAft>
+                  <a:defRPr kern="1200">
+                    <a:solidFill>
+                      <a:schemeClr val="lt1"/>
+                    </a:solidFill>
+                    <a:latin typeface="+mn-lt"/>
+                    <a:ea typeface="+mn-ea"/>
+                    <a:cs typeface="+mn-cs"/>
+                  </a:defRPr>
+                </a:lvl3pPr>
+                <a:lvl4pPr marL="1828715" algn="l" rtl="0" fontAlgn="base">
+                  <a:spcBef>
+                    <a:spcPct val="0"/>
+                  </a:spcBef>
+                  <a:spcAft>
+                    <a:spcPct val="0"/>
+                  </a:spcAft>
+                  <a:defRPr kern="1200">
+                    <a:solidFill>
+                      <a:schemeClr val="lt1"/>
+                    </a:solidFill>
+                    <a:latin typeface="+mn-lt"/>
+                    <a:ea typeface="+mn-ea"/>
+                    <a:cs typeface="+mn-cs"/>
+                  </a:defRPr>
+                </a:lvl4pPr>
+                <a:lvl5pPr marL="2438287" algn="l" rtl="0" fontAlgn="base">
+                  <a:spcBef>
+                    <a:spcPct val="0"/>
+                  </a:spcBef>
+                  <a:spcAft>
+                    <a:spcPct val="0"/>
+                  </a:spcAft>
+                  <a:defRPr kern="1200">
+                    <a:solidFill>
+                      <a:schemeClr val="lt1"/>
+                    </a:solidFill>
+                    <a:latin typeface="+mn-lt"/>
+                    <a:ea typeface="+mn-ea"/>
+                    <a:cs typeface="+mn-cs"/>
+                  </a:defRPr>
+                </a:lvl5pPr>
+                <a:lvl6pPr marL="3047858" algn="l" defTabSz="1219143" rtl="0" eaLnBrk="1" latinLnBrk="0" hangingPunct="1">
+                  <a:defRPr kern="1200">
+                    <a:solidFill>
+                      <a:schemeClr val="lt1"/>
+                    </a:solidFill>
+                    <a:latin typeface="+mn-lt"/>
+                    <a:ea typeface="+mn-ea"/>
+                    <a:cs typeface="+mn-cs"/>
+                  </a:defRPr>
+                </a:lvl6pPr>
+                <a:lvl7pPr marL="3657430" algn="l" defTabSz="1219143" rtl="0" eaLnBrk="1" latinLnBrk="0" hangingPunct="1">
+                  <a:defRPr kern="1200">
+                    <a:solidFill>
+                      <a:schemeClr val="lt1"/>
+                    </a:solidFill>
+                    <a:latin typeface="+mn-lt"/>
+                    <a:ea typeface="+mn-ea"/>
+                    <a:cs typeface="+mn-cs"/>
+                  </a:defRPr>
+                </a:lvl7pPr>
+                <a:lvl8pPr marL="4267002" algn="l" defTabSz="1219143" rtl="0" eaLnBrk="1" latinLnBrk="0" hangingPunct="1">
+                  <a:defRPr kern="1200">
+                    <a:solidFill>
+                      <a:schemeClr val="lt1"/>
+                    </a:solidFill>
+                    <a:latin typeface="+mn-lt"/>
+                    <a:ea typeface="+mn-ea"/>
+                    <a:cs typeface="+mn-cs"/>
+                  </a:defRPr>
+                </a:lvl8pPr>
+                <a:lvl9pPr marL="4876573" algn="l" defTabSz="1219143" rtl="0" eaLnBrk="1" latinLnBrk="0" hangingPunct="1">
+                  <a:defRPr kern="1200">
+                    <a:solidFill>
+                      <a:schemeClr val="lt1"/>
+                    </a:solidFill>
+                    <a:latin typeface="+mn-lt"/>
+                    <a:ea typeface="+mn-ea"/>
+                    <a:cs typeface="+mn-cs"/>
+                  </a:defRPr>
+                </a:lvl9pPr>
+              </a:lstStyle>
+              <a:p>
+                <a:pPr algn="ctr"/>
+                <a:endParaRPr lang="zh-CN" altLang="en-US">
+                  <a:solidFill>
+                    <a:prstClr val="white"/>
+                  </a:solidFill>
+                  <a:latin typeface="+mn-ea"/>
+                </a:endParaRPr>
+              </a:p>
+            </p:txBody>
+          </p:sp>
+        </p:grpSp>
+        <p:sp>
+          <p:nvSpPr>
+            <p:cNvPr id="6" name="文本框 11">
+              <a:extLst>
+                <a:ext uri="{FF2B5EF4-FFF2-40B4-BE49-F238E27FC236}">
+                  <a16:creationId xmlns:a16="http://schemas.microsoft.com/office/drawing/2014/main" id="{85C5D72E-0361-FCD2-F24D-201FDF6A61A6}"/>
+                </a:ext>
+              </a:extLst>
+            </p:cNvPr>
+            <p:cNvSpPr txBox="1"/>
+            <p:nvPr/>
+          </p:nvSpPr>
+          <p:spPr>
+            <a:xfrm>
+              <a:off x="2998862" y="642475"/>
+              <a:ext cx="2374048" cy="830997"/>
+            </a:xfrm>
+            <a:prstGeom prst="rect">
+              <a:avLst/>
+            </a:prstGeom>
+            <a:noFill/>
+          </p:spPr>
+          <p:txBody>
+            <a:bodyPr wrap="none" lIns="0" tIns="0" rIns="0" bIns="0" rtlCol="0">
+              <a:spAutoFit/>
+            </a:bodyPr>
+            <a:lstStyle>
+              <a:defPPr>
+                <a:defRPr lang="zh-CN"/>
+              </a:defPPr>
+              <a:lvl1pPr algn="l" rtl="0" fontAlgn="base">
+                <a:spcBef>
+                  <a:spcPct val="0"/>
+                </a:spcBef>
+                <a:spcAft>
+                  <a:spcPct val="0"/>
+                </a:spcAft>
+                <a:defRPr kern="1200">
+                  <a:solidFill>
+                    <a:schemeClr val="tx1"/>
+                  </a:solidFill>
+                  <a:latin typeface="Calibri" pitchFamily="34" charset="0"/>
+                  <a:ea typeface="宋体" charset="-122"/>
+                  <a:cs typeface="+mn-cs"/>
+                </a:defRPr>
+              </a:lvl1pPr>
+              <a:lvl2pPr marL="609572" algn="l" rtl="0" fontAlgn="base">
+                <a:spcBef>
+                  <a:spcPct val="0"/>
+                </a:spcBef>
+                <a:spcAft>
+                  <a:spcPct val="0"/>
+                </a:spcAft>
+                <a:defRPr kern="1200">
+                  <a:solidFill>
+                    <a:schemeClr val="tx1"/>
+                  </a:solidFill>
+                  <a:latin typeface="Calibri" pitchFamily="34" charset="0"/>
+                  <a:ea typeface="宋体" charset="-122"/>
+                  <a:cs typeface="+mn-cs"/>
+                </a:defRPr>
+              </a:lvl2pPr>
+              <a:lvl3pPr marL="1219143" algn="l" rtl="0" fontAlgn="base">
+                <a:spcBef>
+                  <a:spcPct val="0"/>
+                </a:spcBef>
+                <a:spcAft>
+                  <a:spcPct val="0"/>
+                </a:spcAft>
+                <a:defRPr kern="1200">
+                  <a:solidFill>
+                    <a:schemeClr val="tx1"/>
+                  </a:solidFill>
+                  <a:latin typeface="Calibri" pitchFamily="34" charset="0"/>
+                  <a:ea typeface="宋体" charset="-122"/>
+                  <a:cs typeface="+mn-cs"/>
+                </a:defRPr>
+              </a:lvl3pPr>
+              <a:lvl4pPr marL="1828715" algn="l" rtl="0" fontAlgn="base">
+                <a:spcBef>
+                  <a:spcPct val="0"/>
+                </a:spcBef>
+                <a:spcAft>
+                  <a:spcPct val="0"/>
+                </a:spcAft>
+                <a:defRPr kern="1200">
+                  <a:solidFill>
+                    <a:schemeClr val="tx1"/>
+                  </a:solidFill>
+                  <a:latin typeface="Calibri" pitchFamily="34" charset="0"/>
+                  <a:ea typeface="宋体" charset="-122"/>
+                  <a:cs typeface="+mn-cs"/>
+                </a:defRPr>
+              </a:lvl4pPr>
+              <a:lvl5pPr marL="2438287" algn="l" rtl="0" fontAlgn="base">
+                <a:spcBef>
+                  <a:spcPct val="0"/>
+                </a:spcBef>
+                <a:spcAft>
+                  <a:spcPct val="0"/>
+                </a:spcAft>
+                <a:defRPr kern="1200">
+                  <a:solidFill>
+                    <a:schemeClr val="tx1"/>
+                  </a:solidFill>
+                  <a:latin typeface="Calibri" pitchFamily="34" charset="0"/>
+                  <a:ea typeface="宋体" charset="-122"/>
+                  <a:cs typeface="+mn-cs"/>
+                </a:defRPr>
+              </a:lvl5pPr>
+              <a:lvl6pPr marL="3047858" algn="l" defTabSz="1219143" rtl="0" eaLnBrk="1" latinLnBrk="0" hangingPunct="1">
+                <a:defRPr kern="1200">
+                  <a:solidFill>
+                    <a:schemeClr val="tx1"/>
+                  </a:solidFill>
+                  <a:latin typeface="Calibri" pitchFamily="34" charset="0"/>
+                  <a:ea typeface="宋体" charset="-122"/>
+                  <a:cs typeface="+mn-cs"/>
+                </a:defRPr>
+              </a:lvl6pPr>
+              <a:lvl7pPr marL="3657430" algn="l" defTabSz="1219143" rtl="0" eaLnBrk="1" latinLnBrk="0" hangingPunct="1">
+                <a:defRPr kern="1200">
+                  <a:solidFill>
+                    <a:schemeClr val="tx1"/>
+                  </a:solidFill>
+                  <a:latin typeface="Calibri" pitchFamily="34" charset="0"/>
+                  <a:ea typeface="宋体" charset="-122"/>
+                  <a:cs typeface="+mn-cs"/>
+                </a:defRPr>
+              </a:lvl7pPr>
+              <a:lvl8pPr marL="4267002" algn="l" defTabSz="1219143" rtl="0" eaLnBrk="1" latinLnBrk="0" hangingPunct="1">
+                <a:defRPr kern="1200">
+                  <a:solidFill>
+                    <a:schemeClr val="tx1"/>
+                  </a:solidFill>
+                  <a:latin typeface="Calibri" pitchFamily="34" charset="0"/>
+                  <a:ea typeface="宋体" charset="-122"/>
+                  <a:cs typeface="+mn-cs"/>
+                </a:defRPr>
+              </a:lvl8pPr>
+              <a:lvl9pPr marL="4876573" algn="l" defTabSz="1219143" rtl="0" eaLnBrk="1" latinLnBrk="0" hangingPunct="1">
+                <a:defRPr kern="1200">
+                  <a:solidFill>
+                    <a:schemeClr val="tx1"/>
+                  </a:solidFill>
+                  <a:latin typeface="Calibri" pitchFamily="34" charset="0"/>
+                  <a:ea typeface="宋体" charset="-122"/>
+                  <a:cs typeface="+mn-cs"/>
+                </a:defRPr>
+              </a:lvl9pPr>
+            </a:lstStyle>
+            <a:p>
+              <a:r>
+                <a:rPr lang="en-US" altLang="zh-CN" sz="5400" b="1" i="1" spc="400" dirty="0">
+                  <a:solidFill>
+                    <a:srgbClr val="00AAF0"/>
+                  </a:solidFill>
+                  <a:latin typeface="Algerian" panose="04020705040A02060702" pitchFamily="82" charset="0"/>
+                  <a:ea typeface="+mn-ea"/>
+                  <a:cs typeface="Arabic Typesetting" panose="020B0604020202020204" pitchFamily="66" charset="-78"/>
+                </a:rPr>
+                <a:t>WEDID</a:t>
+              </a:r>
+              <a:r>
+                <a:rPr lang="en-US" altLang="zh-CN" sz="1200" b="1" i="1" spc="400" dirty="0">
+                  <a:solidFill>
+                    <a:srgbClr val="00AAF0"/>
+                  </a:solidFill>
+                  <a:latin typeface="Algerian" panose="04020705040A02060702" pitchFamily="82" charset="0"/>
+                  <a:ea typeface="+mn-ea"/>
+                  <a:cs typeface="Arabic Typesetting" panose="020B0604020202020204" pitchFamily="66" charset="-78"/>
+                </a:rPr>
+                <a:t> </a:t>
+              </a:r>
+            </a:p>
+          </p:txBody>
+        </p:sp>
+        <p:sp>
+          <p:nvSpPr>
+            <p:cNvPr id="7" name="文本框 12">
+              <a:extLst>
+                <a:ext uri="{FF2B5EF4-FFF2-40B4-BE49-F238E27FC236}">
+                  <a16:creationId xmlns:a16="http://schemas.microsoft.com/office/drawing/2014/main" id="{D0617135-ED05-8BCC-A403-1A3886BA37B6}"/>
+                </a:ext>
+              </a:extLst>
+            </p:cNvPr>
+            <p:cNvSpPr txBox="1"/>
+            <p:nvPr/>
+          </p:nvSpPr>
+          <p:spPr>
+            <a:xfrm>
+              <a:off x="3304474" y="1334757"/>
+              <a:ext cx="2010872" cy="184666"/>
+            </a:xfrm>
+            <a:prstGeom prst="rect">
+              <a:avLst/>
+            </a:prstGeom>
+            <a:noFill/>
+          </p:spPr>
+          <p:txBody>
+            <a:bodyPr wrap="none" lIns="0" tIns="0" rIns="0" bIns="0" rtlCol="0">
+              <a:spAutoFit/>
+            </a:bodyPr>
+            <a:lstStyle>
+              <a:defPPr>
+                <a:defRPr lang="zh-CN"/>
+              </a:defPPr>
+              <a:lvl1pPr algn="l" rtl="0" fontAlgn="base">
+                <a:spcBef>
+                  <a:spcPct val="0"/>
+                </a:spcBef>
+                <a:spcAft>
+                  <a:spcPct val="0"/>
+                </a:spcAft>
+                <a:defRPr kern="1200">
+                  <a:solidFill>
+                    <a:schemeClr val="tx1"/>
+                  </a:solidFill>
+                  <a:latin typeface="Calibri" pitchFamily="34" charset="0"/>
+                  <a:ea typeface="宋体" charset="-122"/>
+                  <a:cs typeface="+mn-cs"/>
+                </a:defRPr>
+              </a:lvl1pPr>
+              <a:lvl2pPr marL="609572" algn="l" rtl="0" fontAlgn="base">
+                <a:spcBef>
+                  <a:spcPct val="0"/>
+                </a:spcBef>
+                <a:spcAft>
+                  <a:spcPct val="0"/>
+                </a:spcAft>
+                <a:defRPr kern="1200">
+                  <a:solidFill>
+                    <a:schemeClr val="tx1"/>
+                  </a:solidFill>
+                  <a:latin typeface="Calibri" pitchFamily="34" charset="0"/>
+                  <a:ea typeface="宋体" charset="-122"/>
+                  <a:cs typeface="+mn-cs"/>
+                </a:defRPr>
+              </a:lvl2pPr>
+              <a:lvl3pPr marL="1219143" algn="l" rtl="0" fontAlgn="base">
+                <a:spcBef>
+                  <a:spcPct val="0"/>
+                </a:spcBef>
+                <a:spcAft>
+                  <a:spcPct val="0"/>
+                </a:spcAft>
+                <a:defRPr kern="1200">
+                  <a:solidFill>
+                    <a:schemeClr val="tx1"/>
+                  </a:solidFill>
+                  <a:latin typeface="Calibri" pitchFamily="34" charset="0"/>
+                  <a:ea typeface="宋体" charset="-122"/>
+                  <a:cs typeface="+mn-cs"/>
+                </a:defRPr>
+              </a:lvl3pPr>
+              <a:lvl4pPr marL="1828715" algn="l" rtl="0" fontAlgn="base">
+                <a:spcBef>
+                  <a:spcPct val="0"/>
+                </a:spcBef>
+                <a:spcAft>
+                  <a:spcPct val="0"/>
+                </a:spcAft>
+                <a:defRPr kern="1200">
+                  <a:solidFill>
+                    <a:schemeClr val="tx1"/>
+                  </a:solidFill>
+                  <a:latin typeface="Calibri" pitchFamily="34" charset="0"/>
+                  <a:ea typeface="宋体" charset="-122"/>
+                  <a:cs typeface="+mn-cs"/>
+                </a:defRPr>
+              </a:lvl4pPr>
+              <a:lvl5pPr marL="2438287" algn="l" rtl="0" fontAlgn="base">
+                <a:spcBef>
+                  <a:spcPct val="0"/>
+                </a:spcBef>
+                <a:spcAft>
+                  <a:spcPct val="0"/>
+                </a:spcAft>
+                <a:defRPr kern="1200">
+                  <a:solidFill>
+                    <a:schemeClr val="tx1"/>
+                  </a:solidFill>
+                  <a:latin typeface="Calibri" pitchFamily="34" charset="0"/>
+                  <a:ea typeface="宋体" charset="-122"/>
+                  <a:cs typeface="+mn-cs"/>
+                </a:defRPr>
+              </a:lvl5pPr>
+              <a:lvl6pPr marL="3047858" algn="l" defTabSz="1219143" rtl="0" eaLnBrk="1" latinLnBrk="0" hangingPunct="1">
+                <a:defRPr kern="1200">
+                  <a:solidFill>
+                    <a:schemeClr val="tx1"/>
+                  </a:solidFill>
+                  <a:latin typeface="Calibri" pitchFamily="34" charset="0"/>
+                  <a:ea typeface="宋体" charset="-122"/>
+                  <a:cs typeface="+mn-cs"/>
+                </a:defRPr>
+              </a:lvl6pPr>
+              <a:lvl7pPr marL="3657430" algn="l" defTabSz="1219143" rtl="0" eaLnBrk="1" latinLnBrk="0" hangingPunct="1">
+                <a:defRPr kern="1200">
+                  <a:solidFill>
+                    <a:schemeClr val="tx1"/>
+                  </a:solidFill>
+                  <a:latin typeface="Calibri" pitchFamily="34" charset="0"/>
+                  <a:ea typeface="宋体" charset="-122"/>
+                  <a:cs typeface="+mn-cs"/>
+                </a:defRPr>
+              </a:lvl7pPr>
+              <a:lvl8pPr marL="4267002" algn="l" defTabSz="1219143" rtl="0" eaLnBrk="1" latinLnBrk="0" hangingPunct="1">
+                <a:defRPr kern="1200">
+                  <a:solidFill>
+                    <a:schemeClr val="tx1"/>
+                  </a:solidFill>
+                  <a:latin typeface="Calibri" pitchFamily="34" charset="0"/>
+                  <a:ea typeface="宋体" charset="-122"/>
+                  <a:cs typeface="+mn-cs"/>
+                </a:defRPr>
+              </a:lvl8pPr>
+              <a:lvl9pPr marL="4876573" algn="l" defTabSz="1219143" rtl="0" eaLnBrk="1" latinLnBrk="0" hangingPunct="1">
+                <a:defRPr kern="1200">
+                  <a:solidFill>
+                    <a:schemeClr val="tx1"/>
+                  </a:solidFill>
+                  <a:latin typeface="Calibri" pitchFamily="34" charset="0"/>
+                  <a:ea typeface="宋体" charset="-122"/>
+                  <a:cs typeface="+mn-cs"/>
+                </a:defRPr>
+              </a:lvl9pPr>
+            </a:lstStyle>
+            <a:p>
+              <a:r>
+                <a:rPr lang="en-US" altLang="zh-CN" sz="1200" b="1" i="1" spc="400" dirty="0">
+                  <a:solidFill>
+                    <a:schemeClr val="accent6">
+                      <a:lumMod val="60000"/>
+                      <a:lumOff val="40000"/>
+                    </a:schemeClr>
+                  </a:solidFill>
+                  <a:latin typeface="Arial" panose="020B0604020202020204" pitchFamily="34" charset="0"/>
+                  <a:ea typeface="+mn-ea"/>
+                  <a:cs typeface="Arial" panose="020B0604020202020204" pitchFamily="34" charset="0"/>
+                </a:rPr>
+                <a:t>Testnet</a:t>
+              </a:r>
+              <a:r>
+                <a:rPr lang="en-US" altLang="zh-CN" sz="1200" b="1" i="1" spc="400" dirty="0">
+                  <a:solidFill>
+                    <a:srgbClr val="00AAF0"/>
+                  </a:solidFill>
+                  <a:latin typeface="Arial" panose="020B0604020202020204" pitchFamily="34" charset="0"/>
+                  <a:ea typeface="+mn-ea"/>
+                  <a:cs typeface="Arial" panose="020B0604020202020204" pitchFamily="34" charset="0"/>
+                </a:rPr>
+                <a:t> </a:t>
+              </a:r>
+              <a:r>
+                <a:rPr lang="en-US" altLang="zh-CN" sz="1200" b="1" spc="400" dirty="0">
+                  <a:solidFill>
+                    <a:srgbClr val="00AAF0"/>
+                  </a:solidFill>
+                  <a:latin typeface="Arial" panose="020B0604020202020204" pitchFamily="34" charset="0"/>
+                  <a:ea typeface="+mn-ea"/>
+                  <a:cs typeface="Arial" panose="020B0604020202020204" pitchFamily="34" charset="0"/>
+                </a:rPr>
+                <a:t>explorer</a:t>
+              </a:r>
+              <a:endParaRPr lang="zh-CN" altLang="en-US" sz="1200" b="1" dirty="0">
+                <a:solidFill>
+                  <a:schemeClr val="accent6"/>
+                </a:solidFill>
+                <a:latin typeface="微软雅黑" pitchFamily="34" charset="-122"/>
+                <a:ea typeface="微软雅黑" pitchFamily="34" charset="-122"/>
+              </a:endParaRPr>
+            </a:p>
+          </p:txBody>
+        </p:sp>
+      </p:grpSp>
     </p:spTree>
   </p:cSld>
   <p:clrMapOvr>
